--- a/SAP精简版.pptx
+++ b/SAP精简版.pptx
@@ -9,15 +9,23 @@
     <p:sldId id="257" r:id="rId3"/>
     <p:sldId id="258" r:id="rId4"/>
     <p:sldId id="259" r:id="rId5"/>
-    <p:sldId id="260" r:id="rId6"/>
-    <p:sldId id="261" r:id="rId7"/>
-    <p:sldId id="262" r:id="rId8"/>
-    <p:sldId id="264" r:id="rId9"/>
-    <p:sldId id="265" r:id="rId10"/>
-    <p:sldId id="268" r:id="rId11"/>
-    <p:sldId id="266" r:id="rId12"/>
-    <p:sldId id="263" r:id="rId13"/>
-    <p:sldId id="267" r:id="rId14"/>
+    <p:sldId id="276" r:id="rId6"/>
+    <p:sldId id="270" r:id="rId7"/>
+    <p:sldId id="272" r:id="rId8"/>
+    <p:sldId id="273" r:id="rId9"/>
+    <p:sldId id="274" r:id="rId10"/>
+    <p:sldId id="277" r:id="rId11"/>
+    <p:sldId id="271" r:id="rId12"/>
+    <p:sldId id="275" r:id="rId13"/>
+    <p:sldId id="260" r:id="rId14"/>
+    <p:sldId id="261" r:id="rId15"/>
+    <p:sldId id="262" r:id="rId16"/>
+    <p:sldId id="264" r:id="rId17"/>
+    <p:sldId id="269" r:id="rId18"/>
+    <p:sldId id="268" r:id="rId19"/>
+    <p:sldId id="266" r:id="rId20"/>
+    <p:sldId id="263" r:id="rId21"/>
+    <p:sldId id="267" r:id="rId22"/>
   </p:sldIdLst>
   <p:sldSz cx="12192000" cy="6858000"/>
   <p:notesSz cx="6858000" cy="9144000"/>
@@ -116,6 +124,11 @@
       </a:defRPr>
     </a:lvl9pPr>
   </p:defaultTextStyle>
+  <p:extLst>
+    <p:ext uri="{EFAFB233-063F-42B5-8137-9DF3F51BA10A}">
+      <p15:sldGuideLst xmlns:p15="http://schemas.microsoft.com/office/powerpoint/2012/main"/>
+    </p:ext>
+  </p:extLst>
 </p:presentation>
 </file>
 
@@ -129,6 +142,10 @@
     </p:extLst>
   </p:cmAuthor>
 </p:cmAuthorLst>
+</file>
+
+<file path=ppt/revisionInfo.xml><?xml version="1.0" encoding="utf-8"?>
+<p1510:revInfo xmlns:a="http://schemas.openxmlformats.org/drawingml/2006/main" xmlns:r="http://schemas.openxmlformats.org/officeDocument/2006/relationships" xmlns:p1510="http://schemas.microsoft.com/office/powerpoint/2015/10/main"/>
 </file>
 
 <file path=ppt/ink/ink1.xml><?xml version="1.0" encoding="utf-8"?>
@@ -174,6 +191,93 @@
           <inkml:channelProperty channel="Y" name="resolution" value="1000" units="1/cm"/>
         </inkml:channelProperties>
       </inkml:inkSource>
+      <inkml:timestamp xml:id="ts0" timeString="2017-10-23T18:39:13.363"/>
+    </inkml:context>
+    <inkml:brush xml:id="br0">
+      <inkml:brushProperty name="width" value="0.16" units="cm"/>
+      <inkml:brushProperty name="height" value="0.32" units="cm"/>
+      <inkml:brushProperty name="color" value="#FFFF00"/>
+      <inkml:brushProperty name="tip" value="rectangle"/>
+      <inkml:brushProperty name="rasterOp" value="maskPen"/>
+      <inkml:brushProperty name="ignorePressure" value="1"/>
+    </inkml:brush>
+  </inkml:definitions>
+  <inkml:trace contextRef="#ctx0" brushRef="#br0">4573 2338,'-3'-4,"-7"-5,-5-7,0-7,-1-1,0-8,5-3,8 1,17 1,14 7,19-2,13 6,28-3,13-1,11-5,3 4,-6 2,-8 5,-22 6</inkml:trace>
+</inkml:ink>
+</file>
+
+<file path=ppt/ink/ink3.xml><?xml version="1.0" encoding="utf-8"?>
+<inkml:ink xmlns:inkml="http://www.w3.org/2003/InkML">
+  <inkml:definitions>
+    <inkml:context xml:id="ctx0">
+      <inkml:inkSource xml:id="inkSrc0">
+        <inkml:traceFormat>
+          <inkml:channel name="X" type="integer" min="-2.14748E9" max="2.14748E9" units="cm"/>
+          <inkml:channel name="Y" type="integer" min="-2.14748E9" max="2.14748E9" units="cm"/>
+        </inkml:traceFormat>
+        <inkml:channelProperties>
+          <inkml:channelProperty channel="X" name="resolution" value="1000" units="1/cm"/>
+          <inkml:channelProperty channel="Y" name="resolution" value="1000" units="1/cm"/>
+        </inkml:channelProperties>
+      </inkml:inkSource>
+      <inkml:timestamp xml:id="ts0" timeString="2017-10-23T18:39:19.702"/>
+    </inkml:context>
+    <inkml:brush xml:id="br0">
+      <inkml:brushProperty name="width" value="0.16" units="cm"/>
+      <inkml:brushProperty name="height" value="0.32" units="cm"/>
+      <inkml:brushProperty name="color" value="#FFFF00"/>
+      <inkml:brushProperty name="tip" value="rectangle"/>
+      <inkml:brushProperty name="rasterOp" value="maskPen"/>
+      <inkml:brushProperty name="ignorePressure" value="1"/>
+    </inkml:brush>
+  </inkml:definitions>
+  <inkml:trace contextRef="#ctx0" brushRef="#br0">5194 2440,'-12'4,"-12"1,-12 5,-11 0,-6-2,-6-2,-2-2,5-2,9-1,8-1,6 0,5-1,-2 1,1 0,5-4,-1-2,2-4,-2-4,-1-8,0-4,3-7,7-5,5-2,5 4,4-2,6-2,10 2,12-2,9-2,4 7,2 4,3 4,-1 6,-5 7,-9 1,0 4,-1 2,3 4,4 0,5-1,3-1,3 0,2 1,6 6,1 6,0 7,-1-1,-1 7,-6 4,-7 1,-2 1,2-4,-7 2,-4 0,-8 2,-7-1,-6 4,-4 1,-3-1,-2-1,-9-2,-10-4,-8-3,-5-1,-2-3,-1-5,0 1,-3-3,0-2,-5 2,-7-1,-4 3,-1-2,5-1,3-2,2-2,4-3,1 0,3-1,9-5,8-4,4-2,1-4,3-2,4-3,3-2,3-6,1-2,2 0,1 0,0-2,4-5,5 1,5 6,8-4,9-2,8 3,4-3,0 7,0 2,0 7,-1 6,-2 6,3-1,0 3,2 1,0 2,-2 1,-5 1,-4 9,3 4,0 3,-3 8,-2 7,-8 5,-3-1,-6-2,-6-2,-3-2,-5 2,-1 2,-2 1,0 1,-8-5,-3-1,-7-4,-5 2,-12 5,-6 1,-5-4,0-8,6-6,0-7,0 1,2 3,-1-2,-1-1,1-1,5-4,2-1,5-5,1-3,2 1,-3 0,-6 2,-4-4,-6-4,7-4,4 0,4-2,3-1,1-7,5-7,7-3,0-2,3-5,3 1,3 0,2-7,1 3,1 2,5 11,5 0,5 3,5 6,3 3,5 1,7 3,1 0,-1 3,2 4,-1 4,-4 2,-1 1,5 2,5 1,0 0,2-1,-4 0,1 1,2 3,-3 2,-3 3,1 5,1 0,0 2,-4 6,-2 0,-4 3,-1 3,-2 0,-5 0,-1 0,-1 2,-3 5,-3 0,-5 8,-3 0,-2 0,-2-1,-9-1,-7-3,-8-7,-6-11,-5-6,-6-8,1-3,-2-3,3-2,4 5,3 1,-1 0,5-1</inkml:trace>
+</inkml:ink>
+</file>
+
+<file path=ppt/ink/ink4.xml><?xml version="1.0" encoding="utf-8"?>
+<inkml:ink xmlns:inkml="http://www.w3.org/2003/InkML">
+  <inkml:definitions>
+    <inkml:context xml:id="ctx0">
+      <inkml:inkSource xml:id="inkSrc0">
+        <inkml:traceFormat>
+          <inkml:channel name="X" type="integer" min="-2.14748E9" max="2.14748E9" units="cm"/>
+          <inkml:channel name="Y" type="integer" min="-2.14748E9" max="2.14748E9" units="cm"/>
+        </inkml:traceFormat>
+        <inkml:channelProperties>
+          <inkml:channelProperty channel="X" name="resolution" value="1000" units="1/cm"/>
+          <inkml:channelProperty channel="Y" name="resolution" value="1000" units="1/cm"/>
+        </inkml:channelProperties>
+      </inkml:inkSource>
+      <inkml:timestamp xml:id="ts0" timeString="2017-10-23T18:39:19.877"/>
+    </inkml:context>
+    <inkml:brush xml:id="br0">
+      <inkml:brushProperty name="width" value="0.16" units="cm"/>
+      <inkml:brushProperty name="height" value="0.32" units="cm"/>
+      <inkml:brushProperty name="color" value="#FFFF00"/>
+      <inkml:brushProperty name="tip" value="rectangle"/>
+      <inkml:brushProperty name="rasterOp" value="maskPen"/>
+      <inkml:brushProperty name="ignorePressure" value="1"/>
+    </inkml:brush>
+  </inkml:definitions>
+  <inkml:trace contextRef="#ctx0" brushRef="#br0">4597 1949,'-5'0,"-7"0,-7 0,-5 0,2 0</inkml:trace>
+</inkml:ink>
+</file>
+
+<file path=ppt/ink/ink5.xml><?xml version="1.0" encoding="utf-8"?>
+<inkml:ink xmlns:inkml="http://www.w3.org/2003/InkML">
+  <inkml:definitions>
+    <inkml:context xml:id="ctx0">
+      <inkml:inkSource xml:id="inkSrc0">
+        <inkml:traceFormat>
+          <inkml:channel name="X" type="integer" min="-2.14748E9" max="2.14748E9" units="cm"/>
+          <inkml:channel name="Y" type="integer" min="-2.14748E9" max="2.14748E9" units="cm"/>
+        </inkml:traceFormat>
+        <inkml:channelProperties>
+          <inkml:channelProperty channel="X" name="resolution" value="1000" units="1/cm"/>
+          <inkml:channelProperty channel="Y" name="resolution" value="1000" units="1/cm"/>
+        </inkml:channelProperties>
+      </inkml:inkSource>
       <inkml:timestamp xml:id="ts0" timeString="2017-10-20T21:37:05.262"/>
     </inkml:context>
     <inkml:brush xml:id="br0">
@@ -189,7 +293,7 @@
 </inkml:ink>
 </file>
 
-<file path=ppt/ink/ink3.xml><?xml version="1.0" encoding="utf-8"?>
+<file path=ppt/ink/ink6.xml><?xml version="1.0" encoding="utf-8"?>
 <inkml:ink xmlns:inkml="http://www.w3.org/2003/InkML">
   <inkml:definitions>
     <inkml:context xml:id="ctx0">
@@ -365,7 +469,7 @@
           <a:p>
             <a:fld id="{F1997C75-3E87-4FCB-9B99-428F783E51FC}" type="datetimeFigureOut">
               <a:rPr lang="en-US" smtClean="0"/>
-              <a:t>10/20/2017</a:t>
+              <a:t>10/23/2017</a:t>
             </a:fld>
             <a:endParaRPr lang="en-US"/>
           </a:p>
@@ -563,7 +667,7 @@
           <a:p>
             <a:fld id="{F1997C75-3E87-4FCB-9B99-428F783E51FC}" type="datetimeFigureOut">
               <a:rPr lang="en-US" smtClean="0"/>
-              <a:t>10/20/2017</a:t>
+              <a:t>10/23/2017</a:t>
             </a:fld>
             <a:endParaRPr lang="en-US"/>
           </a:p>
@@ -771,7 +875,7 @@
           <a:p>
             <a:fld id="{F1997C75-3E87-4FCB-9B99-428F783E51FC}" type="datetimeFigureOut">
               <a:rPr lang="en-US" smtClean="0"/>
-              <a:t>10/20/2017</a:t>
+              <a:t>10/23/2017</a:t>
             </a:fld>
             <a:endParaRPr lang="en-US"/>
           </a:p>
@@ -969,7 +1073,7 @@
           <a:p>
             <a:fld id="{F1997C75-3E87-4FCB-9B99-428F783E51FC}" type="datetimeFigureOut">
               <a:rPr lang="en-US" smtClean="0"/>
-              <a:t>10/20/2017</a:t>
+              <a:t>10/23/2017</a:t>
             </a:fld>
             <a:endParaRPr lang="en-US"/>
           </a:p>
@@ -1244,7 +1348,7 @@
           <a:p>
             <a:fld id="{F1997C75-3E87-4FCB-9B99-428F783E51FC}" type="datetimeFigureOut">
               <a:rPr lang="en-US" smtClean="0"/>
-              <a:t>10/20/2017</a:t>
+              <a:t>10/23/2017</a:t>
             </a:fld>
             <a:endParaRPr lang="en-US"/>
           </a:p>
@@ -1509,7 +1613,7 @@
           <a:p>
             <a:fld id="{F1997C75-3E87-4FCB-9B99-428F783E51FC}" type="datetimeFigureOut">
               <a:rPr lang="en-US" smtClean="0"/>
-              <a:t>10/20/2017</a:t>
+              <a:t>10/23/2017</a:t>
             </a:fld>
             <a:endParaRPr lang="en-US"/>
           </a:p>
@@ -1921,7 +2025,7 @@
           <a:p>
             <a:fld id="{F1997C75-3E87-4FCB-9B99-428F783E51FC}" type="datetimeFigureOut">
               <a:rPr lang="en-US" smtClean="0"/>
-              <a:t>10/20/2017</a:t>
+              <a:t>10/23/2017</a:t>
             </a:fld>
             <a:endParaRPr lang="en-US"/>
           </a:p>
@@ -2062,7 +2166,7 @@
           <a:p>
             <a:fld id="{F1997C75-3E87-4FCB-9B99-428F783E51FC}" type="datetimeFigureOut">
               <a:rPr lang="en-US" smtClean="0"/>
-              <a:t>10/20/2017</a:t>
+              <a:t>10/23/2017</a:t>
             </a:fld>
             <a:endParaRPr lang="en-US"/>
           </a:p>
@@ -2175,7 +2279,7 @@
           <a:p>
             <a:fld id="{F1997C75-3E87-4FCB-9B99-428F783E51FC}" type="datetimeFigureOut">
               <a:rPr lang="en-US" smtClean="0"/>
-              <a:t>10/20/2017</a:t>
+              <a:t>10/23/2017</a:t>
             </a:fld>
             <a:endParaRPr lang="en-US"/>
           </a:p>
@@ -2486,7 +2590,7 @@
           <a:p>
             <a:fld id="{F1997C75-3E87-4FCB-9B99-428F783E51FC}" type="datetimeFigureOut">
               <a:rPr lang="en-US" smtClean="0"/>
-              <a:t>10/20/2017</a:t>
+              <a:t>10/23/2017</a:t>
             </a:fld>
             <a:endParaRPr lang="en-US"/>
           </a:p>
@@ -2774,7 +2878,7 @@
           <a:p>
             <a:fld id="{F1997C75-3E87-4FCB-9B99-428F783E51FC}" type="datetimeFigureOut">
               <a:rPr lang="en-US" smtClean="0"/>
-              <a:t>10/20/2017</a:t>
+              <a:t>10/23/2017</a:t>
             </a:fld>
             <a:endParaRPr lang="en-US"/>
           </a:p>
@@ -3015,7 +3119,7 @@
           <a:p>
             <a:fld id="{F1997C75-3E87-4FCB-9B99-428F783E51FC}" type="datetimeFigureOut">
               <a:rPr lang="en-US" smtClean="0"/>
-              <a:t>10/20/2017</a:t>
+              <a:t>10/23/2017</a:t>
             </a:fld>
             <a:endParaRPr lang="en-US"/>
           </a:p>
@@ -3572,10 +3676,1246 @@
       </p:grpSpPr>
       <p:sp>
         <p:nvSpPr>
+          <p:cNvPr id="2" name="Title 1">
+            <a:extLst>
+              <a:ext uri="{FF2B5EF4-FFF2-40B4-BE49-F238E27FC236}">
+                <a16:creationId xmlns:a16="http://schemas.microsoft.com/office/drawing/2014/main" id="{E2F29C96-B8F6-4DA3-A7CD-9C8C5D7FC257}"/>
+              </a:ext>
+            </a:extLst>
+          </p:cNvPr>
+          <p:cNvSpPr>
+            <a:spLocks noGrp="1"/>
+          </p:cNvSpPr>
+          <p:nvPr>
+            <p:ph type="title"/>
+          </p:nvPr>
+        </p:nvSpPr>
+        <p:spPr/>
+        <p:txBody>
+          <a:bodyPr/>
+          <a:lstStyle/>
+          <a:p>
+            <a:r>
+              <a:rPr lang="en-US" dirty="0"/>
+              <a:t>So…</a:t>
+            </a:r>
+          </a:p>
+        </p:txBody>
+      </p:sp>
+      <p:sp>
+        <p:nvSpPr>
+          <p:cNvPr id="3" name="Content Placeholder 2">
+            <a:extLst>
+              <a:ext uri="{FF2B5EF4-FFF2-40B4-BE49-F238E27FC236}">
+                <a16:creationId xmlns:a16="http://schemas.microsoft.com/office/drawing/2014/main" id="{8E72F3F1-DD28-496D-837C-16578AA264BC}"/>
+              </a:ext>
+            </a:extLst>
+          </p:cNvPr>
+          <p:cNvSpPr>
+            <a:spLocks noGrp="1"/>
+          </p:cNvSpPr>
+          <p:nvPr>
+            <p:ph idx="1"/>
+          </p:nvPr>
+        </p:nvSpPr>
+        <p:spPr/>
+        <p:txBody>
+          <a:bodyPr/>
+          <a:lstStyle/>
+          <a:p>
+            <a:endParaRPr lang="en-US"/>
+          </a:p>
+        </p:txBody>
+      </p:sp>
+    </p:spTree>
+    <p:extLst>
+      <p:ext uri="{BB962C8B-B14F-4D97-AF65-F5344CB8AC3E}">
+        <p14:creationId xmlns:p14="http://schemas.microsoft.com/office/powerpoint/2010/main" val="243307222"/>
+      </p:ext>
+    </p:extLst>
+  </p:cSld>
+  <p:clrMapOvr>
+    <a:masterClrMapping/>
+  </p:clrMapOvr>
+</p:sld>
+</file>
+
+<file path=ppt/slides/slide11.xml><?xml version="1.0" encoding="utf-8"?>
+<p:sld xmlns:a="http://schemas.openxmlformats.org/drawingml/2006/main" xmlns:r="http://schemas.openxmlformats.org/officeDocument/2006/relationships" xmlns:p="http://schemas.openxmlformats.org/presentationml/2006/main">
+  <p:cSld>
+    <p:spTree>
+      <p:nvGrpSpPr>
+        <p:cNvPr id="1" name=""/>
+        <p:cNvGrpSpPr/>
+        <p:nvPr/>
+      </p:nvGrpSpPr>
+      <p:grpSpPr>
+        <a:xfrm>
+          <a:off x="0" y="0"/>
+          <a:ext cx="0" cy="0"/>
+          <a:chOff x="0" y="0"/>
+          <a:chExt cx="0" cy="0"/>
+        </a:xfrm>
+      </p:grpSpPr>
+      <p:sp>
+        <p:nvSpPr>
+          <p:cNvPr id="25" name="Rectangle: Rounded Corners 24">
+            <a:extLst>
+              <a:ext uri="{FF2B5EF4-FFF2-40B4-BE49-F238E27FC236}">
+                <a16:creationId xmlns:a16="http://schemas.microsoft.com/office/drawing/2014/main" id="{B5609877-8B15-4076-9BF5-0B39E236E37A}"/>
+              </a:ext>
+            </a:extLst>
+          </p:cNvPr>
+          <p:cNvSpPr/>
+          <p:nvPr/>
+        </p:nvSpPr>
+        <p:spPr>
+          <a:xfrm>
+            <a:off x="2795955" y="844062"/>
+            <a:ext cx="1661746" cy="641838"/>
+          </a:xfrm>
+          <a:prstGeom prst="roundRect">
+            <a:avLst/>
+          </a:prstGeom>
+          <a:solidFill>
+            <a:schemeClr val="bg1"/>
+          </a:solidFill>
+        </p:spPr>
+        <p:style>
+          <a:lnRef idx="2">
+            <a:schemeClr val="accent1">
+              <a:shade val="50000"/>
+            </a:schemeClr>
+          </a:lnRef>
+          <a:fillRef idx="1">
+            <a:schemeClr val="accent1"/>
+          </a:fillRef>
+          <a:effectRef idx="0">
+            <a:schemeClr val="accent1"/>
+          </a:effectRef>
+          <a:fontRef idx="minor">
+            <a:schemeClr val="lt1"/>
+          </a:fontRef>
+        </p:style>
+        <p:txBody>
+          <a:bodyPr rtlCol="0" anchor="ctr"/>
+          <a:lstStyle/>
+          <a:p>
+            <a:pPr algn="ctr"/>
+            <a:r>
+              <a:rPr lang="en-US" dirty="0">
+                <a:solidFill>
+                  <a:schemeClr val="tx1"/>
+                </a:solidFill>
+              </a:rPr>
+              <a:t>New incident comes</a:t>
+            </a:r>
+          </a:p>
+        </p:txBody>
+      </p:sp>
+      <p:grpSp>
+        <p:nvGrpSpPr>
+          <p:cNvPr id="50" name="Group 49">
+            <a:extLst>
+              <a:ext uri="{FF2B5EF4-FFF2-40B4-BE49-F238E27FC236}">
+                <a16:creationId xmlns:a16="http://schemas.microsoft.com/office/drawing/2014/main" id="{7DA2D4AE-D323-48F3-9D5F-31F87C2B9501}"/>
+              </a:ext>
+            </a:extLst>
+          </p:cNvPr>
+          <p:cNvGrpSpPr/>
+          <p:nvPr/>
+        </p:nvGrpSpPr>
+        <p:grpSpPr>
+          <a:xfrm>
+            <a:off x="2795955" y="1485900"/>
+            <a:ext cx="1661746" cy="1304192"/>
+            <a:chOff x="2795955" y="1485900"/>
+            <a:chExt cx="1661746" cy="1304192"/>
+          </a:xfrm>
+        </p:grpSpPr>
+        <p:sp>
+          <p:nvSpPr>
+            <p:cNvPr id="26" name="Rectangle: Rounded Corners 25">
+              <a:extLst>
+                <a:ext uri="{FF2B5EF4-FFF2-40B4-BE49-F238E27FC236}">
+                  <a16:creationId xmlns:a16="http://schemas.microsoft.com/office/drawing/2014/main" id="{931E7B1C-26CB-46C9-8C3E-D742E2BC3C67}"/>
+                </a:ext>
+              </a:extLst>
+            </p:cNvPr>
+            <p:cNvSpPr/>
+            <p:nvPr/>
+          </p:nvSpPr>
+          <p:spPr>
+            <a:xfrm>
+              <a:off x="2795955" y="2148254"/>
+              <a:ext cx="1661746" cy="641838"/>
+            </a:xfrm>
+            <a:prstGeom prst="roundRect">
+              <a:avLst/>
+            </a:prstGeom>
+            <a:solidFill>
+              <a:schemeClr val="bg1"/>
+            </a:solidFill>
+          </p:spPr>
+          <p:style>
+            <a:lnRef idx="2">
+              <a:schemeClr val="accent1">
+                <a:shade val="50000"/>
+              </a:schemeClr>
+            </a:lnRef>
+            <a:fillRef idx="1">
+              <a:schemeClr val="accent1"/>
+            </a:fillRef>
+            <a:effectRef idx="0">
+              <a:schemeClr val="accent1"/>
+            </a:effectRef>
+            <a:fontRef idx="minor">
+              <a:schemeClr val="lt1"/>
+            </a:fontRef>
+          </p:style>
+          <p:txBody>
+            <a:bodyPr rtlCol="0" anchor="ctr"/>
+            <a:lstStyle/>
+            <a:p>
+              <a:pPr algn="ctr"/>
+              <a:r>
+                <a:rPr lang="en-US" dirty="0">
+                  <a:solidFill>
+                    <a:schemeClr val="tx1"/>
+                  </a:solidFill>
+                </a:rPr>
+                <a:t>Check component</a:t>
+              </a:r>
+            </a:p>
+          </p:txBody>
+        </p:sp>
+        <p:cxnSp>
+          <p:nvCxnSpPr>
+            <p:cNvPr id="32" name="Straight Arrow Connector 31">
+              <a:extLst>
+                <a:ext uri="{FF2B5EF4-FFF2-40B4-BE49-F238E27FC236}">
+                  <a16:creationId xmlns:a16="http://schemas.microsoft.com/office/drawing/2014/main" id="{15DD10FC-78C1-4D9A-9F43-DC325DA76270}"/>
+                </a:ext>
+              </a:extLst>
+            </p:cNvPr>
+            <p:cNvCxnSpPr>
+              <a:stCxn id="25" idx="2"/>
+              <a:endCxn id="26" idx="0"/>
+            </p:cNvCxnSpPr>
+            <p:nvPr/>
+          </p:nvCxnSpPr>
+          <p:spPr>
+            <a:xfrm>
+              <a:off x="3626828" y="1485900"/>
+              <a:ext cx="0" cy="662354"/>
+            </a:xfrm>
+            <a:prstGeom prst="straightConnector1">
+              <a:avLst/>
+            </a:prstGeom>
+            <a:ln>
+              <a:tailEnd type="triangle"/>
+            </a:ln>
+          </p:spPr>
+          <p:style>
+            <a:lnRef idx="1">
+              <a:schemeClr val="accent1"/>
+            </a:lnRef>
+            <a:fillRef idx="0">
+              <a:schemeClr val="accent1"/>
+            </a:fillRef>
+            <a:effectRef idx="0">
+              <a:schemeClr val="accent1"/>
+            </a:effectRef>
+            <a:fontRef idx="minor">
+              <a:schemeClr val="tx1"/>
+            </a:fontRef>
+          </p:style>
+        </p:cxnSp>
+        <p:sp>
+          <p:nvSpPr>
+            <p:cNvPr id="39" name="TextBox 38">
+              <a:extLst>
+                <a:ext uri="{FF2B5EF4-FFF2-40B4-BE49-F238E27FC236}">
+                  <a16:creationId xmlns:a16="http://schemas.microsoft.com/office/drawing/2014/main" id="{A648F829-D13D-4004-B5ED-0CA190D09ECF}"/>
+                </a:ext>
+              </a:extLst>
+            </p:cNvPr>
+            <p:cNvSpPr txBox="1"/>
+            <p:nvPr/>
+          </p:nvSpPr>
+          <p:spPr>
+            <a:xfrm>
+              <a:off x="3325142" y="1663184"/>
+              <a:ext cx="301686" cy="369332"/>
+            </a:xfrm>
+            <a:prstGeom prst="rect">
+              <a:avLst/>
+            </a:prstGeom>
+            <a:noFill/>
+          </p:spPr>
+          <p:txBody>
+            <a:bodyPr wrap="none" rtlCol="0">
+              <a:spAutoFit/>
+            </a:bodyPr>
+            <a:lstStyle/>
+            <a:p>
+              <a:r>
+                <a:rPr lang="en-US" b="1" dirty="0">
+                  <a:solidFill>
+                    <a:srgbClr val="FF0000"/>
+                  </a:solidFill>
+                </a:rPr>
+                <a:t>1</a:t>
+              </a:r>
+            </a:p>
+          </p:txBody>
+        </p:sp>
+      </p:grpSp>
+      <p:grpSp>
+        <p:nvGrpSpPr>
+          <p:cNvPr id="52" name="Group 51">
+            <a:extLst>
+              <a:ext uri="{FF2B5EF4-FFF2-40B4-BE49-F238E27FC236}">
+                <a16:creationId xmlns:a16="http://schemas.microsoft.com/office/drawing/2014/main" id="{E478D11C-4538-495B-B5F9-A2736B60F14C}"/>
+              </a:ext>
+            </a:extLst>
+          </p:cNvPr>
+          <p:cNvGrpSpPr/>
+          <p:nvPr/>
+        </p:nvGrpSpPr>
+        <p:grpSpPr>
+          <a:xfrm>
+            <a:off x="6307017" y="2084510"/>
+            <a:ext cx="1661746" cy="3020891"/>
+            <a:chOff x="6307017" y="2084510"/>
+            <a:chExt cx="1661746" cy="3020891"/>
+          </a:xfrm>
+        </p:grpSpPr>
+        <p:sp>
+          <p:nvSpPr>
+            <p:cNvPr id="31" name="Rectangle: Rounded Corners 30">
+              <a:extLst>
+                <a:ext uri="{FF2B5EF4-FFF2-40B4-BE49-F238E27FC236}">
+                  <a16:creationId xmlns:a16="http://schemas.microsoft.com/office/drawing/2014/main" id="{A3CD191A-D87F-454F-B41D-6EA87005814A}"/>
+                </a:ext>
+              </a:extLst>
+            </p:cNvPr>
+            <p:cNvSpPr/>
+            <p:nvPr/>
+          </p:nvSpPr>
+          <p:spPr>
+            <a:xfrm>
+              <a:off x="6307017" y="2084510"/>
+              <a:ext cx="1661746" cy="641838"/>
+            </a:xfrm>
+            <a:prstGeom prst="roundRect">
+              <a:avLst/>
+            </a:prstGeom>
+            <a:solidFill>
+              <a:schemeClr val="bg1"/>
+            </a:solidFill>
+          </p:spPr>
+          <p:style>
+            <a:lnRef idx="2">
+              <a:schemeClr val="accent1">
+                <a:shade val="50000"/>
+              </a:schemeClr>
+            </a:lnRef>
+            <a:fillRef idx="1">
+              <a:schemeClr val="accent1"/>
+            </a:fillRef>
+            <a:effectRef idx="0">
+              <a:schemeClr val="accent1"/>
+            </a:effectRef>
+            <a:fontRef idx="minor">
+              <a:schemeClr val="lt1"/>
+            </a:fontRef>
+          </p:style>
+          <p:txBody>
+            <a:bodyPr rtlCol="0" anchor="ctr"/>
+            <a:lstStyle/>
+            <a:p>
+              <a:pPr algn="ctr"/>
+              <a:r>
+                <a:rPr lang="en-US" dirty="0">
+                  <a:solidFill>
+                    <a:schemeClr val="tx1"/>
+                  </a:solidFill>
+                </a:rPr>
+                <a:t>Paste to BCP</a:t>
+              </a:r>
+            </a:p>
+          </p:txBody>
+        </p:sp>
+        <p:cxnSp>
+          <p:nvCxnSpPr>
+            <p:cNvPr id="36" name="Straight Arrow Connector 35">
+              <a:extLst>
+                <a:ext uri="{FF2B5EF4-FFF2-40B4-BE49-F238E27FC236}">
+                  <a16:creationId xmlns:a16="http://schemas.microsoft.com/office/drawing/2014/main" id="{E1C2D956-D5A2-4F37-94E5-E3EE919DEFB7}"/>
+                </a:ext>
+              </a:extLst>
+            </p:cNvPr>
+            <p:cNvCxnSpPr>
+              <a:cxnSpLocks/>
+              <a:stCxn id="29" idx="0"/>
+              <a:endCxn id="31" idx="2"/>
+            </p:cNvCxnSpPr>
+            <p:nvPr/>
+          </p:nvCxnSpPr>
+          <p:spPr>
+            <a:xfrm flipV="1">
+              <a:off x="7137890" y="2726348"/>
+              <a:ext cx="0" cy="2379053"/>
+            </a:xfrm>
+            <a:prstGeom prst="straightConnector1">
+              <a:avLst/>
+            </a:prstGeom>
+            <a:ln>
+              <a:tailEnd type="triangle"/>
+            </a:ln>
+          </p:spPr>
+          <p:style>
+            <a:lnRef idx="1">
+              <a:schemeClr val="accent1"/>
+            </a:lnRef>
+            <a:fillRef idx="0">
+              <a:schemeClr val="accent1"/>
+            </a:fillRef>
+            <a:effectRef idx="0">
+              <a:schemeClr val="accent1"/>
+            </a:effectRef>
+            <a:fontRef idx="minor">
+              <a:schemeClr val="tx1"/>
+            </a:fontRef>
+          </p:style>
+        </p:cxnSp>
+        <p:sp>
+          <p:nvSpPr>
+            <p:cNvPr id="43" name="TextBox 42">
+              <a:extLst>
+                <a:ext uri="{FF2B5EF4-FFF2-40B4-BE49-F238E27FC236}">
+                  <a16:creationId xmlns:a16="http://schemas.microsoft.com/office/drawing/2014/main" id="{CB6E9CC4-8729-4D06-890B-DD5474AC224E}"/>
+                </a:ext>
+              </a:extLst>
+            </p:cNvPr>
+            <p:cNvSpPr txBox="1"/>
+            <p:nvPr/>
+          </p:nvSpPr>
+          <p:spPr>
+            <a:xfrm>
+              <a:off x="6915335" y="4519952"/>
+              <a:ext cx="301686" cy="369332"/>
+            </a:xfrm>
+            <a:prstGeom prst="rect">
+              <a:avLst/>
+            </a:prstGeom>
+            <a:noFill/>
+          </p:spPr>
+          <p:txBody>
+            <a:bodyPr wrap="none" rtlCol="0">
+              <a:spAutoFit/>
+            </a:bodyPr>
+            <a:lstStyle/>
+            <a:p>
+              <a:r>
+                <a:rPr lang="en-US" b="1" dirty="0">
+                  <a:solidFill>
+                    <a:srgbClr val="FF0000"/>
+                  </a:solidFill>
+                </a:rPr>
+                <a:t>3</a:t>
+              </a:r>
+            </a:p>
+          </p:txBody>
+        </p:sp>
+      </p:grpSp>
+      <p:grpSp>
+        <p:nvGrpSpPr>
+          <p:cNvPr id="53" name="Group 52">
+            <a:extLst>
+              <a:ext uri="{FF2B5EF4-FFF2-40B4-BE49-F238E27FC236}">
+                <a16:creationId xmlns:a16="http://schemas.microsoft.com/office/drawing/2014/main" id="{5146B159-CADF-42E9-B9F2-E039C6D5366C}"/>
+              </a:ext>
+            </a:extLst>
+          </p:cNvPr>
+          <p:cNvGrpSpPr/>
+          <p:nvPr/>
+        </p:nvGrpSpPr>
+        <p:grpSpPr>
+          <a:xfrm>
+            <a:off x="4457701" y="1164981"/>
+            <a:ext cx="1849316" cy="1240448"/>
+            <a:chOff x="4457701" y="1164981"/>
+            <a:chExt cx="1849316" cy="1240448"/>
+          </a:xfrm>
+        </p:grpSpPr>
+        <p:cxnSp>
+          <p:nvCxnSpPr>
+            <p:cNvPr id="38" name="Straight Arrow Connector 37">
+              <a:extLst>
+                <a:ext uri="{FF2B5EF4-FFF2-40B4-BE49-F238E27FC236}">
+                  <a16:creationId xmlns:a16="http://schemas.microsoft.com/office/drawing/2014/main" id="{50D65AF9-71F2-4E90-9A40-D43D65B76BAE}"/>
+                </a:ext>
+              </a:extLst>
+            </p:cNvPr>
+            <p:cNvCxnSpPr>
+              <a:stCxn id="31" idx="1"/>
+              <a:endCxn id="25" idx="3"/>
+            </p:cNvCxnSpPr>
+            <p:nvPr/>
+          </p:nvCxnSpPr>
+          <p:spPr>
+            <a:xfrm flipH="1" flipV="1">
+              <a:off x="4457701" y="1164981"/>
+              <a:ext cx="1849316" cy="1240448"/>
+            </a:xfrm>
+            <a:prstGeom prst="straightConnector1">
+              <a:avLst/>
+            </a:prstGeom>
+            <a:ln>
+              <a:tailEnd type="triangle"/>
+            </a:ln>
+          </p:spPr>
+          <p:style>
+            <a:lnRef idx="1">
+              <a:schemeClr val="accent1"/>
+            </a:lnRef>
+            <a:fillRef idx="0">
+              <a:schemeClr val="accent1"/>
+            </a:fillRef>
+            <a:effectRef idx="0">
+              <a:schemeClr val="accent1"/>
+            </a:effectRef>
+            <a:fontRef idx="minor">
+              <a:schemeClr val="tx1"/>
+            </a:fontRef>
+          </p:style>
+        </p:cxnSp>
+        <p:sp>
+          <p:nvSpPr>
+            <p:cNvPr id="45" name="TextBox 44">
+              <a:extLst>
+                <a:ext uri="{FF2B5EF4-FFF2-40B4-BE49-F238E27FC236}">
+                  <a16:creationId xmlns:a16="http://schemas.microsoft.com/office/drawing/2014/main" id="{BCE75352-EC19-44C3-B92C-DD583C20C2B0}"/>
+                </a:ext>
+              </a:extLst>
+            </p:cNvPr>
+            <p:cNvSpPr txBox="1"/>
+            <p:nvPr/>
+          </p:nvSpPr>
+          <p:spPr>
+            <a:xfrm>
+              <a:off x="5328233" y="1421734"/>
+              <a:ext cx="301686" cy="369332"/>
+            </a:xfrm>
+            <a:prstGeom prst="rect">
+              <a:avLst/>
+            </a:prstGeom>
+            <a:noFill/>
+          </p:spPr>
+          <p:txBody>
+            <a:bodyPr wrap="none" rtlCol="0">
+              <a:spAutoFit/>
+            </a:bodyPr>
+            <a:lstStyle/>
+            <a:p>
+              <a:r>
+                <a:rPr lang="en-US" b="1" dirty="0">
+                  <a:solidFill>
+                    <a:srgbClr val="FF0000"/>
+                  </a:solidFill>
+                </a:rPr>
+                <a:t>4</a:t>
+              </a:r>
+            </a:p>
+          </p:txBody>
+        </p:sp>
+      </p:grpSp>
+      <p:grpSp>
+        <p:nvGrpSpPr>
+          <p:cNvPr id="51" name="Group 50">
+            <a:extLst>
+              <a:ext uri="{FF2B5EF4-FFF2-40B4-BE49-F238E27FC236}">
+                <a16:creationId xmlns:a16="http://schemas.microsoft.com/office/drawing/2014/main" id="{E1847D38-1FC7-48B4-BF95-AF2647E3DBF2}"/>
+              </a:ext>
+            </a:extLst>
+          </p:cNvPr>
+          <p:cNvGrpSpPr/>
+          <p:nvPr/>
+        </p:nvGrpSpPr>
+        <p:grpSpPr>
+          <a:xfrm>
+            <a:off x="4457701" y="2469173"/>
+            <a:ext cx="3511062" cy="3278066"/>
+            <a:chOff x="4457701" y="2469173"/>
+            <a:chExt cx="3511062" cy="3278066"/>
+          </a:xfrm>
+        </p:grpSpPr>
+        <p:sp>
+          <p:nvSpPr>
+            <p:cNvPr id="29" name="Rectangle: Rounded Corners 28">
+              <a:extLst>
+                <a:ext uri="{FF2B5EF4-FFF2-40B4-BE49-F238E27FC236}">
+                  <a16:creationId xmlns:a16="http://schemas.microsoft.com/office/drawing/2014/main" id="{A1689771-F93D-4E4A-8F2E-20E0267962D5}"/>
+                </a:ext>
+              </a:extLst>
+            </p:cNvPr>
+            <p:cNvSpPr/>
+            <p:nvPr/>
+          </p:nvSpPr>
+          <p:spPr>
+            <a:xfrm>
+              <a:off x="6307017" y="5105401"/>
+              <a:ext cx="1661746" cy="641838"/>
+            </a:xfrm>
+            <a:prstGeom prst="roundRect">
+              <a:avLst/>
+            </a:prstGeom>
+            <a:solidFill>
+              <a:schemeClr val="bg1"/>
+            </a:solidFill>
+          </p:spPr>
+          <p:style>
+            <a:lnRef idx="2">
+              <a:schemeClr val="accent1">
+                <a:shade val="50000"/>
+              </a:schemeClr>
+            </a:lnRef>
+            <a:fillRef idx="1">
+              <a:schemeClr val="accent1"/>
+            </a:fillRef>
+            <a:effectRef idx="0">
+              <a:schemeClr val="accent1"/>
+            </a:effectRef>
+            <a:fontRef idx="minor">
+              <a:schemeClr val="lt1"/>
+            </a:fontRef>
+          </p:style>
+          <p:txBody>
+            <a:bodyPr rtlCol="0" anchor="ctr"/>
+            <a:lstStyle/>
+            <a:p>
+              <a:pPr algn="ctr"/>
+              <a:r>
+                <a:rPr lang="en-US" dirty="0">
+                  <a:solidFill>
+                    <a:schemeClr val="tx1"/>
+                  </a:solidFill>
+                </a:rPr>
+                <a:t>Increase 1 in </a:t>
+              </a:r>
+              <a:r>
+                <a:rPr lang="en-US" dirty="0" err="1">
+                  <a:solidFill>
+                    <a:schemeClr val="tx1"/>
+                  </a:solidFill>
+                </a:rPr>
+                <a:t>QM_Web</a:t>
+              </a:r>
+              <a:endParaRPr lang="en-US" dirty="0">
+                <a:solidFill>
+                  <a:schemeClr val="tx1"/>
+                </a:solidFill>
+              </a:endParaRPr>
+            </a:p>
+          </p:txBody>
+        </p:sp>
+        <p:cxnSp>
+          <p:nvCxnSpPr>
+            <p:cNvPr id="47" name="Straight Arrow Connector 46">
+              <a:extLst>
+                <a:ext uri="{FF2B5EF4-FFF2-40B4-BE49-F238E27FC236}">
+                  <a16:creationId xmlns:a16="http://schemas.microsoft.com/office/drawing/2014/main" id="{D6FA434F-664B-417C-99F6-B1DB550C40FE}"/>
+                </a:ext>
+              </a:extLst>
+            </p:cNvPr>
+            <p:cNvCxnSpPr>
+              <a:stCxn id="26" idx="3"/>
+              <a:endCxn id="29" idx="1"/>
+            </p:cNvCxnSpPr>
+            <p:nvPr/>
+          </p:nvCxnSpPr>
+          <p:spPr>
+            <a:xfrm>
+              <a:off x="4457701" y="2469173"/>
+              <a:ext cx="1849316" cy="2957147"/>
+            </a:xfrm>
+            <a:prstGeom prst="straightConnector1">
+              <a:avLst/>
+            </a:prstGeom>
+            <a:ln>
+              <a:tailEnd type="triangle"/>
+            </a:ln>
+          </p:spPr>
+          <p:style>
+            <a:lnRef idx="1">
+              <a:schemeClr val="accent1"/>
+            </a:lnRef>
+            <a:fillRef idx="0">
+              <a:schemeClr val="accent1"/>
+            </a:fillRef>
+            <a:effectRef idx="0">
+              <a:schemeClr val="accent1"/>
+            </a:effectRef>
+            <a:fontRef idx="minor">
+              <a:schemeClr val="tx1"/>
+            </a:fontRef>
+          </p:style>
+        </p:cxnSp>
+        <p:sp>
+          <p:nvSpPr>
+            <p:cNvPr id="49" name="TextBox 48">
+              <a:extLst>
+                <a:ext uri="{FF2B5EF4-FFF2-40B4-BE49-F238E27FC236}">
+                  <a16:creationId xmlns:a16="http://schemas.microsoft.com/office/drawing/2014/main" id="{64257FE2-6FB9-4725-BC5C-5A76D10A379B}"/>
+                </a:ext>
+              </a:extLst>
+            </p:cNvPr>
+            <p:cNvSpPr txBox="1"/>
+            <p:nvPr/>
+          </p:nvSpPr>
+          <p:spPr>
+            <a:xfrm>
+              <a:off x="5026547" y="3763080"/>
+              <a:ext cx="301686" cy="369332"/>
+            </a:xfrm>
+            <a:prstGeom prst="rect">
+              <a:avLst/>
+            </a:prstGeom>
+            <a:noFill/>
+          </p:spPr>
+          <p:txBody>
+            <a:bodyPr wrap="none" rtlCol="0">
+              <a:spAutoFit/>
+            </a:bodyPr>
+            <a:lstStyle/>
+            <a:p>
+              <a:r>
+                <a:rPr lang="en-US" b="1" dirty="0">
+                  <a:solidFill>
+                    <a:srgbClr val="FF0000"/>
+                  </a:solidFill>
+                </a:rPr>
+                <a:t>2</a:t>
+              </a:r>
+            </a:p>
+          </p:txBody>
+        </p:sp>
+      </p:grpSp>
+    </p:spTree>
+    <p:extLst>
+      <p:ext uri="{BB962C8B-B14F-4D97-AF65-F5344CB8AC3E}">
+        <p14:creationId xmlns:p14="http://schemas.microsoft.com/office/powerpoint/2010/main" val="3591977533"/>
+      </p:ext>
+    </p:extLst>
+  </p:cSld>
+  <p:clrMapOvr>
+    <a:masterClrMapping/>
+  </p:clrMapOvr>
+  <p:timing>
+    <p:tnLst>
+      <p:par>
+        <p:cTn id="1" dur="indefinite" restart="never" nodeType="tmRoot">
+          <p:childTnLst>
+            <p:seq concurrent="1" nextAc="seek">
+              <p:cTn id="2" dur="indefinite" nodeType="mainSeq">
+                <p:childTnLst>
+                  <p:par>
+                    <p:cTn id="3" fill="hold">
+                      <p:stCondLst>
+                        <p:cond delay="indefinite"/>
+                      </p:stCondLst>
+                      <p:childTnLst>
+                        <p:par>
+                          <p:cTn id="4" fill="hold">
+                            <p:stCondLst>
+                              <p:cond delay="0"/>
+                            </p:stCondLst>
+                            <p:childTnLst>
+                              <p:par>
+                                <p:cTn id="5" presetID="2" presetClass="entr" presetSubtype="1" fill="hold" nodeType="clickEffect">
+                                  <p:stCondLst>
+                                    <p:cond delay="0"/>
+                                  </p:stCondLst>
+                                  <p:childTnLst>
+                                    <p:set>
+                                      <p:cBhvr>
+                                        <p:cTn id="6" dur="1" fill="hold">
+                                          <p:stCondLst>
+                                            <p:cond delay="0"/>
+                                          </p:stCondLst>
+                                        </p:cTn>
+                                        <p:tgtEl>
+                                          <p:spTgt spid="50"/>
+                                        </p:tgtEl>
+                                        <p:attrNameLst>
+                                          <p:attrName>style.visibility</p:attrName>
+                                        </p:attrNameLst>
+                                      </p:cBhvr>
+                                      <p:to>
+                                        <p:strVal val="visible"/>
+                                      </p:to>
+                                    </p:set>
+                                    <p:anim calcmode="lin" valueType="num">
+                                      <p:cBhvr additive="base">
+                                        <p:cTn id="7" dur="500" fill="hold"/>
+                                        <p:tgtEl>
+                                          <p:spTgt spid="50"/>
+                                        </p:tgtEl>
+                                        <p:attrNameLst>
+                                          <p:attrName>ppt_x</p:attrName>
+                                        </p:attrNameLst>
+                                      </p:cBhvr>
+                                      <p:tavLst>
+                                        <p:tav tm="0">
+                                          <p:val>
+                                            <p:strVal val="#ppt_x"/>
+                                          </p:val>
+                                        </p:tav>
+                                        <p:tav tm="100000">
+                                          <p:val>
+                                            <p:strVal val="#ppt_x"/>
+                                          </p:val>
+                                        </p:tav>
+                                      </p:tavLst>
+                                    </p:anim>
+                                    <p:anim calcmode="lin" valueType="num">
+                                      <p:cBhvr additive="base">
+                                        <p:cTn id="8" dur="500" fill="hold"/>
+                                        <p:tgtEl>
+                                          <p:spTgt spid="50"/>
+                                        </p:tgtEl>
+                                        <p:attrNameLst>
+                                          <p:attrName>ppt_y</p:attrName>
+                                        </p:attrNameLst>
+                                      </p:cBhvr>
+                                      <p:tavLst>
+                                        <p:tav tm="0">
+                                          <p:val>
+                                            <p:strVal val="0-#ppt_h/2"/>
+                                          </p:val>
+                                        </p:tav>
+                                        <p:tav tm="100000">
+                                          <p:val>
+                                            <p:strVal val="#ppt_y"/>
+                                          </p:val>
+                                        </p:tav>
+                                      </p:tavLst>
+                                    </p:anim>
+                                  </p:childTnLst>
+                                </p:cTn>
+                              </p:par>
+                            </p:childTnLst>
+                          </p:cTn>
+                        </p:par>
+                      </p:childTnLst>
+                    </p:cTn>
+                  </p:par>
+                  <p:par>
+                    <p:cTn id="9" fill="hold">
+                      <p:stCondLst>
+                        <p:cond delay="indefinite"/>
+                      </p:stCondLst>
+                      <p:childTnLst>
+                        <p:par>
+                          <p:cTn id="10" fill="hold">
+                            <p:stCondLst>
+                              <p:cond delay="0"/>
+                            </p:stCondLst>
+                            <p:childTnLst>
+                              <p:par>
+                                <p:cTn id="11" presetID="2" presetClass="entr" presetSubtype="4" fill="hold" nodeType="clickEffect">
+                                  <p:stCondLst>
+                                    <p:cond delay="0"/>
+                                  </p:stCondLst>
+                                  <p:childTnLst>
+                                    <p:set>
+                                      <p:cBhvr>
+                                        <p:cTn id="12" dur="1" fill="hold">
+                                          <p:stCondLst>
+                                            <p:cond delay="0"/>
+                                          </p:stCondLst>
+                                        </p:cTn>
+                                        <p:tgtEl>
+                                          <p:spTgt spid="51"/>
+                                        </p:tgtEl>
+                                        <p:attrNameLst>
+                                          <p:attrName>style.visibility</p:attrName>
+                                        </p:attrNameLst>
+                                      </p:cBhvr>
+                                      <p:to>
+                                        <p:strVal val="visible"/>
+                                      </p:to>
+                                    </p:set>
+                                    <p:anim calcmode="lin" valueType="num">
+                                      <p:cBhvr additive="base">
+                                        <p:cTn id="13" dur="500" fill="hold"/>
+                                        <p:tgtEl>
+                                          <p:spTgt spid="51"/>
+                                        </p:tgtEl>
+                                        <p:attrNameLst>
+                                          <p:attrName>ppt_x</p:attrName>
+                                        </p:attrNameLst>
+                                      </p:cBhvr>
+                                      <p:tavLst>
+                                        <p:tav tm="0">
+                                          <p:val>
+                                            <p:strVal val="#ppt_x"/>
+                                          </p:val>
+                                        </p:tav>
+                                        <p:tav tm="100000">
+                                          <p:val>
+                                            <p:strVal val="#ppt_x"/>
+                                          </p:val>
+                                        </p:tav>
+                                      </p:tavLst>
+                                    </p:anim>
+                                    <p:anim calcmode="lin" valueType="num">
+                                      <p:cBhvr additive="base">
+                                        <p:cTn id="14" dur="500" fill="hold"/>
+                                        <p:tgtEl>
+                                          <p:spTgt spid="51"/>
+                                        </p:tgtEl>
+                                        <p:attrNameLst>
+                                          <p:attrName>ppt_y</p:attrName>
+                                        </p:attrNameLst>
+                                      </p:cBhvr>
+                                      <p:tavLst>
+                                        <p:tav tm="0">
+                                          <p:val>
+                                            <p:strVal val="1+#ppt_h/2"/>
+                                          </p:val>
+                                        </p:tav>
+                                        <p:tav tm="100000">
+                                          <p:val>
+                                            <p:strVal val="#ppt_y"/>
+                                          </p:val>
+                                        </p:tav>
+                                      </p:tavLst>
+                                    </p:anim>
+                                  </p:childTnLst>
+                                </p:cTn>
+                              </p:par>
+                            </p:childTnLst>
+                          </p:cTn>
+                        </p:par>
+                      </p:childTnLst>
+                    </p:cTn>
+                  </p:par>
+                  <p:par>
+                    <p:cTn id="15" fill="hold">
+                      <p:stCondLst>
+                        <p:cond delay="indefinite"/>
+                      </p:stCondLst>
+                      <p:childTnLst>
+                        <p:par>
+                          <p:cTn id="16" fill="hold">
+                            <p:stCondLst>
+                              <p:cond delay="0"/>
+                            </p:stCondLst>
+                            <p:childTnLst>
+                              <p:par>
+                                <p:cTn id="17" presetID="2" presetClass="entr" presetSubtype="4" fill="hold" nodeType="clickEffect">
+                                  <p:stCondLst>
+                                    <p:cond delay="0"/>
+                                  </p:stCondLst>
+                                  <p:childTnLst>
+                                    <p:set>
+                                      <p:cBhvr>
+                                        <p:cTn id="18" dur="1" fill="hold">
+                                          <p:stCondLst>
+                                            <p:cond delay="0"/>
+                                          </p:stCondLst>
+                                        </p:cTn>
+                                        <p:tgtEl>
+                                          <p:spTgt spid="52"/>
+                                        </p:tgtEl>
+                                        <p:attrNameLst>
+                                          <p:attrName>style.visibility</p:attrName>
+                                        </p:attrNameLst>
+                                      </p:cBhvr>
+                                      <p:to>
+                                        <p:strVal val="visible"/>
+                                      </p:to>
+                                    </p:set>
+                                    <p:anim calcmode="lin" valueType="num">
+                                      <p:cBhvr additive="base">
+                                        <p:cTn id="19" dur="500" fill="hold"/>
+                                        <p:tgtEl>
+                                          <p:spTgt spid="52"/>
+                                        </p:tgtEl>
+                                        <p:attrNameLst>
+                                          <p:attrName>ppt_x</p:attrName>
+                                        </p:attrNameLst>
+                                      </p:cBhvr>
+                                      <p:tavLst>
+                                        <p:tav tm="0">
+                                          <p:val>
+                                            <p:strVal val="#ppt_x"/>
+                                          </p:val>
+                                        </p:tav>
+                                        <p:tav tm="100000">
+                                          <p:val>
+                                            <p:strVal val="#ppt_x"/>
+                                          </p:val>
+                                        </p:tav>
+                                      </p:tavLst>
+                                    </p:anim>
+                                    <p:anim calcmode="lin" valueType="num">
+                                      <p:cBhvr additive="base">
+                                        <p:cTn id="20" dur="500" fill="hold"/>
+                                        <p:tgtEl>
+                                          <p:spTgt spid="52"/>
+                                        </p:tgtEl>
+                                        <p:attrNameLst>
+                                          <p:attrName>ppt_y</p:attrName>
+                                        </p:attrNameLst>
+                                      </p:cBhvr>
+                                      <p:tavLst>
+                                        <p:tav tm="0">
+                                          <p:val>
+                                            <p:strVal val="1+#ppt_h/2"/>
+                                          </p:val>
+                                        </p:tav>
+                                        <p:tav tm="100000">
+                                          <p:val>
+                                            <p:strVal val="#ppt_y"/>
+                                          </p:val>
+                                        </p:tav>
+                                      </p:tavLst>
+                                    </p:anim>
+                                  </p:childTnLst>
+                                </p:cTn>
+                              </p:par>
+                            </p:childTnLst>
+                          </p:cTn>
+                        </p:par>
+                      </p:childTnLst>
+                    </p:cTn>
+                  </p:par>
+                  <p:par>
+                    <p:cTn id="21" fill="hold">
+                      <p:stCondLst>
+                        <p:cond delay="indefinite"/>
+                      </p:stCondLst>
+                      <p:childTnLst>
+                        <p:par>
+                          <p:cTn id="22" fill="hold">
+                            <p:stCondLst>
+                              <p:cond delay="0"/>
+                            </p:stCondLst>
+                            <p:childTnLst>
+                              <p:par>
+                                <p:cTn id="23" presetID="2" presetClass="entr" presetSubtype="1" fill="hold" nodeType="clickEffect">
+                                  <p:stCondLst>
+                                    <p:cond delay="0"/>
+                                  </p:stCondLst>
+                                  <p:childTnLst>
+                                    <p:set>
+                                      <p:cBhvr>
+                                        <p:cTn id="24" dur="1" fill="hold">
+                                          <p:stCondLst>
+                                            <p:cond delay="0"/>
+                                          </p:stCondLst>
+                                        </p:cTn>
+                                        <p:tgtEl>
+                                          <p:spTgt spid="53"/>
+                                        </p:tgtEl>
+                                        <p:attrNameLst>
+                                          <p:attrName>style.visibility</p:attrName>
+                                        </p:attrNameLst>
+                                      </p:cBhvr>
+                                      <p:to>
+                                        <p:strVal val="visible"/>
+                                      </p:to>
+                                    </p:set>
+                                    <p:anim calcmode="lin" valueType="num">
+                                      <p:cBhvr additive="base">
+                                        <p:cTn id="25" dur="500" fill="hold"/>
+                                        <p:tgtEl>
+                                          <p:spTgt spid="53"/>
+                                        </p:tgtEl>
+                                        <p:attrNameLst>
+                                          <p:attrName>ppt_x</p:attrName>
+                                        </p:attrNameLst>
+                                      </p:cBhvr>
+                                      <p:tavLst>
+                                        <p:tav tm="0">
+                                          <p:val>
+                                            <p:strVal val="#ppt_x"/>
+                                          </p:val>
+                                        </p:tav>
+                                        <p:tav tm="100000">
+                                          <p:val>
+                                            <p:strVal val="#ppt_x"/>
+                                          </p:val>
+                                        </p:tav>
+                                      </p:tavLst>
+                                    </p:anim>
+                                    <p:anim calcmode="lin" valueType="num">
+                                      <p:cBhvr additive="base">
+                                        <p:cTn id="26" dur="500" fill="hold"/>
+                                        <p:tgtEl>
+                                          <p:spTgt spid="53"/>
+                                        </p:tgtEl>
+                                        <p:attrNameLst>
+                                          <p:attrName>ppt_y</p:attrName>
+                                        </p:attrNameLst>
+                                      </p:cBhvr>
+                                      <p:tavLst>
+                                        <p:tav tm="0">
+                                          <p:val>
+                                            <p:strVal val="0-#ppt_h/2"/>
+                                          </p:val>
+                                        </p:tav>
+                                        <p:tav tm="100000">
+                                          <p:val>
+                                            <p:strVal val="#ppt_y"/>
+                                          </p:val>
+                                        </p:tav>
+                                      </p:tavLst>
+                                    </p:anim>
+                                  </p:childTnLst>
+                                </p:cTn>
+                              </p:par>
+                            </p:childTnLst>
+                          </p:cTn>
+                        </p:par>
+                      </p:childTnLst>
+                    </p:cTn>
+                  </p:par>
+                </p:childTnLst>
+              </p:cTn>
+              <p:prevCondLst>
+                <p:cond evt="onPrev" delay="0">
+                  <p:tgtEl>
+                    <p:sldTgt/>
+                  </p:tgtEl>
+                </p:cond>
+              </p:prevCondLst>
+              <p:nextCondLst>
+                <p:cond evt="onNext" delay="0">
+                  <p:tgtEl>
+                    <p:sldTgt/>
+                  </p:tgtEl>
+                </p:cond>
+              </p:nextCondLst>
+            </p:seq>
+          </p:childTnLst>
+        </p:cTn>
+      </p:par>
+    </p:tnLst>
+  </p:timing>
+</p:sld>
+</file>
+
+<file path=ppt/slides/slide12.xml><?xml version="1.0" encoding="utf-8"?>
+<p:sld xmlns:a="http://schemas.openxmlformats.org/drawingml/2006/main" xmlns:r="http://schemas.openxmlformats.org/officeDocument/2006/relationships" xmlns:p="http://schemas.openxmlformats.org/presentationml/2006/main">
+  <p:cSld>
+    <p:spTree>
+      <p:nvGrpSpPr>
+        <p:cNvPr id="1" name=""/>
+        <p:cNvGrpSpPr/>
+        <p:nvPr/>
+      </p:nvGrpSpPr>
+      <p:grpSpPr>
+        <a:xfrm>
+          <a:off x="0" y="0"/>
+          <a:ext cx="0" cy="0"/>
+          <a:chOff x="0" y="0"/>
+          <a:chExt cx="0" cy="0"/>
+        </a:xfrm>
+      </p:grpSpPr>
+      <p:sp>
+        <p:nvSpPr>
+          <p:cNvPr id="2" name="Title 1">
+            <a:extLst>
+              <a:ext uri="{FF2B5EF4-FFF2-40B4-BE49-F238E27FC236}">
+                <a16:creationId xmlns:a16="http://schemas.microsoft.com/office/drawing/2014/main" id="{FCE360A7-E6C1-46AB-A2E1-D4B5C44FA1C5}"/>
+              </a:ext>
+            </a:extLst>
+          </p:cNvPr>
+          <p:cNvSpPr>
+            <a:spLocks noGrp="1"/>
+          </p:cNvSpPr>
+          <p:nvPr>
+            <p:ph type="title"/>
+          </p:nvPr>
+        </p:nvSpPr>
+        <p:spPr/>
+        <p:txBody>
+          <a:bodyPr/>
+          <a:lstStyle/>
+          <a:p>
+            <a:r>
+              <a:rPr lang="en-US" dirty="0"/>
+              <a:t>Demo</a:t>
+            </a:r>
+          </a:p>
+        </p:txBody>
+      </p:sp>
+      <p:sp>
+        <p:nvSpPr>
+          <p:cNvPr id="3" name="Content Placeholder 2">
+            <a:extLst>
+              <a:ext uri="{FF2B5EF4-FFF2-40B4-BE49-F238E27FC236}">
+                <a16:creationId xmlns:a16="http://schemas.microsoft.com/office/drawing/2014/main" id="{B82D9A14-7608-4DF8-BF3C-04238EFAC2C2}"/>
+              </a:ext>
+            </a:extLst>
+          </p:cNvPr>
+          <p:cNvSpPr>
+            <a:spLocks noGrp="1"/>
+          </p:cNvSpPr>
+          <p:nvPr>
+            <p:ph idx="1"/>
+          </p:nvPr>
+        </p:nvSpPr>
+        <p:spPr/>
+        <p:txBody>
+          <a:bodyPr/>
+          <a:lstStyle/>
+          <a:p>
+            <a:endParaRPr lang="en-US" dirty="0"/>
+          </a:p>
+        </p:txBody>
+      </p:sp>
+    </p:spTree>
+    <p:extLst>
+      <p:ext uri="{BB962C8B-B14F-4D97-AF65-F5344CB8AC3E}">
+        <p14:creationId xmlns:p14="http://schemas.microsoft.com/office/powerpoint/2010/main" val="1857166778"/>
+      </p:ext>
+    </p:extLst>
+  </p:cSld>
+  <p:clrMapOvr>
+    <a:masterClrMapping/>
+  </p:clrMapOvr>
+</p:sld>
+</file>
+
+<file path=ppt/slides/slide13.xml><?xml version="1.0" encoding="utf-8"?>
+<p:sld xmlns:a="http://schemas.openxmlformats.org/drawingml/2006/main" xmlns:r="http://schemas.openxmlformats.org/officeDocument/2006/relationships" xmlns:p="http://schemas.openxmlformats.org/presentationml/2006/main">
+  <p:cSld>
+    <p:spTree>
+      <p:nvGrpSpPr>
+        <p:cNvPr id="1" name=""/>
+        <p:cNvGrpSpPr/>
+        <p:nvPr/>
+      </p:nvGrpSpPr>
+      <p:grpSpPr>
+        <a:xfrm>
+          <a:off x="0" y="0"/>
+          <a:ext cx="0" cy="0"/>
+          <a:chOff x="0" y="0"/>
+          <a:chExt cx="0" cy="0"/>
+        </a:xfrm>
+      </p:grpSpPr>
+      <p:sp>
+        <p:nvSpPr>
           <p:cNvPr id="4" name="TextBox 3">
             <a:extLst>
               <a:ext uri="{FF2B5EF4-FFF2-40B4-BE49-F238E27FC236}">
-                <a16:creationId xmlns:a16="http://schemas.microsoft.com/office/drawing/2014/main" id="{BA41015E-3316-48B5-B5D7-74D531945249}"/>
+                <a16:creationId xmlns:a16="http://schemas.microsoft.com/office/drawing/2014/main" id="{E4A40A27-04BC-4C43-B1F4-591796115D55}"/>
               </a:ext>
             </a:extLst>
           </p:cNvPr>
@@ -3584,8 +4924,8 @@
         </p:nvSpPr>
         <p:spPr>
           <a:xfrm>
-            <a:off x="3785987" y="641838"/>
-            <a:ext cx="4632166" cy="584775"/>
+            <a:off x="4098484" y="641838"/>
+            <a:ext cx="4007187" cy="584775"/>
           </a:xfrm>
           <a:prstGeom prst="rect">
             <a:avLst/>
@@ -3601,7 +4941,495 @@
             <a:pPr algn="ctr"/>
             <a:r>
               <a:rPr lang="en-US" sz="3200" dirty="0"/>
-              <a:t>Step 3: assign to candidate</a:t>
+              <a:t>Step 4: +1 to processor</a:t>
+            </a:r>
+            <a:endParaRPr lang="en-US" sz="3200" b="1" dirty="0"/>
+          </a:p>
+        </p:txBody>
+      </p:sp>
+      <p:sp>
+        <p:nvSpPr>
+          <p:cNvPr id="5" name="TextBox 4">
+            <a:extLst>
+              <a:ext uri="{FF2B5EF4-FFF2-40B4-BE49-F238E27FC236}">
+                <a16:creationId xmlns:a16="http://schemas.microsoft.com/office/drawing/2014/main" id="{639AC151-EF86-4B1E-8505-687CD6286D5B}"/>
+              </a:ext>
+            </a:extLst>
+          </p:cNvPr>
+          <p:cNvSpPr txBox="1"/>
+          <p:nvPr/>
+        </p:nvSpPr>
+        <p:spPr>
+          <a:xfrm>
+            <a:off x="3198497" y="1480038"/>
+            <a:ext cx="5807167" cy="584775"/>
+          </a:xfrm>
+          <a:prstGeom prst="rect">
+            <a:avLst/>
+          </a:prstGeom>
+          <a:noFill/>
+        </p:spPr>
+        <p:txBody>
+          <a:bodyPr wrap="none" rtlCol="0">
+            <a:spAutoFit/>
+          </a:bodyPr>
+          <a:lstStyle/>
+          <a:p>
+            <a:pPr algn="ctr"/>
+            <a:r>
+              <a:rPr lang="en-US" sz="3200" dirty="0"/>
+              <a:t>Step 5: copy processor’s </a:t>
+            </a:r>
+            <a:r>
+              <a:rPr lang="en-US" sz="3200" dirty="0" err="1"/>
+              <a:t>i</a:t>
+            </a:r>
+            <a:r>
+              <a:rPr lang="en-US" sz="3200" dirty="0"/>
+              <a:t>-number</a:t>
+            </a:r>
+            <a:endParaRPr lang="en-US" sz="3200" b="1" dirty="0"/>
+          </a:p>
+        </p:txBody>
+      </p:sp>
+      <p:sp>
+        <p:nvSpPr>
+          <p:cNvPr id="6" name="TextBox 5">
+            <a:extLst>
+              <a:ext uri="{FF2B5EF4-FFF2-40B4-BE49-F238E27FC236}">
+                <a16:creationId xmlns:a16="http://schemas.microsoft.com/office/drawing/2014/main" id="{EF230790-843F-46C9-AE37-4937EB2983BF}"/>
+              </a:ext>
+            </a:extLst>
+          </p:cNvPr>
+          <p:cNvSpPr txBox="1"/>
+          <p:nvPr/>
+        </p:nvSpPr>
+        <p:spPr>
+          <a:xfrm>
+            <a:off x="4307867" y="2742789"/>
+            <a:ext cx="3588418" cy="584775"/>
+          </a:xfrm>
+          <a:prstGeom prst="rect">
+            <a:avLst/>
+          </a:prstGeom>
+          <a:noFill/>
+        </p:spPr>
+        <p:txBody>
+          <a:bodyPr wrap="none" rtlCol="0">
+            <a:spAutoFit/>
+          </a:bodyPr>
+          <a:lstStyle/>
+          <a:p>
+            <a:pPr algn="ctr"/>
+            <a:r>
+              <a:rPr lang="en-US" sz="3200" b="1" dirty="0"/>
+              <a:t>Step 6: paste to BCP</a:t>
+            </a:r>
+          </a:p>
+        </p:txBody>
+      </p:sp>
+      <p:pic>
+        <p:nvPicPr>
+          <p:cNvPr id="9" name="Picture 8">
+            <a:extLst>
+              <a:ext uri="{FF2B5EF4-FFF2-40B4-BE49-F238E27FC236}">
+                <a16:creationId xmlns:a16="http://schemas.microsoft.com/office/drawing/2014/main" id="{EC54038A-3770-4B16-94CD-2932C9E46908}"/>
+              </a:ext>
+            </a:extLst>
+          </p:cNvPr>
+          <p:cNvPicPr>
+            <a:picLocks noChangeAspect="1"/>
+          </p:cNvPicPr>
+          <p:nvPr/>
+        </p:nvPicPr>
+        <p:blipFill>
+          <a:blip r:embed="rId2"/>
+          <a:stretch>
+            <a:fillRect/>
+          </a:stretch>
+        </p:blipFill>
+        <p:spPr>
+          <a:xfrm>
+            <a:off x="3980350" y="4005540"/>
+            <a:ext cx="4600575" cy="1133475"/>
+          </a:xfrm>
+          <a:prstGeom prst="rect">
+            <a:avLst/>
+          </a:prstGeom>
+        </p:spPr>
+      </p:pic>
+    </p:spTree>
+    <p:extLst>
+      <p:ext uri="{BB962C8B-B14F-4D97-AF65-F5344CB8AC3E}">
+        <p14:creationId xmlns:p14="http://schemas.microsoft.com/office/powerpoint/2010/main" val="1015586489"/>
+      </p:ext>
+    </p:extLst>
+  </p:cSld>
+  <p:clrMapOvr>
+    <a:masterClrMapping/>
+  </p:clrMapOvr>
+</p:sld>
+</file>
+
+<file path=ppt/slides/slide14.xml><?xml version="1.0" encoding="utf-8"?>
+<p:sld xmlns:a="http://schemas.openxmlformats.org/drawingml/2006/main" xmlns:r="http://schemas.openxmlformats.org/officeDocument/2006/relationships" xmlns:p="http://schemas.openxmlformats.org/presentationml/2006/main">
+  <p:cSld>
+    <p:spTree>
+      <p:nvGrpSpPr>
+        <p:cNvPr id="1" name=""/>
+        <p:cNvGrpSpPr/>
+        <p:nvPr/>
+      </p:nvGrpSpPr>
+      <p:grpSpPr>
+        <a:xfrm>
+          <a:off x="0" y="0"/>
+          <a:ext cx="0" cy="0"/>
+          <a:chOff x="0" y="0"/>
+          <a:chExt cx="0" cy="0"/>
+        </a:xfrm>
+      </p:grpSpPr>
+      <p:sp>
+        <p:nvSpPr>
+          <p:cNvPr id="3" name="Content Placeholder 2">
+            <a:extLst>
+              <a:ext uri="{FF2B5EF4-FFF2-40B4-BE49-F238E27FC236}">
+                <a16:creationId xmlns:a16="http://schemas.microsoft.com/office/drawing/2014/main" id="{17404BD7-5D0C-4134-82D6-C351FB8AFD49}"/>
+              </a:ext>
+            </a:extLst>
+          </p:cNvPr>
+          <p:cNvSpPr>
+            <a:spLocks noGrp="1"/>
+          </p:cNvSpPr>
+          <p:nvPr>
+            <p:ph idx="1"/>
+          </p:nvPr>
+        </p:nvSpPr>
+        <p:spPr>
+          <a:xfrm>
+            <a:off x="1005253" y="1658570"/>
+            <a:ext cx="4375638" cy="1955067"/>
+          </a:xfrm>
+        </p:spPr>
+        <p:txBody>
+          <a:bodyPr/>
+          <a:lstStyle/>
+          <a:p>
+            <a:r>
+              <a:rPr lang="en-US" dirty="0"/>
+              <a:t>Time consuming</a:t>
+            </a:r>
+          </a:p>
+          <a:p>
+            <a:pPr lvl="1"/>
+            <a:r>
+              <a:rPr lang="en-US" dirty="0"/>
+              <a:t>Check RCC many times</a:t>
+            </a:r>
+          </a:p>
+          <a:p>
+            <a:pPr lvl="1"/>
+            <a:r>
+              <a:rPr lang="en-US" dirty="0"/>
+              <a:t>Don’t know who to dispatch</a:t>
+            </a:r>
+          </a:p>
+          <a:p>
+            <a:pPr lvl="1"/>
+            <a:r>
+              <a:rPr lang="en-US" dirty="0"/>
+              <a:t>Copy &amp; paste </a:t>
+            </a:r>
+            <a:r>
+              <a:rPr lang="en-US" dirty="0" err="1"/>
+              <a:t>i</a:t>
+            </a:r>
+            <a:r>
+              <a:rPr lang="en-US" dirty="0"/>
+              <a:t>-number</a:t>
+            </a:r>
+          </a:p>
+        </p:txBody>
+      </p:sp>
+    </p:spTree>
+    <p:extLst>
+      <p:ext uri="{BB962C8B-B14F-4D97-AF65-F5344CB8AC3E}">
+        <p14:creationId xmlns:p14="http://schemas.microsoft.com/office/powerpoint/2010/main" val="1351495783"/>
+      </p:ext>
+    </p:extLst>
+  </p:cSld>
+  <p:clrMapOvr>
+    <a:masterClrMapping/>
+  </p:clrMapOvr>
+</p:sld>
+</file>
+
+<file path=ppt/slides/slide15.xml><?xml version="1.0" encoding="utf-8"?>
+<p:sld xmlns:a="http://schemas.openxmlformats.org/drawingml/2006/main" xmlns:r="http://schemas.openxmlformats.org/officeDocument/2006/relationships" xmlns:p="http://schemas.openxmlformats.org/presentationml/2006/main">
+  <p:cSld>
+    <p:spTree>
+      <p:nvGrpSpPr>
+        <p:cNvPr id="1" name=""/>
+        <p:cNvGrpSpPr/>
+        <p:nvPr/>
+      </p:nvGrpSpPr>
+      <p:grpSpPr>
+        <a:xfrm>
+          <a:off x="0" y="0"/>
+          <a:ext cx="0" cy="0"/>
+          <a:chOff x="0" y="0"/>
+          <a:chExt cx="0" cy="0"/>
+        </a:xfrm>
+      </p:grpSpPr>
+      <p:sp>
+        <p:nvSpPr>
+          <p:cNvPr id="2" name="Title 1">
+            <a:extLst>
+              <a:ext uri="{FF2B5EF4-FFF2-40B4-BE49-F238E27FC236}">
+                <a16:creationId xmlns:a16="http://schemas.microsoft.com/office/drawing/2014/main" id="{BDE04E92-B253-4476-A518-7932D16FA3A9}"/>
+              </a:ext>
+            </a:extLst>
+          </p:cNvPr>
+          <p:cNvSpPr>
+            <a:spLocks noGrp="1"/>
+          </p:cNvSpPr>
+          <p:nvPr>
+            <p:ph type="title"/>
+          </p:nvPr>
+        </p:nvSpPr>
+        <p:spPr/>
+        <p:txBody>
+          <a:bodyPr/>
+          <a:lstStyle/>
+          <a:p>
+            <a:endParaRPr lang="en-US"/>
+          </a:p>
+        </p:txBody>
+      </p:sp>
+      <p:sp>
+        <p:nvSpPr>
+          <p:cNvPr id="3" name="Content Placeholder 2">
+            <a:extLst>
+              <a:ext uri="{FF2B5EF4-FFF2-40B4-BE49-F238E27FC236}">
+                <a16:creationId xmlns:a16="http://schemas.microsoft.com/office/drawing/2014/main" id="{11A2C533-0468-4D5A-8594-2A7F5DB76F1F}"/>
+              </a:ext>
+            </a:extLst>
+          </p:cNvPr>
+          <p:cNvSpPr>
+            <a:spLocks noGrp="1"/>
+          </p:cNvSpPr>
+          <p:nvPr>
+            <p:ph idx="1"/>
+          </p:nvPr>
+        </p:nvSpPr>
+        <p:spPr/>
+        <p:txBody>
+          <a:bodyPr/>
+          <a:lstStyle/>
+          <a:p>
+            <a:endParaRPr lang="en-US"/>
+          </a:p>
+        </p:txBody>
+      </p:sp>
+    </p:spTree>
+    <p:extLst>
+      <p:ext uri="{BB962C8B-B14F-4D97-AF65-F5344CB8AC3E}">
+        <p14:creationId xmlns:p14="http://schemas.microsoft.com/office/powerpoint/2010/main" val="1351991648"/>
+      </p:ext>
+    </p:extLst>
+  </p:cSld>
+  <p:clrMapOvr>
+    <a:masterClrMapping/>
+  </p:clrMapOvr>
+</p:sld>
+</file>
+
+<file path=ppt/slides/slide16.xml><?xml version="1.0" encoding="utf-8"?>
+<p:sld xmlns:a="http://schemas.openxmlformats.org/drawingml/2006/main" xmlns:r="http://schemas.openxmlformats.org/officeDocument/2006/relationships" xmlns:p="http://schemas.openxmlformats.org/presentationml/2006/main">
+  <p:cSld>
+    <p:spTree>
+      <p:nvGrpSpPr>
+        <p:cNvPr id="1" name=""/>
+        <p:cNvGrpSpPr/>
+        <p:nvPr/>
+      </p:nvGrpSpPr>
+      <p:grpSpPr>
+        <a:xfrm>
+          <a:off x="0" y="0"/>
+          <a:ext cx="0" cy="0"/>
+          <a:chOff x="0" y="0"/>
+          <a:chExt cx="0" cy="0"/>
+        </a:xfrm>
+      </p:grpSpPr>
+      <p:pic>
+        <p:nvPicPr>
+          <p:cNvPr id="4" name="Picture 3">
+            <a:extLst>
+              <a:ext uri="{FF2B5EF4-FFF2-40B4-BE49-F238E27FC236}">
+                <a16:creationId xmlns:a16="http://schemas.microsoft.com/office/drawing/2014/main" id="{A59C2979-9F39-4708-973B-065B3360D9AA}"/>
+              </a:ext>
+            </a:extLst>
+          </p:cNvPr>
+          <p:cNvPicPr>
+            <a:picLocks noChangeAspect="1"/>
+          </p:cNvPicPr>
+          <p:nvPr/>
+        </p:nvPicPr>
+        <p:blipFill rotWithShape="1">
+          <a:blip r:embed="rId2"/>
+          <a:srcRect l="22356"/>
+          <a:stretch/>
+        </p:blipFill>
+        <p:spPr>
+          <a:xfrm>
+            <a:off x="1327635" y="1945003"/>
+            <a:ext cx="9466385" cy="2528378"/>
+          </a:xfrm>
+          <a:prstGeom prst="rect">
+            <a:avLst/>
+          </a:prstGeom>
+        </p:spPr>
+      </p:pic>
+      <p:sp>
+        <p:nvSpPr>
+          <p:cNvPr id="5" name="TextBox 4">
+            <a:extLst>
+              <a:ext uri="{FF2B5EF4-FFF2-40B4-BE49-F238E27FC236}">
+                <a16:creationId xmlns:a16="http://schemas.microsoft.com/office/drawing/2014/main" id="{E76F82CA-3326-427B-9876-3FEB93D78293}"/>
+              </a:ext>
+            </a:extLst>
+          </p:cNvPr>
+          <p:cNvSpPr txBox="1"/>
+          <p:nvPr/>
+        </p:nvSpPr>
+        <p:spPr>
+          <a:xfrm>
+            <a:off x="3339857" y="627274"/>
+            <a:ext cx="5441939" cy="584775"/>
+          </a:xfrm>
+          <a:prstGeom prst="rect">
+            <a:avLst/>
+          </a:prstGeom>
+          <a:noFill/>
+        </p:spPr>
+        <p:txBody>
+          <a:bodyPr wrap="none" rtlCol="0">
+            <a:spAutoFit/>
+          </a:bodyPr>
+          <a:lstStyle/>
+          <a:p>
+            <a:pPr algn="ctr"/>
+            <a:r>
+              <a:rPr lang="en-US" sz="3200" dirty="0"/>
+              <a:t>Step 1: find out the </a:t>
+            </a:r>
+            <a:r>
+              <a:rPr lang="en-US" sz="3200" b="1" dirty="0"/>
+              <a:t>component</a:t>
+            </a:r>
+          </a:p>
+        </p:txBody>
+      </p:sp>
+      <p:sp>
+        <p:nvSpPr>
+          <p:cNvPr id="6" name="TextBox 5">
+            <a:extLst>
+              <a:ext uri="{FF2B5EF4-FFF2-40B4-BE49-F238E27FC236}">
+                <a16:creationId xmlns:a16="http://schemas.microsoft.com/office/drawing/2014/main" id="{10754F3F-C786-4A66-A7CB-7C0D4E571DDD}"/>
+              </a:ext>
+            </a:extLst>
+          </p:cNvPr>
+          <p:cNvSpPr txBox="1"/>
+          <p:nvPr/>
+        </p:nvSpPr>
+        <p:spPr>
+          <a:xfrm>
+            <a:off x="5353550" y="5354515"/>
+            <a:ext cx="1414554" cy="584775"/>
+          </a:xfrm>
+          <a:prstGeom prst="rect">
+            <a:avLst/>
+          </a:prstGeom>
+          <a:noFill/>
+        </p:spPr>
+        <p:txBody>
+          <a:bodyPr wrap="none" rtlCol="0">
+            <a:spAutoFit/>
+          </a:bodyPr>
+          <a:lstStyle/>
+          <a:p>
+            <a:r>
+              <a:rPr lang="en-US" sz="3200" dirty="0"/>
+              <a:t>It’s </a:t>
+            </a:r>
+            <a:r>
+              <a:rPr lang="en-US" sz="3200" b="1" dirty="0"/>
+              <a:t>NW</a:t>
+            </a:r>
+          </a:p>
+        </p:txBody>
+      </p:sp>
+    </p:spTree>
+    <p:extLst>
+      <p:ext uri="{BB962C8B-B14F-4D97-AF65-F5344CB8AC3E}">
+        <p14:creationId xmlns:p14="http://schemas.microsoft.com/office/powerpoint/2010/main" val="2998417534"/>
+      </p:ext>
+    </p:extLst>
+  </p:cSld>
+  <p:clrMapOvr>
+    <a:masterClrMapping/>
+  </p:clrMapOvr>
+</p:sld>
+</file>
+
+<file path=ppt/slides/slide17.xml><?xml version="1.0" encoding="utf-8"?>
+<p:sld xmlns:a="http://schemas.openxmlformats.org/drawingml/2006/main" xmlns:r="http://schemas.openxmlformats.org/officeDocument/2006/relationships" xmlns:p="http://schemas.openxmlformats.org/presentationml/2006/main">
+  <p:cSld>
+    <p:spTree>
+      <p:nvGrpSpPr>
+        <p:cNvPr id="1" name=""/>
+        <p:cNvGrpSpPr/>
+        <p:nvPr/>
+      </p:nvGrpSpPr>
+      <p:grpSpPr>
+        <a:xfrm>
+          <a:off x="0" y="0"/>
+          <a:ext cx="0" cy="0"/>
+          <a:chOff x="0" y="0"/>
+          <a:chExt cx="0" cy="0"/>
+        </a:xfrm>
+      </p:grpSpPr>
+      <p:sp>
+        <p:nvSpPr>
+          <p:cNvPr id="4" name="TextBox 3">
+            <a:extLst>
+              <a:ext uri="{FF2B5EF4-FFF2-40B4-BE49-F238E27FC236}">
+                <a16:creationId xmlns:a16="http://schemas.microsoft.com/office/drawing/2014/main" id="{BA41015E-3316-48B5-B5D7-74D531945249}"/>
+              </a:ext>
+            </a:extLst>
+          </p:cNvPr>
+          <p:cNvSpPr txBox="1"/>
+          <p:nvPr/>
+        </p:nvSpPr>
+        <p:spPr>
+          <a:xfrm>
+            <a:off x="4706304" y="641838"/>
+            <a:ext cx="2791533" cy="584775"/>
+          </a:xfrm>
+          <a:prstGeom prst="rect">
+            <a:avLst/>
+          </a:prstGeom>
+          <a:noFill/>
+        </p:spPr>
+        <p:txBody>
+          <a:bodyPr wrap="none" rtlCol="0">
+            <a:spAutoFit/>
+          </a:bodyPr>
+          <a:lstStyle/>
+          <a:p>
+            <a:pPr algn="ctr"/>
+            <a:r>
+              <a:rPr lang="en-US" sz="3200" dirty="0"/>
+              <a:t>Step 2: add one</a:t>
             </a:r>
             <a:endParaRPr lang="en-US" sz="3200" b="1" dirty="0"/>
           </a:p>
@@ -3636,8 +5464,8 @@
           </a:prstGeom>
         </p:spPr>
       </p:pic>
-      <mc:AlternateContent xmlns:mc="http://schemas.openxmlformats.org/markup-compatibility/2006">
-        <mc:Choice xmlns:p14="http://schemas.microsoft.com/office/powerpoint/2010/main" Requires="p14">
+      <mc:AlternateContent xmlns:mc="http://schemas.openxmlformats.org/markup-compatibility/2006" xmlns:p14="http://schemas.microsoft.com/office/powerpoint/2010/main">
+        <mc:Choice Requires="p14">
           <p:contentPart p14:bwMode="auto" r:id="rId3">
             <p14:nvContentPartPr>
               <p14:cNvPr id="6" name="Ink 5">
@@ -3656,7 +5484,7 @@
             </p14:xfrm>
           </p:contentPart>
         </mc:Choice>
-        <mc:Fallback>
+        <mc:Fallback xmlns="">
           <p:pic>
             <p:nvPicPr>
               <p:cNvPr id="6" name="Ink 5">
@@ -3775,6 +5603,286 @@
           </a:p>
         </p:txBody>
       </p:sp>
+      <mc:AlternateContent xmlns:mc="http://schemas.openxmlformats.org/markup-compatibility/2006">
+        <mc:Choice xmlns:p14="http://schemas.microsoft.com/office/powerpoint/2010/main" Requires="p14">
+          <p:contentPart p14:bwMode="auto" r:id="rId5">
+            <p14:nvContentPartPr>
+              <p14:cNvPr id="2" name="Ink 1">
+                <a:extLst>
+                  <a:ext uri="{FF2B5EF4-FFF2-40B4-BE49-F238E27FC236}">
+                    <a16:creationId xmlns:a16="http://schemas.microsoft.com/office/drawing/2014/main" id="{D422B935-D854-438D-8F51-1BBFCA657300}"/>
+                  </a:ext>
+                </a:extLst>
+              </p14:cNvPr>
+              <p14:cNvContentPartPr/>
+              <p14:nvPr/>
+            </p14:nvContentPartPr>
+            <p14:xfrm>
+              <a:off x="5489230" y="2596932"/>
+              <a:ext cx="307872" cy="163872"/>
+            </p14:xfrm>
+          </p:contentPart>
+        </mc:Choice>
+        <mc:Fallback>
+          <p:pic>
+            <p:nvPicPr>
+              <p:cNvPr id="2" name="Ink 1">
+                <a:extLst>
+                  <a:ext uri="{FF2B5EF4-FFF2-40B4-BE49-F238E27FC236}">
+                    <a16:creationId xmlns:a16="http://schemas.microsoft.com/office/drawing/2014/main" id="{D422B935-D854-438D-8F51-1BBFCA657300}"/>
+                  </a:ext>
+                </a:extLst>
+              </p:cNvPr>
+              <p:cNvPicPr/>
+              <p:nvPr/>
+            </p:nvPicPr>
+            <p:blipFill>
+              <a:blip r:embed="rId6"/>
+              <a:stretch>
+                <a:fillRect/>
+              </a:stretch>
+            </p:blipFill>
+            <p:spPr>
+              <a:xfrm>
+                <a:off x="5460423" y="2539307"/>
+                <a:ext cx="365125" cy="278762"/>
+              </a:xfrm>
+              <a:prstGeom prst="rect">
+                <a:avLst/>
+              </a:prstGeom>
+            </p:spPr>
+          </p:pic>
+        </mc:Fallback>
+      </mc:AlternateContent>
+      <mc:AlternateContent xmlns:mc="http://schemas.openxmlformats.org/markup-compatibility/2006">
+        <mc:Choice xmlns:p14="http://schemas.microsoft.com/office/powerpoint/2010/main" Requires="p14">
+          <p:contentPart p14:bwMode="auto" r:id="rId7">
+            <p14:nvContentPartPr>
+              <p14:cNvPr id="3" name="Ink 2">
+                <a:extLst>
+                  <a:ext uri="{FF2B5EF4-FFF2-40B4-BE49-F238E27FC236}">
+                    <a16:creationId xmlns:a16="http://schemas.microsoft.com/office/drawing/2014/main" id="{F5471192-4458-4E02-A64B-7A6614772A3A}"/>
+                  </a:ext>
+                </a:extLst>
+              </p14:cNvPr>
+              <p14:cNvContentPartPr/>
+              <p14:nvPr/>
+            </p14:nvContentPartPr>
+            <p14:xfrm>
+              <a:off x="5414062" y="2478276"/>
+              <a:ext cx="442944" cy="256896"/>
+            </p14:xfrm>
+          </p:contentPart>
+        </mc:Choice>
+        <mc:Fallback>
+          <p:pic>
+            <p:nvPicPr>
+              <p:cNvPr id="3" name="Ink 2">
+                <a:extLst>
+                  <a:ext uri="{FF2B5EF4-FFF2-40B4-BE49-F238E27FC236}">
+                    <a16:creationId xmlns:a16="http://schemas.microsoft.com/office/drawing/2014/main" id="{F5471192-4458-4E02-A64B-7A6614772A3A}"/>
+                  </a:ext>
+                </a:extLst>
+              </p:cNvPr>
+              <p:cNvPicPr/>
+              <p:nvPr/>
+            </p:nvPicPr>
+            <p:blipFill>
+              <a:blip r:embed="rId8"/>
+              <a:stretch>
+                <a:fillRect/>
+              </a:stretch>
+            </p:blipFill>
+            <p:spPr>
+              <a:xfrm>
+                <a:off x="5385253" y="2420708"/>
+                <a:ext cx="500203" cy="371672"/>
+              </a:xfrm>
+              <a:prstGeom prst="rect">
+                <a:avLst/>
+              </a:prstGeom>
+            </p:spPr>
+          </p:pic>
+        </mc:Fallback>
+      </mc:AlternateContent>
+      <mc:AlternateContent xmlns:mc="http://schemas.openxmlformats.org/markup-compatibility/2006">
+        <mc:Choice xmlns:p14="http://schemas.microsoft.com/office/powerpoint/2010/main" Requires="p14">
+          <p:contentPart p14:bwMode="auto" r:id="rId9">
+            <p14:nvContentPartPr>
+              <p14:cNvPr id="8" name="Ink 7">
+                <a:extLst>
+                  <a:ext uri="{FF2B5EF4-FFF2-40B4-BE49-F238E27FC236}">
+                    <a16:creationId xmlns:a16="http://schemas.microsoft.com/office/drawing/2014/main" id="{2FFFB6D3-F9DB-4E37-B477-9AC176D3B0B6}"/>
+                  </a:ext>
+                </a:extLst>
+              </p14:cNvPr>
+              <p14:cNvContentPartPr/>
+              <p14:nvPr/>
+            </p14:nvContentPartPr>
+            <p14:xfrm>
+              <a:off x="5532718" y="2690244"/>
+              <a:ext cx="24192" cy="288"/>
+            </p14:xfrm>
+          </p:contentPart>
+        </mc:Choice>
+        <mc:Fallback>
+          <p:pic>
+            <p:nvPicPr>
+              <p:cNvPr id="8" name="Ink 7">
+                <a:extLst>
+                  <a:ext uri="{FF2B5EF4-FFF2-40B4-BE49-F238E27FC236}">
+                    <a16:creationId xmlns:a16="http://schemas.microsoft.com/office/drawing/2014/main" id="{2FFFB6D3-F9DB-4E37-B477-9AC176D3B0B6}"/>
+                  </a:ext>
+                </a:extLst>
+              </p:cNvPr>
+              <p:cNvPicPr/>
+              <p:nvPr/>
+            </p:nvPicPr>
+            <p:blipFill>
+              <a:blip r:embed="rId10"/>
+              <a:stretch>
+                <a:fillRect/>
+              </a:stretch>
+            </p:blipFill>
+            <p:spPr>
+              <a:xfrm>
+                <a:off x="5509400" y="2644164"/>
+                <a:ext cx="70536" cy="92160"/>
+              </a:xfrm>
+              <a:prstGeom prst="rect">
+                <a:avLst/>
+              </a:prstGeom>
+            </p:spPr>
+          </p:pic>
+        </mc:Fallback>
+      </mc:AlternateContent>
+      <p:pic>
+        <p:nvPicPr>
+          <p:cNvPr id="9" name="Picture 8">
+            <a:extLst>
+              <a:ext uri="{FF2B5EF4-FFF2-40B4-BE49-F238E27FC236}">
+                <a16:creationId xmlns:a16="http://schemas.microsoft.com/office/drawing/2014/main" id="{8DE0783F-1A2E-4B8E-98A5-787D0BA5A7A6}"/>
+              </a:ext>
+            </a:extLst>
+          </p:cNvPr>
+          <p:cNvPicPr>
+            <a:picLocks noChangeAspect="1"/>
+          </p:cNvPicPr>
+          <p:nvPr/>
+        </p:nvPicPr>
+        <p:blipFill>
+          <a:blip r:embed="rId11"/>
+          <a:stretch>
+            <a:fillRect/>
+          </a:stretch>
+        </p:blipFill>
+        <p:spPr>
+          <a:xfrm>
+            <a:off x="4147827" y="4091630"/>
+            <a:ext cx="3590711" cy="2013838"/>
+          </a:xfrm>
+          <a:prstGeom prst="rect">
+            <a:avLst/>
+          </a:prstGeom>
+        </p:spPr>
+      </p:pic>
+    </p:spTree>
+    <p:extLst>
+      <p:ext uri="{BB962C8B-B14F-4D97-AF65-F5344CB8AC3E}">
+        <p14:creationId xmlns:p14="http://schemas.microsoft.com/office/powerpoint/2010/main" val="2644771027"/>
+      </p:ext>
+    </p:extLst>
+  </p:cSld>
+  <p:clrMapOvr>
+    <a:masterClrMapping/>
+  </p:clrMapOvr>
+</p:sld>
+</file>
+
+<file path=ppt/slides/slide18.xml><?xml version="1.0" encoding="utf-8"?>
+<p:sld xmlns:a="http://schemas.openxmlformats.org/drawingml/2006/main" xmlns:r="http://schemas.openxmlformats.org/officeDocument/2006/relationships" xmlns:p="http://schemas.openxmlformats.org/presentationml/2006/main">
+  <p:cSld>
+    <p:spTree>
+      <p:nvGrpSpPr>
+        <p:cNvPr id="1" name=""/>
+        <p:cNvGrpSpPr/>
+        <p:nvPr/>
+      </p:nvGrpSpPr>
+      <p:grpSpPr>
+        <a:xfrm>
+          <a:off x="0" y="0"/>
+          <a:ext cx="0" cy="0"/>
+          <a:chOff x="0" y="0"/>
+          <a:chExt cx="0" cy="0"/>
+        </a:xfrm>
+      </p:grpSpPr>
+      <p:sp>
+        <p:nvSpPr>
+          <p:cNvPr id="4" name="TextBox 3">
+            <a:extLst>
+              <a:ext uri="{FF2B5EF4-FFF2-40B4-BE49-F238E27FC236}">
+                <a16:creationId xmlns:a16="http://schemas.microsoft.com/office/drawing/2014/main" id="{BA41015E-3316-48B5-B5D7-74D531945249}"/>
+              </a:ext>
+            </a:extLst>
+          </p:cNvPr>
+          <p:cNvSpPr txBox="1"/>
+          <p:nvPr/>
+        </p:nvSpPr>
+        <p:spPr>
+          <a:xfrm>
+            <a:off x="3785987" y="641838"/>
+            <a:ext cx="4632166" cy="584775"/>
+          </a:xfrm>
+          <a:prstGeom prst="rect">
+            <a:avLst/>
+          </a:prstGeom>
+          <a:noFill/>
+        </p:spPr>
+        <p:txBody>
+          <a:bodyPr wrap="none" rtlCol="0">
+            <a:spAutoFit/>
+          </a:bodyPr>
+          <a:lstStyle/>
+          <a:p>
+            <a:pPr algn="ctr"/>
+            <a:r>
+              <a:rPr lang="en-US" sz="3200" dirty="0"/>
+              <a:t>Step 3: assign to candidate</a:t>
+            </a:r>
+            <a:endParaRPr lang="en-US" sz="3200" b="1" dirty="0"/>
+          </a:p>
+        </p:txBody>
+      </p:sp>
+      <p:pic>
+        <p:nvPicPr>
+          <p:cNvPr id="2" name="Picture 1">
+            <a:extLst>
+              <a:ext uri="{FF2B5EF4-FFF2-40B4-BE49-F238E27FC236}">
+                <a16:creationId xmlns:a16="http://schemas.microsoft.com/office/drawing/2014/main" id="{2AD3AA80-B8B8-4A2E-8F8A-F85AA46C7D71}"/>
+              </a:ext>
+            </a:extLst>
+          </p:cNvPr>
+          <p:cNvPicPr>
+            <a:picLocks noChangeAspect="1"/>
+          </p:cNvPicPr>
+          <p:nvPr/>
+        </p:nvPicPr>
+        <p:blipFill>
+          <a:blip r:embed="rId2"/>
+          <a:stretch>
+            <a:fillRect/>
+          </a:stretch>
+        </p:blipFill>
+        <p:spPr>
+          <a:xfrm>
+            <a:off x="3069090" y="2403093"/>
+            <a:ext cx="6065960" cy="2155352"/>
+          </a:xfrm>
+          <a:prstGeom prst="rect">
+            <a:avLst/>
+          </a:prstGeom>
+        </p:spPr>
+      </p:pic>
     </p:spTree>
     <p:extLst>
       <p:ext uri="{BB962C8B-B14F-4D97-AF65-F5344CB8AC3E}">
@@ -3788,8 +5896,8 @@
 </p:sld>
 </file>
 
-<file path=ppt/slides/slide11.xml><?xml version="1.0" encoding="utf-8"?>
-<p:sld xmlns:a="http://schemas.openxmlformats.org/drawingml/2006/main" xmlns:r="http://schemas.openxmlformats.org/officeDocument/2006/relationships" xmlns:p="http://schemas.openxmlformats.org/presentationml/2006/main">
+<file path=ppt/slides/slide19.xml><?xml version="1.0" encoding="utf-8"?>
+<p:sld xmlns:a="http://schemas.openxmlformats.org/drawingml/2006/main" xmlns:r="http://schemas.openxmlformats.org/officeDocument/2006/relationships" xmlns:p="http://schemas.openxmlformats.org/presentationml/2006/main" show="0">
   <p:cSld>
     <p:spTree>
       <p:nvGrpSpPr>
@@ -3935,8 +6043,105 @@
 </p:sld>
 </file>
 
-<file path=ppt/slides/slide12.xml><?xml version="1.0" encoding="utf-8"?>
+<file path=ppt/slides/slide2.xml><?xml version="1.0" encoding="utf-8"?>
 <p:sld xmlns:a="http://schemas.openxmlformats.org/drawingml/2006/main" xmlns:r="http://schemas.openxmlformats.org/officeDocument/2006/relationships" xmlns:p="http://schemas.openxmlformats.org/presentationml/2006/main">
+  <p:cSld>
+    <p:spTree>
+      <p:nvGrpSpPr>
+        <p:cNvPr id="1" name=""/>
+        <p:cNvGrpSpPr/>
+        <p:nvPr/>
+      </p:nvGrpSpPr>
+      <p:grpSpPr>
+        <a:xfrm>
+          <a:off x="0" y="0"/>
+          <a:ext cx="0" cy="0"/>
+          <a:chOff x="0" y="0"/>
+          <a:chExt cx="0" cy="0"/>
+        </a:xfrm>
+      </p:grpSpPr>
+      <p:sp>
+        <p:nvSpPr>
+          <p:cNvPr id="4" name="TextBox 3">
+            <a:extLst>
+              <a:ext uri="{FF2B5EF4-FFF2-40B4-BE49-F238E27FC236}">
+                <a16:creationId xmlns:a16="http://schemas.microsoft.com/office/drawing/2014/main" id="{E2747D06-2D45-495E-852A-B23A698EF17F}"/>
+              </a:ext>
+            </a:extLst>
+          </p:cNvPr>
+          <p:cNvSpPr txBox="1"/>
+          <p:nvPr/>
+        </p:nvSpPr>
+        <p:spPr>
+          <a:xfrm>
+            <a:off x="3348652" y="641838"/>
+            <a:ext cx="5506829" cy="584775"/>
+          </a:xfrm>
+          <a:prstGeom prst="rect">
+            <a:avLst/>
+          </a:prstGeom>
+          <a:noFill/>
+        </p:spPr>
+        <p:txBody>
+          <a:bodyPr wrap="none" rtlCol="0">
+            <a:spAutoFit/>
+          </a:bodyPr>
+          <a:lstStyle/>
+          <a:p>
+            <a:pPr algn="ctr"/>
+            <a:r>
+              <a:rPr lang="en-US" sz="3200" dirty="0"/>
+              <a:t>Step 2: open online Excel sheet</a:t>
+            </a:r>
+            <a:endParaRPr lang="en-US" sz="3200" b="1" dirty="0"/>
+          </a:p>
+        </p:txBody>
+      </p:sp>
+      <p:pic>
+        <p:nvPicPr>
+          <p:cNvPr id="6" name="Picture 5">
+            <a:extLst>
+              <a:ext uri="{FF2B5EF4-FFF2-40B4-BE49-F238E27FC236}">
+                <a16:creationId xmlns:a16="http://schemas.microsoft.com/office/drawing/2014/main" id="{F15990FC-8748-4BB7-8161-0374D479E90D}"/>
+              </a:ext>
+            </a:extLst>
+          </p:cNvPr>
+          <p:cNvPicPr>
+            <a:picLocks noChangeAspect="1"/>
+          </p:cNvPicPr>
+          <p:nvPr/>
+        </p:nvPicPr>
+        <p:blipFill>
+          <a:blip r:embed="rId2"/>
+          <a:stretch>
+            <a:fillRect/>
+          </a:stretch>
+        </p:blipFill>
+        <p:spPr>
+          <a:xfrm>
+            <a:off x="6066" y="1466239"/>
+            <a:ext cx="12192000" cy="4259627"/>
+          </a:xfrm>
+          <a:prstGeom prst="rect">
+            <a:avLst/>
+          </a:prstGeom>
+        </p:spPr>
+      </p:pic>
+    </p:spTree>
+    <p:extLst>
+      <p:ext uri="{BB962C8B-B14F-4D97-AF65-F5344CB8AC3E}">
+        <p14:creationId xmlns:p14="http://schemas.microsoft.com/office/powerpoint/2010/main" val="3628916278"/>
+      </p:ext>
+    </p:extLst>
+  </p:cSld>
+  <p:clrMapOvr>
+    <a:masterClrMapping/>
+  </p:clrMapOvr>
+</p:sld>
+</file>
+
+<file path=ppt/slides/slide20.xml><?xml version="1.0" encoding="utf-8"?>
+<p:sld xmlns:a="http://schemas.openxmlformats.org/drawingml/2006/main" xmlns:r="http://schemas.openxmlformats.org/officeDocument/2006/relationships" xmlns:p="http://schemas.openxmlformats.org/presentationml/2006/main" show="0">
   <p:cSld>
     <p:spTree>
       <p:nvGrpSpPr>
@@ -4069,8 +6274,8 @@
           </a:p>
         </p:txBody>
       </p:sp>
-      <mc:AlternateContent xmlns:mc="http://schemas.openxmlformats.org/markup-compatibility/2006">
-        <mc:Choice xmlns:p14="http://schemas.microsoft.com/office/powerpoint/2010/main" Requires="p14">
+      <mc:AlternateContent xmlns:mc="http://schemas.openxmlformats.org/markup-compatibility/2006" xmlns:p14="http://schemas.microsoft.com/office/powerpoint/2010/main">
+        <mc:Choice Requires="p14">
           <p:contentPart p14:bwMode="auto" r:id="rId3">
             <p14:nvContentPartPr>
               <p14:cNvPr id="9" name="Ink 8">
@@ -4089,7 +6294,7 @@
             </p14:xfrm>
           </p:contentPart>
         </mc:Choice>
-        <mc:Fallback>
+        <mc:Fallback xmlns="">
           <p:pic>
             <p:nvPicPr>
               <p:cNvPr id="9" name="Ink 8">
@@ -4200,8 +6405,8 @@
           </a:prstGeom>
         </p:spPr>
       </p:pic>
-      <mc:AlternateContent xmlns:mc="http://schemas.openxmlformats.org/markup-compatibility/2006">
-        <mc:Choice xmlns:p14="http://schemas.microsoft.com/office/powerpoint/2010/main" Requires="p14">
+      <mc:AlternateContent xmlns:mc="http://schemas.openxmlformats.org/markup-compatibility/2006" xmlns:p14="http://schemas.microsoft.com/office/powerpoint/2010/main">
+        <mc:Choice Requires="p14">
           <p:contentPart p14:bwMode="auto" r:id="rId6">
             <p14:nvContentPartPr>
               <p14:cNvPr id="19" name="Ink 18">
@@ -4220,7 +6425,7 @@
             </p14:xfrm>
           </p:contentPart>
         </mc:Choice>
-        <mc:Fallback>
+        <mc:Fallback xmlns="">
           <p:pic>
             <p:nvPicPr>
               <p:cNvPr id="19" name="Ink 18">
@@ -4381,7 +6586,7 @@
 </p:sld>
 </file>
 
-<file path=ppt/slides/slide13.xml><?xml version="1.0" encoding="utf-8"?>
+<file path=ppt/slides/slide21.xml><?xml version="1.0" encoding="utf-8"?>
 <p:sld xmlns:a="http://schemas.openxmlformats.org/drawingml/2006/main" xmlns:r="http://schemas.openxmlformats.org/officeDocument/2006/relationships" xmlns:p="http://schemas.openxmlformats.org/presentationml/2006/main">
   <p:cSld>
     <p:spTree>
@@ -4402,103 +6607,6 @@
     <p:extLst>
       <p:ext uri="{BB962C8B-B14F-4D97-AF65-F5344CB8AC3E}">
         <p14:creationId xmlns:p14="http://schemas.microsoft.com/office/powerpoint/2010/main" val="2695397473"/>
-      </p:ext>
-    </p:extLst>
-  </p:cSld>
-  <p:clrMapOvr>
-    <a:masterClrMapping/>
-  </p:clrMapOvr>
-</p:sld>
-</file>
-
-<file path=ppt/slides/slide2.xml><?xml version="1.0" encoding="utf-8"?>
-<p:sld xmlns:a="http://schemas.openxmlformats.org/drawingml/2006/main" xmlns:r="http://schemas.openxmlformats.org/officeDocument/2006/relationships" xmlns:p="http://schemas.openxmlformats.org/presentationml/2006/main">
-  <p:cSld>
-    <p:spTree>
-      <p:nvGrpSpPr>
-        <p:cNvPr id="1" name=""/>
-        <p:cNvGrpSpPr/>
-        <p:nvPr/>
-      </p:nvGrpSpPr>
-      <p:grpSpPr>
-        <a:xfrm>
-          <a:off x="0" y="0"/>
-          <a:ext cx="0" cy="0"/>
-          <a:chOff x="0" y="0"/>
-          <a:chExt cx="0" cy="0"/>
-        </a:xfrm>
-      </p:grpSpPr>
-      <p:sp>
-        <p:nvSpPr>
-          <p:cNvPr id="4" name="TextBox 3">
-            <a:extLst>
-              <a:ext uri="{FF2B5EF4-FFF2-40B4-BE49-F238E27FC236}">
-                <a16:creationId xmlns:a16="http://schemas.microsoft.com/office/drawing/2014/main" id="{E2747D06-2D45-495E-852A-B23A698EF17F}"/>
-              </a:ext>
-            </a:extLst>
-          </p:cNvPr>
-          <p:cNvSpPr txBox="1"/>
-          <p:nvPr/>
-        </p:nvSpPr>
-        <p:spPr>
-          <a:xfrm>
-            <a:off x="3348652" y="641838"/>
-            <a:ext cx="5506829" cy="584775"/>
-          </a:xfrm>
-          <a:prstGeom prst="rect">
-            <a:avLst/>
-          </a:prstGeom>
-          <a:noFill/>
-        </p:spPr>
-        <p:txBody>
-          <a:bodyPr wrap="none" rtlCol="0">
-            <a:spAutoFit/>
-          </a:bodyPr>
-          <a:lstStyle/>
-          <a:p>
-            <a:pPr algn="ctr"/>
-            <a:r>
-              <a:rPr lang="en-US" sz="3200" dirty="0"/>
-              <a:t>Step 2: open online Excel sheet</a:t>
-            </a:r>
-            <a:endParaRPr lang="en-US" sz="3200" b="1" dirty="0"/>
-          </a:p>
-        </p:txBody>
-      </p:sp>
-      <p:pic>
-        <p:nvPicPr>
-          <p:cNvPr id="6" name="Picture 5">
-            <a:extLst>
-              <a:ext uri="{FF2B5EF4-FFF2-40B4-BE49-F238E27FC236}">
-                <a16:creationId xmlns:a16="http://schemas.microsoft.com/office/drawing/2014/main" id="{F15990FC-8748-4BB7-8161-0374D479E90D}"/>
-              </a:ext>
-            </a:extLst>
-          </p:cNvPr>
-          <p:cNvPicPr>
-            <a:picLocks noChangeAspect="1"/>
-          </p:cNvPicPr>
-          <p:nvPr/>
-        </p:nvPicPr>
-        <p:blipFill>
-          <a:blip r:embed="rId2"/>
-          <a:stretch>
-            <a:fillRect/>
-          </a:stretch>
-        </p:blipFill>
-        <p:spPr>
-          <a:xfrm>
-            <a:off x="6066" y="1466239"/>
-            <a:ext cx="12192000" cy="4259627"/>
-          </a:xfrm>
-          <a:prstGeom prst="rect">
-            <a:avLst/>
-          </a:prstGeom>
-        </p:spPr>
-      </p:pic>
-    </p:spTree>
-    <p:extLst>
-      <p:ext uri="{BB962C8B-B14F-4D97-AF65-F5344CB8AC3E}">
-        <p14:creationId xmlns:p14="http://schemas.microsoft.com/office/powerpoint/2010/main" val="3628916278"/>
       </p:ext>
     </p:extLst>
   </p:cSld>
@@ -4827,156 +6935,61 @@
       </p:grpSpPr>
       <p:sp>
         <p:nvSpPr>
-          <p:cNvPr id="4" name="TextBox 3">
-            <a:extLst>
-              <a:ext uri="{FF2B5EF4-FFF2-40B4-BE49-F238E27FC236}">
-                <a16:creationId xmlns:a16="http://schemas.microsoft.com/office/drawing/2014/main" id="{E4A40A27-04BC-4C43-B1F4-591796115D55}"/>
-              </a:ext>
-            </a:extLst>
-          </p:cNvPr>
-          <p:cNvSpPr txBox="1"/>
-          <p:nvPr/>
+          <p:cNvPr id="2" name="Title 1">
+            <a:extLst>
+              <a:ext uri="{FF2B5EF4-FFF2-40B4-BE49-F238E27FC236}">
+                <a16:creationId xmlns:a16="http://schemas.microsoft.com/office/drawing/2014/main" id="{24DD2137-41BD-4205-B623-FE950312C781}"/>
+              </a:ext>
+            </a:extLst>
+          </p:cNvPr>
+          <p:cNvSpPr>
+            <a:spLocks noGrp="1"/>
+          </p:cNvSpPr>
+          <p:nvPr>
+            <p:ph type="title"/>
+          </p:nvPr>
         </p:nvSpPr>
-        <p:spPr>
-          <a:xfrm>
-            <a:off x="4098484" y="641838"/>
-            <a:ext cx="4007187" cy="584775"/>
-          </a:xfrm>
-          <a:prstGeom prst="rect">
-            <a:avLst/>
-          </a:prstGeom>
-          <a:noFill/>
-        </p:spPr>
+        <p:spPr/>
         <p:txBody>
-          <a:bodyPr wrap="none" rtlCol="0">
-            <a:spAutoFit/>
-          </a:bodyPr>
+          <a:bodyPr/>
           <a:lstStyle/>
           <a:p>
-            <a:pPr algn="ctr"/>
             <a:r>
-              <a:rPr lang="en-US" sz="3200" dirty="0"/>
-              <a:t>Step 4: +1 to processor</a:t>
+              <a:rPr lang="en-US" dirty="0"/>
+              <a:t>Queue Manager Web</a:t>
             </a:r>
-            <a:endParaRPr lang="en-US" sz="3200" b="1" dirty="0"/>
           </a:p>
         </p:txBody>
       </p:sp>
       <p:sp>
         <p:nvSpPr>
-          <p:cNvPr id="5" name="TextBox 4">
-            <a:extLst>
-              <a:ext uri="{FF2B5EF4-FFF2-40B4-BE49-F238E27FC236}">
-                <a16:creationId xmlns:a16="http://schemas.microsoft.com/office/drawing/2014/main" id="{639AC151-EF86-4B1E-8505-687CD6286D5B}"/>
-              </a:ext>
-            </a:extLst>
-          </p:cNvPr>
-          <p:cNvSpPr txBox="1"/>
-          <p:nvPr/>
+          <p:cNvPr id="3" name="Content Placeholder 2">
+            <a:extLst>
+              <a:ext uri="{FF2B5EF4-FFF2-40B4-BE49-F238E27FC236}">
+                <a16:creationId xmlns:a16="http://schemas.microsoft.com/office/drawing/2014/main" id="{9BB16CE1-C952-465C-9C69-A97092DE3EF8}"/>
+              </a:ext>
+            </a:extLst>
+          </p:cNvPr>
+          <p:cNvSpPr>
+            <a:spLocks noGrp="1"/>
+          </p:cNvSpPr>
+          <p:nvPr>
+            <p:ph idx="1"/>
+          </p:nvPr>
         </p:nvSpPr>
-        <p:spPr>
-          <a:xfrm>
-            <a:off x="3198497" y="1480038"/>
-            <a:ext cx="5807167" cy="584775"/>
-          </a:xfrm>
-          <a:prstGeom prst="rect">
-            <a:avLst/>
-          </a:prstGeom>
-          <a:noFill/>
-        </p:spPr>
+        <p:spPr/>
         <p:txBody>
-          <a:bodyPr wrap="none" rtlCol="0">
-            <a:spAutoFit/>
-          </a:bodyPr>
+          <a:bodyPr/>
           <a:lstStyle/>
           <a:p>
-            <a:pPr algn="ctr"/>
-            <a:r>
-              <a:rPr lang="en-US" sz="3200" dirty="0"/>
-              <a:t>Step 5: copy processor’s </a:t>
-            </a:r>
-            <a:r>
-              <a:rPr lang="en-US" sz="3200" dirty="0" err="1"/>
-              <a:t>i</a:t>
-            </a:r>
-            <a:r>
-              <a:rPr lang="en-US" sz="3200" dirty="0"/>
-              <a:t>-number</a:t>
-            </a:r>
-            <a:endParaRPr lang="en-US" sz="3200" b="1" dirty="0"/>
+            <a:endParaRPr lang="en-US"/>
           </a:p>
         </p:txBody>
       </p:sp>
-      <p:sp>
-        <p:nvSpPr>
-          <p:cNvPr id="6" name="TextBox 5">
-            <a:extLst>
-              <a:ext uri="{FF2B5EF4-FFF2-40B4-BE49-F238E27FC236}">
-                <a16:creationId xmlns:a16="http://schemas.microsoft.com/office/drawing/2014/main" id="{EF230790-843F-46C9-AE37-4937EB2983BF}"/>
-              </a:ext>
-            </a:extLst>
-          </p:cNvPr>
-          <p:cNvSpPr txBox="1"/>
-          <p:nvPr/>
-        </p:nvSpPr>
-        <p:spPr>
-          <a:xfrm>
-            <a:off x="4307867" y="2742789"/>
-            <a:ext cx="3588418" cy="584775"/>
-          </a:xfrm>
-          <a:prstGeom prst="rect">
-            <a:avLst/>
-          </a:prstGeom>
-          <a:noFill/>
-        </p:spPr>
-        <p:txBody>
-          <a:bodyPr wrap="none" rtlCol="0">
-            <a:spAutoFit/>
-          </a:bodyPr>
-          <a:lstStyle/>
-          <a:p>
-            <a:pPr algn="ctr"/>
-            <a:r>
-              <a:rPr lang="en-US" sz="3200" b="1" dirty="0"/>
-              <a:t>Step 6: paste to BCP</a:t>
-            </a:r>
-          </a:p>
-        </p:txBody>
-      </p:sp>
-      <p:pic>
-        <p:nvPicPr>
-          <p:cNvPr id="9" name="Picture 8">
-            <a:extLst>
-              <a:ext uri="{FF2B5EF4-FFF2-40B4-BE49-F238E27FC236}">
-                <a16:creationId xmlns:a16="http://schemas.microsoft.com/office/drawing/2014/main" id="{EC54038A-3770-4B16-94CD-2932C9E46908}"/>
-              </a:ext>
-            </a:extLst>
-          </p:cNvPr>
-          <p:cNvPicPr>
-            <a:picLocks noChangeAspect="1"/>
-          </p:cNvPicPr>
-          <p:nvPr/>
-        </p:nvPicPr>
-        <p:blipFill>
-          <a:blip r:embed="rId2"/>
-          <a:stretch>
-            <a:fillRect/>
-          </a:stretch>
-        </p:blipFill>
-        <p:spPr>
-          <a:xfrm>
-            <a:off x="3980350" y="4005540"/>
-            <a:ext cx="4600575" cy="1133475"/>
-          </a:xfrm>
-          <a:prstGeom prst="rect">
-            <a:avLst/>
-          </a:prstGeom>
-        </p:spPr>
-      </p:pic>
     </p:spTree>
     <p:extLst>
       <p:ext uri="{BB962C8B-B14F-4D97-AF65-F5344CB8AC3E}">
-        <p14:creationId xmlns:p14="http://schemas.microsoft.com/office/powerpoint/2010/main" val="1015586489"/>
+        <p14:creationId xmlns:p14="http://schemas.microsoft.com/office/powerpoint/2010/main" val="3539192335"/>
       </p:ext>
     </p:extLst>
   </p:cSld>
@@ -5005,62 +7018,1300 @@
       </p:grpSpPr>
       <p:sp>
         <p:nvSpPr>
-          <p:cNvPr id="3" name="Content Placeholder 2">
-            <a:extLst>
-              <a:ext uri="{FF2B5EF4-FFF2-40B4-BE49-F238E27FC236}">
-                <a16:creationId xmlns:a16="http://schemas.microsoft.com/office/drawing/2014/main" id="{17404BD7-5D0C-4134-82D6-C351FB8AFD49}"/>
-              </a:ext>
-            </a:extLst>
-          </p:cNvPr>
-          <p:cNvSpPr>
-            <a:spLocks noGrp="1"/>
-          </p:cNvSpPr>
-          <p:nvPr>
-            <p:ph idx="1"/>
-          </p:nvPr>
+          <p:cNvPr id="4" name="Rectangle: Rounded Corners 3">
+            <a:extLst>
+              <a:ext uri="{FF2B5EF4-FFF2-40B4-BE49-F238E27FC236}">
+                <a16:creationId xmlns:a16="http://schemas.microsoft.com/office/drawing/2014/main" id="{C41BC727-4A78-4BEF-B380-AAC78D6A762A}"/>
+              </a:ext>
+            </a:extLst>
+          </p:cNvPr>
+          <p:cNvSpPr/>
+          <p:nvPr/>
         </p:nvSpPr>
         <p:spPr>
           <a:xfrm>
-            <a:off x="1005253" y="1658570"/>
-            <a:ext cx="4375638" cy="1955067"/>
+            <a:off x="2795955" y="844062"/>
+            <a:ext cx="1661746" cy="641838"/>
           </a:xfrm>
+          <a:prstGeom prst="roundRect">
+            <a:avLst/>
+          </a:prstGeom>
+          <a:solidFill>
+            <a:schemeClr val="bg1"/>
+          </a:solidFill>
+        </p:spPr>
+        <p:style>
+          <a:lnRef idx="2">
+            <a:schemeClr val="accent1">
+              <a:shade val="50000"/>
+            </a:schemeClr>
+          </a:lnRef>
+          <a:fillRef idx="1">
+            <a:schemeClr val="accent1"/>
+          </a:fillRef>
+          <a:effectRef idx="0">
+            <a:schemeClr val="accent1"/>
+          </a:effectRef>
+          <a:fontRef idx="minor">
+            <a:schemeClr val="lt1"/>
+          </a:fontRef>
+        </p:style>
+        <p:txBody>
+          <a:bodyPr rtlCol="0" anchor="ctr"/>
+          <a:lstStyle/>
+          <a:p>
+            <a:pPr algn="ctr"/>
+            <a:r>
+              <a:rPr lang="en-US" dirty="0">
+                <a:solidFill>
+                  <a:schemeClr val="tx1"/>
+                </a:solidFill>
+              </a:rPr>
+              <a:t>New incident comes</a:t>
+            </a:r>
+          </a:p>
+        </p:txBody>
+      </p:sp>
+      <p:grpSp>
+        <p:nvGrpSpPr>
+          <p:cNvPr id="40" name="Group 39">
+            <a:extLst>
+              <a:ext uri="{FF2B5EF4-FFF2-40B4-BE49-F238E27FC236}">
+                <a16:creationId xmlns:a16="http://schemas.microsoft.com/office/drawing/2014/main" id="{4B4A4BF8-BF65-4C1C-AC78-8A9D9AA1FDAF}"/>
+              </a:ext>
+            </a:extLst>
+          </p:cNvPr>
+          <p:cNvGrpSpPr/>
+          <p:nvPr/>
+        </p:nvGrpSpPr>
+        <p:grpSpPr>
+          <a:xfrm>
+            <a:off x="2795955" y="1485900"/>
+            <a:ext cx="1661746" cy="1304192"/>
+            <a:chOff x="2795955" y="1485900"/>
+            <a:chExt cx="1661746" cy="1304192"/>
+          </a:xfrm>
+        </p:grpSpPr>
+        <p:sp>
+          <p:nvSpPr>
+            <p:cNvPr id="5" name="Rectangle: Rounded Corners 4">
+              <a:extLst>
+                <a:ext uri="{FF2B5EF4-FFF2-40B4-BE49-F238E27FC236}">
+                  <a16:creationId xmlns:a16="http://schemas.microsoft.com/office/drawing/2014/main" id="{D975745E-99D3-4F38-BF34-3A67B55394EA}"/>
+                </a:ext>
+              </a:extLst>
+            </p:cNvPr>
+            <p:cNvSpPr/>
+            <p:nvPr/>
+          </p:nvSpPr>
+          <p:spPr>
+            <a:xfrm>
+              <a:off x="2795955" y="2148254"/>
+              <a:ext cx="1661746" cy="641838"/>
+            </a:xfrm>
+            <a:prstGeom prst="roundRect">
+              <a:avLst/>
+            </a:prstGeom>
+            <a:solidFill>
+              <a:schemeClr val="bg1"/>
+            </a:solidFill>
+          </p:spPr>
+          <p:style>
+            <a:lnRef idx="2">
+              <a:schemeClr val="accent1">
+                <a:shade val="50000"/>
+              </a:schemeClr>
+            </a:lnRef>
+            <a:fillRef idx="1">
+              <a:schemeClr val="accent1"/>
+            </a:fillRef>
+            <a:effectRef idx="0">
+              <a:schemeClr val="accent1"/>
+            </a:effectRef>
+            <a:fontRef idx="minor">
+              <a:schemeClr val="lt1"/>
+            </a:fontRef>
+          </p:style>
+          <p:txBody>
+            <a:bodyPr rtlCol="0" anchor="ctr"/>
+            <a:lstStyle/>
+            <a:p>
+              <a:pPr algn="ctr"/>
+              <a:r>
+                <a:rPr lang="en-US" dirty="0">
+                  <a:solidFill>
+                    <a:schemeClr val="tx1"/>
+                  </a:solidFill>
+                </a:rPr>
+                <a:t>Check component</a:t>
+              </a:r>
+            </a:p>
+          </p:txBody>
+        </p:sp>
+        <p:grpSp>
+          <p:nvGrpSpPr>
+            <p:cNvPr id="33" name="Group 32">
+              <a:extLst>
+                <a:ext uri="{FF2B5EF4-FFF2-40B4-BE49-F238E27FC236}">
+                  <a16:creationId xmlns:a16="http://schemas.microsoft.com/office/drawing/2014/main" id="{85F7B770-DAC5-461B-B2DE-8CB7C9DF096A}"/>
+                </a:ext>
+              </a:extLst>
+            </p:cNvPr>
+            <p:cNvGrpSpPr/>
+            <p:nvPr/>
+          </p:nvGrpSpPr>
+          <p:grpSpPr>
+            <a:xfrm>
+              <a:off x="3325142" y="1485900"/>
+              <a:ext cx="301686" cy="662354"/>
+              <a:chOff x="3325142" y="1485900"/>
+              <a:chExt cx="301686" cy="662354"/>
+            </a:xfrm>
+          </p:grpSpPr>
+          <p:cxnSp>
+            <p:nvCxnSpPr>
+              <p:cNvPr id="12" name="Straight Arrow Connector 11">
+                <a:extLst>
+                  <a:ext uri="{FF2B5EF4-FFF2-40B4-BE49-F238E27FC236}">
+                    <a16:creationId xmlns:a16="http://schemas.microsoft.com/office/drawing/2014/main" id="{A34D900B-7F77-4A39-A314-289F55185468}"/>
+                  </a:ext>
+                </a:extLst>
+              </p:cNvPr>
+              <p:cNvCxnSpPr>
+                <a:stCxn id="4" idx="2"/>
+                <a:endCxn id="5" idx="0"/>
+              </p:cNvCxnSpPr>
+              <p:nvPr/>
+            </p:nvCxnSpPr>
+            <p:spPr>
+              <a:xfrm>
+                <a:off x="3626828" y="1485900"/>
+                <a:ext cx="0" cy="662354"/>
+              </a:xfrm>
+              <a:prstGeom prst="straightConnector1">
+                <a:avLst/>
+              </a:prstGeom>
+              <a:ln>
+                <a:tailEnd type="triangle"/>
+              </a:ln>
+            </p:spPr>
+            <p:style>
+              <a:lnRef idx="1">
+                <a:schemeClr val="accent1"/>
+              </a:lnRef>
+              <a:fillRef idx="0">
+                <a:schemeClr val="accent1"/>
+              </a:fillRef>
+              <a:effectRef idx="0">
+                <a:schemeClr val="accent1"/>
+              </a:effectRef>
+              <a:fontRef idx="minor">
+                <a:schemeClr val="tx1"/>
+              </a:fontRef>
+            </p:style>
+          </p:cxnSp>
+          <p:sp>
+            <p:nvSpPr>
+              <p:cNvPr id="26" name="TextBox 25">
+                <a:extLst>
+                  <a:ext uri="{FF2B5EF4-FFF2-40B4-BE49-F238E27FC236}">
+                    <a16:creationId xmlns:a16="http://schemas.microsoft.com/office/drawing/2014/main" id="{DBD1249C-015C-427F-8435-6433780E8CF9}"/>
+                  </a:ext>
+                </a:extLst>
+              </p:cNvPr>
+              <p:cNvSpPr txBox="1"/>
+              <p:nvPr/>
+            </p:nvSpPr>
+            <p:spPr>
+              <a:xfrm>
+                <a:off x="3325142" y="1663184"/>
+                <a:ext cx="301686" cy="369332"/>
+              </a:xfrm>
+              <a:prstGeom prst="rect">
+                <a:avLst/>
+              </a:prstGeom>
+              <a:noFill/>
+            </p:spPr>
+            <p:txBody>
+              <a:bodyPr wrap="none" rtlCol="0">
+                <a:spAutoFit/>
+              </a:bodyPr>
+              <a:lstStyle/>
+              <a:p>
+                <a:r>
+                  <a:rPr lang="en-US" b="1" dirty="0">
+                    <a:solidFill>
+                      <a:srgbClr val="FF0000"/>
+                    </a:solidFill>
+                  </a:rPr>
+                  <a:t>1</a:t>
+                </a:r>
+              </a:p>
+            </p:txBody>
+          </p:sp>
+        </p:grpSp>
+      </p:grpSp>
+      <p:grpSp>
+        <p:nvGrpSpPr>
+          <p:cNvPr id="41" name="Group 40">
+            <a:extLst>
+              <a:ext uri="{FF2B5EF4-FFF2-40B4-BE49-F238E27FC236}">
+                <a16:creationId xmlns:a16="http://schemas.microsoft.com/office/drawing/2014/main" id="{FADE8A37-32EE-4574-91AF-46B34E00F33B}"/>
+              </a:ext>
+            </a:extLst>
+          </p:cNvPr>
+          <p:cNvGrpSpPr/>
+          <p:nvPr/>
+        </p:nvGrpSpPr>
+        <p:grpSpPr>
+          <a:xfrm>
+            <a:off x="2795955" y="2790092"/>
+            <a:ext cx="1661746" cy="1406770"/>
+            <a:chOff x="2795955" y="2790092"/>
+            <a:chExt cx="1661746" cy="1406770"/>
+          </a:xfrm>
+        </p:grpSpPr>
+        <p:sp>
+          <p:nvSpPr>
+            <p:cNvPr id="6" name="Rectangle: Rounded Corners 5">
+              <a:extLst>
+                <a:ext uri="{FF2B5EF4-FFF2-40B4-BE49-F238E27FC236}">
+                  <a16:creationId xmlns:a16="http://schemas.microsoft.com/office/drawing/2014/main" id="{097CB6ED-A126-45AA-821C-B163938799C7}"/>
+                </a:ext>
+              </a:extLst>
+            </p:cNvPr>
+            <p:cNvSpPr/>
+            <p:nvPr/>
+          </p:nvSpPr>
+          <p:spPr>
+            <a:xfrm>
+              <a:off x="2795955" y="3555024"/>
+              <a:ext cx="1661746" cy="641838"/>
+            </a:xfrm>
+            <a:prstGeom prst="roundRect">
+              <a:avLst/>
+            </a:prstGeom>
+            <a:solidFill>
+              <a:schemeClr val="bg1"/>
+            </a:solidFill>
+          </p:spPr>
+          <p:style>
+            <a:lnRef idx="2">
+              <a:schemeClr val="accent1">
+                <a:shade val="50000"/>
+              </a:schemeClr>
+            </a:lnRef>
+            <a:fillRef idx="1">
+              <a:schemeClr val="accent1"/>
+            </a:fillRef>
+            <a:effectRef idx="0">
+              <a:schemeClr val="accent1"/>
+            </a:effectRef>
+            <a:fontRef idx="minor">
+              <a:schemeClr val="lt1"/>
+            </a:fontRef>
+          </p:style>
+          <p:txBody>
+            <a:bodyPr rtlCol="0" anchor="ctr"/>
+            <a:lstStyle/>
+            <a:p>
+              <a:pPr algn="ctr"/>
+              <a:r>
+                <a:rPr lang="en-US" dirty="0">
+                  <a:solidFill>
+                    <a:schemeClr val="tx1"/>
+                  </a:solidFill>
+                </a:rPr>
+                <a:t>Check RCC</a:t>
+              </a:r>
+            </a:p>
+          </p:txBody>
+        </p:sp>
+        <p:grpSp>
+          <p:nvGrpSpPr>
+            <p:cNvPr id="34" name="Group 33">
+              <a:extLst>
+                <a:ext uri="{FF2B5EF4-FFF2-40B4-BE49-F238E27FC236}">
+                  <a16:creationId xmlns:a16="http://schemas.microsoft.com/office/drawing/2014/main" id="{02059B33-B3FD-4B5F-91CD-AD1821CACB35}"/>
+                </a:ext>
+              </a:extLst>
+            </p:cNvPr>
+            <p:cNvGrpSpPr/>
+            <p:nvPr/>
+          </p:nvGrpSpPr>
+          <p:grpSpPr>
+            <a:xfrm>
+              <a:off x="3325142" y="2790092"/>
+              <a:ext cx="301686" cy="764932"/>
+              <a:chOff x="3325142" y="2790092"/>
+              <a:chExt cx="301686" cy="764932"/>
+            </a:xfrm>
+          </p:grpSpPr>
+          <p:cxnSp>
+            <p:nvCxnSpPr>
+              <p:cNvPr id="14" name="Straight Arrow Connector 13">
+                <a:extLst>
+                  <a:ext uri="{FF2B5EF4-FFF2-40B4-BE49-F238E27FC236}">
+                    <a16:creationId xmlns:a16="http://schemas.microsoft.com/office/drawing/2014/main" id="{C0B5C360-3A04-42E8-A33C-D9FDFB881437}"/>
+                  </a:ext>
+                </a:extLst>
+              </p:cNvPr>
+              <p:cNvCxnSpPr>
+                <a:stCxn id="5" idx="2"/>
+                <a:endCxn id="6" idx="0"/>
+              </p:cNvCxnSpPr>
+              <p:nvPr/>
+            </p:nvCxnSpPr>
+            <p:spPr>
+              <a:xfrm>
+                <a:off x="3626828" y="2790092"/>
+                <a:ext cx="0" cy="764932"/>
+              </a:xfrm>
+              <a:prstGeom prst="straightConnector1">
+                <a:avLst/>
+              </a:prstGeom>
+              <a:ln>
+                <a:tailEnd type="triangle"/>
+              </a:ln>
+            </p:spPr>
+            <p:style>
+              <a:lnRef idx="1">
+                <a:schemeClr val="accent1"/>
+              </a:lnRef>
+              <a:fillRef idx="0">
+                <a:schemeClr val="accent1"/>
+              </a:fillRef>
+              <a:effectRef idx="0">
+                <a:schemeClr val="accent1"/>
+              </a:effectRef>
+              <a:fontRef idx="minor">
+                <a:schemeClr val="tx1"/>
+              </a:fontRef>
+            </p:style>
+          </p:cxnSp>
+          <p:sp>
+            <p:nvSpPr>
+              <p:cNvPr id="27" name="TextBox 26">
+                <a:extLst>
+                  <a:ext uri="{FF2B5EF4-FFF2-40B4-BE49-F238E27FC236}">
+                    <a16:creationId xmlns:a16="http://schemas.microsoft.com/office/drawing/2014/main" id="{8644D955-DFD6-42F1-A148-664D8D4EB72F}"/>
+                  </a:ext>
+                </a:extLst>
+              </p:cNvPr>
+              <p:cNvSpPr txBox="1"/>
+              <p:nvPr/>
+            </p:nvSpPr>
+            <p:spPr>
+              <a:xfrm>
+                <a:off x="3325142" y="2987892"/>
+                <a:ext cx="301686" cy="369332"/>
+              </a:xfrm>
+              <a:prstGeom prst="rect">
+                <a:avLst/>
+              </a:prstGeom>
+              <a:noFill/>
+            </p:spPr>
+            <p:txBody>
+              <a:bodyPr wrap="none" rtlCol="0">
+                <a:spAutoFit/>
+              </a:bodyPr>
+              <a:lstStyle/>
+              <a:p>
+                <a:r>
+                  <a:rPr lang="en-US" altLang="zh-CN" b="1" dirty="0">
+                    <a:solidFill>
+                      <a:srgbClr val="FF0000"/>
+                    </a:solidFill>
+                  </a:rPr>
+                  <a:t>2</a:t>
+                </a:r>
+                <a:endParaRPr lang="en-US" b="1" dirty="0">
+                  <a:solidFill>
+                    <a:srgbClr val="FF0000"/>
+                  </a:solidFill>
+                </a:endParaRPr>
+              </a:p>
+            </p:txBody>
+          </p:sp>
+        </p:grpSp>
+      </p:grpSp>
+      <p:grpSp>
+        <p:nvGrpSpPr>
+          <p:cNvPr id="42" name="Group 41">
+            <a:extLst>
+              <a:ext uri="{FF2B5EF4-FFF2-40B4-BE49-F238E27FC236}">
+                <a16:creationId xmlns:a16="http://schemas.microsoft.com/office/drawing/2014/main" id="{9966F955-3473-4C80-8EE6-FC8697ECB720}"/>
+              </a:ext>
+            </a:extLst>
+          </p:cNvPr>
+          <p:cNvGrpSpPr/>
+          <p:nvPr/>
+        </p:nvGrpSpPr>
+        <p:grpSpPr>
+          <a:xfrm>
+            <a:off x="2795955" y="4196862"/>
+            <a:ext cx="1661746" cy="1693984"/>
+            <a:chOff x="2795955" y="4196862"/>
+            <a:chExt cx="1661746" cy="1693984"/>
+          </a:xfrm>
+        </p:grpSpPr>
+        <p:sp>
+          <p:nvSpPr>
+            <p:cNvPr id="7" name="Rectangle: Rounded Corners 6">
+              <a:extLst>
+                <a:ext uri="{FF2B5EF4-FFF2-40B4-BE49-F238E27FC236}">
+                  <a16:creationId xmlns:a16="http://schemas.microsoft.com/office/drawing/2014/main" id="{148BC411-7B6E-442B-99E5-AC2695326822}"/>
+                </a:ext>
+              </a:extLst>
+            </p:cNvPr>
+            <p:cNvSpPr/>
+            <p:nvPr/>
+          </p:nvSpPr>
+          <p:spPr>
+            <a:xfrm>
+              <a:off x="2795955" y="4961794"/>
+              <a:ext cx="1661746" cy="929052"/>
+            </a:xfrm>
+            <a:prstGeom prst="roundRect">
+              <a:avLst/>
+            </a:prstGeom>
+            <a:solidFill>
+              <a:schemeClr val="bg1"/>
+            </a:solidFill>
+          </p:spPr>
+          <p:style>
+            <a:lnRef idx="2">
+              <a:schemeClr val="accent1">
+                <a:shade val="50000"/>
+              </a:schemeClr>
+            </a:lnRef>
+            <a:fillRef idx="1">
+              <a:schemeClr val="accent1"/>
+            </a:fillRef>
+            <a:effectRef idx="0">
+              <a:schemeClr val="accent1"/>
+            </a:effectRef>
+            <a:fontRef idx="minor">
+              <a:schemeClr val="lt1"/>
+            </a:fontRef>
+          </p:style>
+          <p:txBody>
+            <a:bodyPr rtlCol="0" anchor="ctr"/>
+            <a:lstStyle/>
+            <a:p>
+              <a:pPr algn="ctr"/>
+              <a:r>
+                <a:rPr lang="en-US" dirty="0">
+                  <a:solidFill>
+                    <a:schemeClr val="tx1"/>
+                  </a:solidFill>
+                </a:rPr>
+                <a:t>Think then assign to whom</a:t>
+              </a:r>
+            </a:p>
+          </p:txBody>
+        </p:sp>
+        <p:grpSp>
+          <p:nvGrpSpPr>
+            <p:cNvPr id="35" name="Group 34">
+              <a:extLst>
+                <a:ext uri="{FF2B5EF4-FFF2-40B4-BE49-F238E27FC236}">
+                  <a16:creationId xmlns:a16="http://schemas.microsoft.com/office/drawing/2014/main" id="{8E9AF9CA-B552-4054-BF11-E4039B74371D}"/>
+                </a:ext>
+              </a:extLst>
+            </p:cNvPr>
+            <p:cNvGrpSpPr/>
+            <p:nvPr/>
+          </p:nvGrpSpPr>
+          <p:grpSpPr>
+            <a:xfrm>
+              <a:off x="3345750" y="4196862"/>
+              <a:ext cx="301686" cy="764932"/>
+              <a:chOff x="3345750" y="4196862"/>
+              <a:chExt cx="301686" cy="764932"/>
+            </a:xfrm>
+          </p:grpSpPr>
+          <p:cxnSp>
+            <p:nvCxnSpPr>
+              <p:cNvPr id="17" name="Straight Arrow Connector 16">
+                <a:extLst>
+                  <a:ext uri="{FF2B5EF4-FFF2-40B4-BE49-F238E27FC236}">
+                    <a16:creationId xmlns:a16="http://schemas.microsoft.com/office/drawing/2014/main" id="{BB59AEFB-77F2-45F0-8D96-4D70BBAEE0E6}"/>
+                  </a:ext>
+                </a:extLst>
+              </p:cNvPr>
+              <p:cNvCxnSpPr>
+                <a:stCxn id="6" idx="2"/>
+                <a:endCxn id="7" idx="0"/>
+              </p:cNvCxnSpPr>
+              <p:nvPr/>
+            </p:nvCxnSpPr>
+            <p:spPr>
+              <a:xfrm>
+                <a:off x="3626828" y="4196862"/>
+                <a:ext cx="0" cy="764932"/>
+              </a:xfrm>
+              <a:prstGeom prst="straightConnector1">
+                <a:avLst/>
+              </a:prstGeom>
+              <a:ln>
+                <a:tailEnd type="triangle"/>
+              </a:ln>
+            </p:spPr>
+            <p:style>
+              <a:lnRef idx="1">
+                <a:schemeClr val="accent1"/>
+              </a:lnRef>
+              <a:fillRef idx="0">
+                <a:schemeClr val="accent1"/>
+              </a:fillRef>
+              <a:effectRef idx="0">
+                <a:schemeClr val="accent1"/>
+              </a:effectRef>
+              <a:fontRef idx="minor">
+                <a:schemeClr val="tx1"/>
+              </a:fontRef>
+            </p:style>
+          </p:cxnSp>
+          <p:sp>
+            <p:nvSpPr>
+              <p:cNvPr id="28" name="TextBox 27">
+                <a:extLst>
+                  <a:ext uri="{FF2B5EF4-FFF2-40B4-BE49-F238E27FC236}">
+                    <a16:creationId xmlns:a16="http://schemas.microsoft.com/office/drawing/2014/main" id="{A7642A16-8F83-4766-A61A-3C80670362A2}"/>
+                  </a:ext>
+                </a:extLst>
+              </p:cNvPr>
+              <p:cNvSpPr txBox="1"/>
+              <p:nvPr/>
+            </p:nvSpPr>
+            <p:spPr>
+              <a:xfrm>
+                <a:off x="3345750" y="4407091"/>
+                <a:ext cx="301686" cy="369332"/>
+              </a:xfrm>
+              <a:prstGeom prst="rect">
+                <a:avLst/>
+              </a:prstGeom>
+              <a:noFill/>
+            </p:spPr>
+            <p:txBody>
+              <a:bodyPr wrap="none" rtlCol="0">
+                <a:spAutoFit/>
+              </a:bodyPr>
+              <a:lstStyle/>
+              <a:p>
+                <a:r>
+                  <a:rPr lang="en-US" b="1" dirty="0">
+                    <a:solidFill>
+                      <a:srgbClr val="FF0000"/>
+                    </a:solidFill>
+                  </a:rPr>
+                  <a:t>3</a:t>
+                </a:r>
+              </a:p>
+            </p:txBody>
+          </p:sp>
+        </p:grpSp>
+      </p:grpSp>
+      <p:grpSp>
+        <p:nvGrpSpPr>
+          <p:cNvPr id="43" name="Group 42">
+            <a:extLst>
+              <a:ext uri="{FF2B5EF4-FFF2-40B4-BE49-F238E27FC236}">
+                <a16:creationId xmlns:a16="http://schemas.microsoft.com/office/drawing/2014/main" id="{F2F66D56-E73B-4508-8E65-A8F3DC4495DB}"/>
+              </a:ext>
+            </a:extLst>
+          </p:cNvPr>
+          <p:cNvGrpSpPr/>
+          <p:nvPr/>
+        </p:nvGrpSpPr>
+        <p:grpSpPr>
+          <a:xfrm>
+            <a:off x="4457701" y="5047436"/>
+            <a:ext cx="3511062" cy="699803"/>
+            <a:chOff x="4457701" y="5047436"/>
+            <a:chExt cx="3511062" cy="699803"/>
+          </a:xfrm>
+        </p:grpSpPr>
+        <p:sp>
+          <p:nvSpPr>
+            <p:cNvPr id="8" name="Rectangle: Rounded Corners 7">
+              <a:extLst>
+                <a:ext uri="{FF2B5EF4-FFF2-40B4-BE49-F238E27FC236}">
+                  <a16:creationId xmlns:a16="http://schemas.microsoft.com/office/drawing/2014/main" id="{4069475A-A087-4834-8ED8-11DC941BDAA4}"/>
+                </a:ext>
+              </a:extLst>
+            </p:cNvPr>
+            <p:cNvSpPr/>
+            <p:nvPr/>
+          </p:nvSpPr>
+          <p:spPr>
+            <a:xfrm>
+              <a:off x="6307017" y="5105401"/>
+              <a:ext cx="1661746" cy="641838"/>
+            </a:xfrm>
+            <a:prstGeom prst="roundRect">
+              <a:avLst/>
+            </a:prstGeom>
+            <a:solidFill>
+              <a:schemeClr val="bg1"/>
+            </a:solidFill>
+          </p:spPr>
+          <p:style>
+            <a:lnRef idx="2">
+              <a:schemeClr val="accent1">
+                <a:shade val="50000"/>
+              </a:schemeClr>
+            </a:lnRef>
+            <a:fillRef idx="1">
+              <a:schemeClr val="accent1"/>
+            </a:fillRef>
+            <a:effectRef idx="0">
+              <a:schemeClr val="accent1"/>
+            </a:effectRef>
+            <a:fontRef idx="minor">
+              <a:schemeClr val="lt1"/>
+            </a:fontRef>
+          </p:style>
+          <p:txBody>
+            <a:bodyPr rtlCol="0" anchor="ctr"/>
+            <a:lstStyle/>
+            <a:p>
+              <a:pPr algn="ctr"/>
+              <a:r>
+                <a:rPr lang="en-US" dirty="0">
+                  <a:solidFill>
+                    <a:schemeClr val="tx1"/>
+                  </a:solidFill>
+                </a:rPr>
+                <a:t>Increase 1 in Excel</a:t>
+              </a:r>
+            </a:p>
+          </p:txBody>
+        </p:sp>
+        <p:grpSp>
+          <p:nvGrpSpPr>
+            <p:cNvPr id="36" name="Group 35">
+              <a:extLst>
+                <a:ext uri="{FF2B5EF4-FFF2-40B4-BE49-F238E27FC236}">
+                  <a16:creationId xmlns:a16="http://schemas.microsoft.com/office/drawing/2014/main" id="{899551EB-67C0-4D7A-9AC0-7487BAF88BF6}"/>
+                </a:ext>
+              </a:extLst>
+            </p:cNvPr>
+            <p:cNvGrpSpPr/>
+            <p:nvPr/>
+          </p:nvGrpSpPr>
+          <p:grpSpPr>
+            <a:xfrm>
+              <a:off x="4457701" y="5047436"/>
+              <a:ext cx="1849316" cy="378884"/>
+              <a:chOff x="4457701" y="5047436"/>
+              <a:chExt cx="1849316" cy="378884"/>
+            </a:xfrm>
+          </p:grpSpPr>
+          <p:cxnSp>
+            <p:nvCxnSpPr>
+              <p:cNvPr id="19" name="Straight Arrow Connector 18">
+                <a:extLst>
+                  <a:ext uri="{FF2B5EF4-FFF2-40B4-BE49-F238E27FC236}">
+                    <a16:creationId xmlns:a16="http://schemas.microsoft.com/office/drawing/2014/main" id="{2F356735-7CF0-44C8-B91D-9046AB559C0F}"/>
+                  </a:ext>
+                </a:extLst>
+              </p:cNvPr>
+              <p:cNvCxnSpPr>
+                <a:stCxn id="7" idx="3"/>
+                <a:endCxn id="8" idx="1"/>
+              </p:cNvCxnSpPr>
+              <p:nvPr/>
+            </p:nvCxnSpPr>
+            <p:spPr>
+              <a:xfrm>
+                <a:off x="4457701" y="5426320"/>
+                <a:ext cx="1849316" cy="0"/>
+              </a:xfrm>
+              <a:prstGeom prst="straightConnector1">
+                <a:avLst/>
+              </a:prstGeom>
+              <a:ln>
+                <a:tailEnd type="triangle"/>
+              </a:ln>
+            </p:spPr>
+            <p:style>
+              <a:lnRef idx="1">
+                <a:schemeClr val="accent1"/>
+              </a:lnRef>
+              <a:fillRef idx="0">
+                <a:schemeClr val="accent1"/>
+              </a:fillRef>
+              <a:effectRef idx="0">
+                <a:schemeClr val="accent1"/>
+              </a:effectRef>
+              <a:fontRef idx="minor">
+                <a:schemeClr val="tx1"/>
+              </a:fontRef>
+            </p:style>
+          </p:cxnSp>
+          <p:sp>
+            <p:nvSpPr>
+              <p:cNvPr id="29" name="TextBox 28">
+                <a:extLst>
+                  <a:ext uri="{FF2B5EF4-FFF2-40B4-BE49-F238E27FC236}">
+                    <a16:creationId xmlns:a16="http://schemas.microsoft.com/office/drawing/2014/main" id="{1E269E2E-077B-4867-B148-BBF4426212AE}"/>
+                  </a:ext>
+                </a:extLst>
+              </p:cNvPr>
+              <p:cNvSpPr txBox="1"/>
+              <p:nvPr/>
+            </p:nvSpPr>
+            <p:spPr>
+              <a:xfrm>
+                <a:off x="5233074" y="5047436"/>
+                <a:ext cx="301686" cy="369332"/>
+              </a:xfrm>
+              <a:prstGeom prst="rect">
+                <a:avLst/>
+              </a:prstGeom>
+              <a:noFill/>
+            </p:spPr>
+            <p:txBody>
+              <a:bodyPr wrap="none" rtlCol="0">
+                <a:spAutoFit/>
+              </a:bodyPr>
+              <a:lstStyle/>
+              <a:p>
+                <a:r>
+                  <a:rPr lang="en-US" b="1" dirty="0">
+                    <a:solidFill>
+                      <a:srgbClr val="FF0000"/>
+                    </a:solidFill>
+                  </a:rPr>
+                  <a:t>4</a:t>
+                </a:r>
+              </a:p>
+            </p:txBody>
+          </p:sp>
+        </p:grpSp>
+      </p:grpSp>
+      <p:grpSp>
+        <p:nvGrpSpPr>
+          <p:cNvPr id="44" name="Group 43">
+            <a:extLst>
+              <a:ext uri="{FF2B5EF4-FFF2-40B4-BE49-F238E27FC236}">
+                <a16:creationId xmlns:a16="http://schemas.microsoft.com/office/drawing/2014/main" id="{D8A2D94E-1EE1-48C3-B60C-53D5A2C5FFEF}"/>
+              </a:ext>
+            </a:extLst>
+          </p:cNvPr>
+          <p:cNvGrpSpPr/>
+          <p:nvPr/>
+        </p:nvGrpSpPr>
+        <p:grpSpPr>
+          <a:xfrm>
+            <a:off x="6167806" y="3448050"/>
+            <a:ext cx="1940168" cy="1657351"/>
+            <a:chOff x="6167806" y="3448050"/>
+            <a:chExt cx="1940168" cy="1657351"/>
+          </a:xfrm>
+        </p:grpSpPr>
+        <p:sp>
+          <p:nvSpPr>
+            <p:cNvPr id="9" name="Rectangle: Rounded Corners 8">
+              <a:extLst>
+                <a:ext uri="{FF2B5EF4-FFF2-40B4-BE49-F238E27FC236}">
+                  <a16:creationId xmlns:a16="http://schemas.microsoft.com/office/drawing/2014/main" id="{9E186DD0-4E0D-4581-A231-551201A64F63}"/>
+                </a:ext>
+              </a:extLst>
+            </p:cNvPr>
+            <p:cNvSpPr/>
+            <p:nvPr/>
+          </p:nvSpPr>
+          <p:spPr>
+            <a:xfrm>
+              <a:off x="6167806" y="3448050"/>
+              <a:ext cx="1940168" cy="855785"/>
+            </a:xfrm>
+            <a:prstGeom prst="roundRect">
+              <a:avLst/>
+            </a:prstGeom>
+            <a:solidFill>
+              <a:schemeClr val="bg1"/>
+            </a:solidFill>
+          </p:spPr>
+          <p:style>
+            <a:lnRef idx="2">
+              <a:schemeClr val="accent1">
+                <a:shade val="50000"/>
+              </a:schemeClr>
+            </a:lnRef>
+            <a:fillRef idx="1">
+              <a:schemeClr val="accent1"/>
+            </a:fillRef>
+            <a:effectRef idx="0">
+              <a:schemeClr val="accent1"/>
+            </a:effectRef>
+            <a:fontRef idx="minor">
+              <a:schemeClr val="lt1"/>
+            </a:fontRef>
+          </p:style>
+          <p:txBody>
+            <a:bodyPr rtlCol="0" anchor="ctr"/>
+            <a:lstStyle/>
+            <a:p>
+              <a:pPr algn="ctr"/>
+              <a:r>
+                <a:rPr lang="en-US" dirty="0">
+                  <a:solidFill>
+                    <a:schemeClr val="tx1"/>
+                  </a:solidFill>
+                </a:rPr>
+                <a:t>Copy processors </a:t>
+              </a:r>
+              <a:r>
+                <a:rPr lang="en-US" dirty="0" err="1">
+                  <a:solidFill>
+                    <a:schemeClr val="tx1"/>
+                  </a:solidFill>
+                </a:rPr>
+                <a:t>i</a:t>
+              </a:r>
+              <a:r>
+                <a:rPr lang="en-US" dirty="0">
+                  <a:solidFill>
+                    <a:schemeClr val="tx1"/>
+                  </a:solidFill>
+                </a:rPr>
+                <a:t>-number</a:t>
+              </a:r>
+            </a:p>
+          </p:txBody>
+        </p:sp>
+        <p:grpSp>
+          <p:nvGrpSpPr>
+            <p:cNvPr id="37" name="Group 36">
+              <a:extLst>
+                <a:ext uri="{FF2B5EF4-FFF2-40B4-BE49-F238E27FC236}">
+                  <a16:creationId xmlns:a16="http://schemas.microsoft.com/office/drawing/2014/main" id="{BDF14513-8EE7-477A-85CB-1D10103EC82A}"/>
+                </a:ext>
+              </a:extLst>
+            </p:cNvPr>
+            <p:cNvGrpSpPr/>
+            <p:nvPr/>
+          </p:nvGrpSpPr>
+          <p:grpSpPr>
+            <a:xfrm>
+              <a:off x="6915335" y="4303835"/>
+              <a:ext cx="301686" cy="801566"/>
+              <a:chOff x="6915335" y="4303835"/>
+              <a:chExt cx="301686" cy="801566"/>
+            </a:xfrm>
+          </p:grpSpPr>
+          <p:cxnSp>
+            <p:nvCxnSpPr>
+              <p:cNvPr id="21" name="Straight Arrow Connector 20">
+                <a:extLst>
+                  <a:ext uri="{FF2B5EF4-FFF2-40B4-BE49-F238E27FC236}">
+                    <a16:creationId xmlns:a16="http://schemas.microsoft.com/office/drawing/2014/main" id="{0800F2A9-D6E4-4F79-ADD6-B50FAD2B7977}"/>
+                  </a:ext>
+                </a:extLst>
+              </p:cNvPr>
+              <p:cNvCxnSpPr>
+                <a:stCxn id="8" idx="0"/>
+                <a:endCxn id="9" idx="2"/>
+              </p:cNvCxnSpPr>
+              <p:nvPr/>
+            </p:nvCxnSpPr>
+            <p:spPr>
+              <a:xfrm flipV="1">
+                <a:off x="7137890" y="4303835"/>
+                <a:ext cx="0" cy="801566"/>
+              </a:xfrm>
+              <a:prstGeom prst="straightConnector1">
+                <a:avLst/>
+              </a:prstGeom>
+              <a:ln>
+                <a:tailEnd type="triangle"/>
+              </a:ln>
+            </p:spPr>
+            <p:style>
+              <a:lnRef idx="1">
+                <a:schemeClr val="accent1"/>
+              </a:lnRef>
+              <a:fillRef idx="0">
+                <a:schemeClr val="accent1"/>
+              </a:fillRef>
+              <a:effectRef idx="0">
+                <a:schemeClr val="accent1"/>
+              </a:effectRef>
+              <a:fontRef idx="minor">
+                <a:schemeClr val="tx1"/>
+              </a:fontRef>
+            </p:style>
+          </p:cxnSp>
+          <p:sp>
+            <p:nvSpPr>
+              <p:cNvPr id="30" name="TextBox 29">
+                <a:extLst>
+                  <a:ext uri="{FF2B5EF4-FFF2-40B4-BE49-F238E27FC236}">
+                    <a16:creationId xmlns:a16="http://schemas.microsoft.com/office/drawing/2014/main" id="{37709F23-1AFD-4294-97D2-5F196E3601FD}"/>
+                  </a:ext>
+                </a:extLst>
+              </p:cNvPr>
+              <p:cNvSpPr txBox="1"/>
+              <p:nvPr/>
+            </p:nvSpPr>
+            <p:spPr>
+              <a:xfrm>
+                <a:off x="6915335" y="4519952"/>
+                <a:ext cx="301686" cy="369332"/>
+              </a:xfrm>
+              <a:prstGeom prst="rect">
+                <a:avLst/>
+              </a:prstGeom>
+              <a:noFill/>
+            </p:spPr>
+            <p:txBody>
+              <a:bodyPr wrap="none" rtlCol="0">
+                <a:spAutoFit/>
+              </a:bodyPr>
+              <a:lstStyle/>
+              <a:p>
+                <a:r>
+                  <a:rPr lang="en-US" b="1" dirty="0">
+                    <a:solidFill>
+                      <a:srgbClr val="FF0000"/>
+                    </a:solidFill>
+                  </a:rPr>
+                  <a:t>5</a:t>
+                </a:r>
+              </a:p>
+            </p:txBody>
+          </p:sp>
+        </p:grpSp>
+      </p:grpSp>
+      <p:grpSp>
+        <p:nvGrpSpPr>
+          <p:cNvPr id="39" name="Group 38">
+            <a:extLst>
+              <a:ext uri="{FF2B5EF4-FFF2-40B4-BE49-F238E27FC236}">
+                <a16:creationId xmlns:a16="http://schemas.microsoft.com/office/drawing/2014/main" id="{207AE701-D4BB-4361-BC92-1826718C7069}"/>
+              </a:ext>
+            </a:extLst>
+          </p:cNvPr>
+          <p:cNvGrpSpPr/>
+          <p:nvPr/>
+        </p:nvGrpSpPr>
+        <p:grpSpPr>
+          <a:xfrm>
+            <a:off x="4457701" y="1164981"/>
+            <a:ext cx="1849316" cy="1240448"/>
+            <a:chOff x="4457701" y="1164981"/>
+            <a:chExt cx="1849316" cy="1240448"/>
+          </a:xfrm>
+        </p:grpSpPr>
+        <p:cxnSp>
+          <p:nvCxnSpPr>
+            <p:cNvPr id="25" name="Straight Arrow Connector 24">
+              <a:extLst>
+                <a:ext uri="{FF2B5EF4-FFF2-40B4-BE49-F238E27FC236}">
+                  <a16:creationId xmlns:a16="http://schemas.microsoft.com/office/drawing/2014/main" id="{22556102-C768-428F-BE06-44738F4FCE98}"/>
+                </a:ext>
+              </a:extLst>
+            </p:cNvPr>
+            <p:cNvCxnSpPr>
+              <a:cxnSpLocks/>
+              <a:endCxn id="4" idx="3"/>
+            </p:cNvCxnSpPr>
+            <p:nvPr/>
+          </p:nvCxnSpPr>
+          <p:spPr>
+            <a:xfrm flipH="1" flipV="1">
+              <a:off x="4457701" y="1164981"/>
+              <a:ext cx="1849316" cy="1240448"/>
+            </a:xfrm>
+            <a:prstGeom prst="straightConnector1">
+              <a:avLst/>
+            </a:prstGeom>
+            <a:ln>
+              <a:tailEnd type="triangle"/>
+            </a:ln>
+          </p:spPr>
+          <p:style>
+            <a:lnRef idx="1">
+              <a:schemeClr val="accent1"/>
+            </a:lnRef>
+            <a:fillRef idx="0">
+              <a:schemeClr val="accent1"/>
+            </a:fillRef>
+            <a:effectRef idx="0">
+              <a:schemeClr val="accent1"/>
+            </a:effectRef>
+            <a:fontRef idx="minor">
+              <a:schemeClr val="tx1"/>
+            </a:fontRef>
+          </p:style>
+        </p:cxnSp>
+        <p:sp>
+          <p:nvSpPr>
+            <p:cNvPr id="32" name="TextBox 31">
+              <a:extLst>
+                <a:ext uri="{FF2B5EF4-FFF2-40B4-BE49-F238E27FC236}">
+                  <a16:creationId xmlns:a16="http://schemas.microsoft.com/office/drawing/2014/main" id="{699A1163-31EF-4ED2-AC93-9E13567B66A8}"/>
+                </a:ext>
+              </a:extLst>
+            </p:cNvPr>
+            <p:cNvSpPr txBox="1"/>
+            <p:nvPr/>
+          </p:nvSpPr>
+          <p:spPr>
+            <a:xfrm>
+              <a:off x="5328233" y="1421734"/>
+              <a:ext cx="301686" cy="369332"/>
+            </a:xfrm>
+            <a:prstGeom prst="rect">
+              <a:avLst/>
+            </a:prstGeom>
+            <a:noFill/>
+          </p:spPr>
+          <p:txBody>
+            <a:bodyPr wrap="none" rtlCol="0">
+              <a:spAutoFit/>
+            </a:bodyPr>
+            <a:lstStyle/>
+            <a:p>
+              <a:r>
+                <a:rPr lang="en-US" b="1" dirty="0">
+                  <a:solidFill>
+                    <a:srgbClr val="FF0000"/>
+                  </a:solidFill>
+                </a:rPr>
+                <a:t>7</a:t>
+              </a:r>
+            </a:p>
+          </p:txBody>
+        </p:sp>
+      </p:grpSp>
+      <p:grpSp>
+        <p:nvGrpSpPr>
+          <p:cNvPr id="51" name="Group 50">
+            <a:extLst>
+              <a:ext uri="{FF2B5EF4-FFF2-40B4-BE49-F238E27FC236}">
+                <a16:creationId xmlns:a16="http://schemas.microsoft.com/office/drawing/2014/main" id="{64837E3E-E648-4721-9803-38026BD87EE8}"/>
+              </a:ext>
+            </a:extLst>
+          </p:cNvPr>
+          <p:cNvGrpSpPr/>
+          <p:nvPr/>
+        </p:nvGrpSpPr>
+        <p:grpSpPr>
+          <a:xfrm>
+            <a:off x="6307017" y="2084510"/>
+            <a:ext cx="1661746" cy="1363540"/>
+            <a:chOff x="6307017" y="2085243"/>
+            <a:chExt cx="1661746" cy="1363540"/>
+          </a:xfrm>
+        </p:grpSpPr>
+        <p:sp>
+          <p:nvSpPr>
+            <p:cNvPr id="47" name="Rectangle: Rounded Corners 46">
+              <a:extLst>
+                <a:ext uri="{FF2B5EF4-FFF2-40B4-BE49-F238E27FC236}">
+                  <a16:creationId xmlns:a16="http://schemas.microsoft.com/office/drawing/2014/main" id="{B5876230-FF95-47C7-96AE-13F30BD89B2A}"/>
+                </a:ext>
+              </a:extLst>
+            </p:cNvPr>
+            <p:cNvSpPr/>
+            <p:nvPr/>
+          </p:nvSpPr>
+          <p:spPr>
+            <a:xfrm>
+              <a:off x="6307017" y="2085243"/>
+              <a:ext cx="1661746" cy="641838"/>
+            </a:xfrm>
+            <a:prstGeom prst="roundRect">
+              <a:avLst/>
+            </a:prstGeom>
+            <a:solidFill>
+              <a:schemeClr val="bg1"/>
+            </a:solidFill>
+          </p:spPr>
+          <p:style>
+            <a:lnRef idx="2">
+              <a:schemeClr val="accent1">
+                <a:shade val="50000"/>
+              </a:schemeClr>
+            </a:lnRef>
+            <a:fillRef idx="1">
+              <a:schemeClr val="accent1"/>
+            </a:fillRef>
+            <a:effectRef idx="0">
+              <a:schemeClr val="accent1"/>
+            </a:effectRef>
+            <a:fontRef idx="minor">
+              <a:schemeClr val="lt1"/>
+            </a:fontRef>
+          </p:style>
+          <p:txBody>
+            <a:bodyPr rtlCol="0" anchor="ctr"/>
+            <a:lstStyle/>
+            <a:p>
+              <a:pPr algn="ctr"/>
+              <a:r>
+                <a:rPr lang="en-US" dirty="0">
+                  <a:solidFill>
+                    <a:schemeClr val="tx1"/>
+                  </a:solidFill>
+                </a:rPr>
+                <a:t>Paste to BCP</a:t>
+              </a:r>
+            </a:p>
+          </p:txBody>
+        </p:sp>
+        <p:grpSp>
+          <p:nvGrpSpPr>
+            <p:cNvPr id="48" name="Group 47">
+              <a:extLst>
+                <a:ext uri="{FF2B5EF4-FFF2-40B4-BE49-F238E27FC236}">
+                  <a16:creationId xmlns:a16="http://schemas.microsoft.com/office/drawing/2014/main" id="{8A0FF67A-C03E-417E-A68B-B35AE1D62C2E}"/>
+                </a:ext>
+              </a:extLst>
+            </p:cNvPr>
+            <p:cNvGrpSpPr/>
+            <p:nvPr/>
+          </p:nvGrpSpPr>
+          <p:grpSpPr>
+            <a:xfrm>
+              <a:off x="6836203" y="2727081"/>
+              <a:ext cx="301687" cy="721702"/>
+              <a:chOff x="6836203" y="2726348"/>
+              <a:chExt cx="301687" cy="721702"/>
+            </a:xfrm>
+          </p:grpSpPr>
+          <p:cxnSp>
+            <p:nvCxnSpPr>
+              <p:cNvPr id="49" name="Straight Arrow Connector 48">
+                <a:extLst>
+                  <a:ext uri="{FF2B5EF4-FFF2-40B4-BE49-F238E27FC236}">
+                    <a16:creationId xmlns:a16="http://schemas.microsoft.com/office/drawing/2014/main" id="{FAE5D7F1-3735-4664-80D2-AE6B03136A3B}"/>
+                  </a:ext>
+                </a:extLst>
+              </p:cNvPr>
+              <p:cNvCxnSpPr>
+                <a:endCxn id="47" idx="2"/>
+              </p:cNvCxnSpPr>
+              <p:nvPr/>
+            </p:nvCxnSpPr>
+            <p:spPr>
+              <a:xfrm flipV="1">
+                <a:off x="7137890" y="2726348"/>
+                <a:ext cx="0" cy="721702"/>
+              </a:xfrm>
+              <a:prstGeom prst="straightConnector1">
+                <a:avLst/>
+              </a:prstGeom>
+              <a:ln>
+                <a:tailEnd type="triangle"/>
+              </a:ln>
+            </p:spPr>
+            <p:style>
+              <a:lnRef idx="1">
+                <a:schemeClr val="accent1"/>
+              </a:lnRef>
+              <a:fillRef idx="0">
+                <a:schemeClr val="accent1"/>
+              </a:fillRef>
+              <a:effectRef idx="0">
+                <a:schemeClr val="accent1"/>
+              </a:effectRef>
+              <a:fontRef idx="minor">
+                <a:schemeClr val="tx1"/>
+              </a:fontRef>
+            </p:style>
+          </p:cxnSp>
+          <p:sp>
+            <p:nvSpPr>
+              <p:cNvPr id="50" name="TextBox 49">
+                <a:extLst>
+                  <a:ext uri="{FF2B5EF4-FFF2-40B4-BE49-F238E27FC236}">
+                    <a16:creationId xmlns:a16="http://schemas.microsoft.com/office/drawing/2014/main" id="{287ED141-47C2-4590-A95B-C09918E858C7}"/>
+                  </a:ext>
+                </a:extLst>
+              </p:cNvPr>
+              <p:cNvSpPr txBox="1"/>
+              <p:nvPr/>
+            </p:nvSpPr>
+            <p:spPr>
+              <a:xfrm>
+                <a:off x="6836203" y="2939534"/>
+                <a:ext cx="301686" cy="369332"/>
+              </a:xfrm>
+              <a:prstGeom prst="rect">
+                <a:avLst/>
+              </a:prstGeom>
+              <a:noFill/>
+            </p:spPr>
+            <p:txBody>
+              <a:bodyPr wrap="none" rtlCol="0">
+                <a:spAutoFit/>
+              </a:bodyPr>
+              <a:lstStyle/>
+              <a:p>
+                <a:r>
+                  <a:rPr lang="en-US" b="1" dirty="0">
+                    <a:solidFill>
+                      <a:srgbClr val="FF0000"/>
+                    </a:solidFill>
+                  </a:rPr>
+                  <a:t>6</a:t>
+                </a:r>
+              </a:p>
+            </p:txBody>
+          </p:sp>
+        </p:grpSp>
+      </p:grpSp>
+      <p:sp>
+        <p:nvSpPr>
+          <p:cNvPr id="52" name="Rectangle 51">
+            <a:extLst>
+              <a:ext uri="{FF2B5EF4-FFF2-40B4-BE49-F238E27FC236}">
+                <a16:creationId xmlns:a16="http://schemas.microsoft.com/office/drawing/2014/main" id="{123BF059-68DD-4FEB-B9BF-1A54FD044D0A}"/>
+              </a:ext>
+            </a:extLst>
+          </p:cNvPr>
+          <p:cNvSpPr/>
+          <p:nvPr/>
+        </p:nvSpPr>
+        <p:spPr>
+          <a:xfrm>
+            <a:off x="8938847" y="2625534"/>
+            <a:ext cx="1961627" cy="923330"/>
+          </a:xfrm>
+          <a:prstGeom prst="rect">
+            <a:avLst/>
+          </a:prstGeom>
+          <a:noFill/>
         </p:spPr>
         <p:txBody>
-          <a:bodyPr/>
+          <a:bodyPr wrap="none" lIns="91440" tIns="45720" rIns="91440" bIns="45720">
+            <a:spAutoFit/>
+          </a:bodyPr>
           <a:lstStyle/>
           <a:p>
+            <a:pPr algn="ctr"/>
             <a:r>
-              <a:rPr lang="en-US" dirty="0"/>
-              <a:t>Time consuming</a:t>
-            </a:r>
-          </a:p>
-          <a:p>
-            <a:pPr lvl="1"/>
-            <a:r>
-              <a:rPr lang="en-US" dirty="0"/>
-              <a:t>Check RCC many times</a:t>
-            </a:r>
-          </a:p>
-          <a:p>
-            <a:pPr lvl="1"/>
-            <a:r>
-              <a:rPr lang="en-US" dirty="0"/>
-              <a:t>Don’t know who to dispatch</a:t>
-            </a:r>
-          </a:p>
-          <a:p>
-            <a:pPr lvl="1"/>
-            <a:r>
-              <a:rPr lang="en-US" dirty="0"/>
-              <a:t>Copy &amp; paste </a:t>
-            </a:r>
-            <a:r>
-              <a:rPr lang="en-US" dirty="0" err="1"/>
-              <a:t>i</a:t>
-            </a:r>
-            <a:r>
-              <a:rPr lang="en-US" dirty="0"/>
-              <a:t>-number</a:t>
+              <a:rPr lang="en-US" sz="5400" b="0" cap="none" spc="0" dirty="0">
+                <a:ln w="0"/>
+                <a:solidFill>
+                  <a:schemeClr val="accent1"/>
+                </a:solidFill>
+                <a:effectLst>
+                  <a:outerShdw blurRad="38100" dist="25400" dir="5400000" algn="ctr" rotWithShape="0">
+                    <a:srgbClr val="6E747A">
+                      <a:alpha val="43000"/>
+                    </a:srgbClr>
+                  </a:outerShdw>
+                </a:effectLst>
+              </a:rPr>
+              <a:t>LOOP!</a:t>
             </a:r>
           </a:p>
         </p:txBody>
@@ -5068,13 +8319,749 @@
     </p:spTree>
     <p:extLst>
       <p:ext uri="{BB962C8B-B14F-4D97-AF65-F5344CB8AC3E}">
-        <p14:creationId xmlns:p14="http://schemas.microsoft.com/office/powerpoint/2010/main" val="1351495783"/>
+        <p14:creationId xmlns:p14="http://schemas.microsoft.com/office/powerpoint/2010/main" val="2560300836"/>
       </p:ext>
     </p:extLst>
   </p:cSld>
   <p:clrMapOvr>
     <a:masterClrMapping/>
   </p:clrMapOvr>
+  <p:timing>
+    <p:tnLst>
+      <p:par>
+        <p:cTn id="1" dur="indefinite" restart="never" nodeType="tmRoot">
+          <p:childTnLst>
+            <p:seq concurrent="1" nextAc="seek">
+              <p:cTn id="2" dur="indefinite" nodeType="mainSeq">
+                <p:childTnLst>
+                  <p:par>
+                    <p:cTn id="3" fill="hold">
+                      <p:stCondLst>
+                        <p:cond delay="indefinite"/>
+                      </p:stCondLst>
+                      <p:childTnLst>
+                        <p:par>
+                          <p:cTn id="4" fill="hold">
+                            <p:stCondLst>
+                              <p:cond delay="0"/>
+                            </p:stCondLst>
+                            <p:childTnLst>
+                              <p:par>
+                                <p:cTn id="5" presetID="2" presetClass="entr" presetSubtype="1" fill="hold" nodeType="clickEffect">
+                                  <p:stCondLst>
+                                    <p:cond delay="0"/>
+                                  </p:stCondLst>
+                                  <p:childTnLst>
+                                    <p:set>
+                                      <p:cBhvr>
+                                        <p:cTn id="6" dur="1" fill="hold">
+                                          <p:stCondLst>
+                                            <p:cond delay="0"/>
+                                          </p:stCondLst>
+                                        </p:cTn>
+                                        <p:tgtEl>
+                                          <p:spTgt spid="40"/>
+                                        </p:tgtEl>
+                                        <p:attrNameLst>
+                                          <p:attrName>style.visibility</p:attrName>
+                                        </p:attrNameLst>
+                                      </p:cBhvr>
+                                      <p:to>
+                                        <p:strVal val="visible"/>
+                                      </p:to>
+                                    </p:set>
+                                    <p:anim calcmode="lin" valueType="num">
+                                      <p:cBhvr additive="base">
+                                        <p:cTn id="7" dur="500" fill="hold"/>
+                                        <p:tgtEl>
+                                          <p:spTgt spid="40"/>
+                                        </p:tgtEl>
+                                        <p:attrNameLst>
+                                          <p:attrName>ppt_x</p:attrName>
+                                        </p:attrNameLst>
+                                      </p:cBhvr>
+                                      <p:tavLst>
+                                        <p:tav tm="0">
+                                          <p:val>
+                                            <p:strVal val="#ppt_x"/>
+                                          </p:val>
+                                        </p:tav>
+                                        <p:tav tm="100000">
+                                          <p:val>
+                                            <p:strVal val="#ppt_x"/>
+                                          </p:val>
+                                        </p:tav>
+                                      </p:tavLst>
+                                    </p:anim>
+                                    <p:anim calcmode="lin" valueType="num">
+                                      <p:cBhvr additive="base">
+                                        <p:cTn id="8" dur="500" fill="hold"/>
+                                        <p:tgtEl>
+                                          <p:spTgt spid="40"/>
+                                        </p:tgtEl>
+                                        <p:attrNameLst>
+                                          <p:attrName>ppt_y</p:attrName>
+                                        </p:attrNameLst>
+                                      </p:cBhvr>
+                                      <p:tavLst>
+                                        <p:tav tm="0">
+                                          <p:val>
+                                            <p:strVal val="0-#ppt_h/2"/>
+                                          </p:val>
+                                        </p:tav>
+                                        <p:tav tm="100000">
+                                          <p:val>
+                                            <p:strVal val="#ppt_y"/>
+                                          </p:val>
+                                        </p:tav>
+                                      </p:tavLst>
+                                    </p:anim>
+                                  </p:childTnLst>
+                                </p:cTn>
+                              </p:par>
+                            </p:childTnLst>
+                          </p:cTn>
+                        </p:par>
+                      </p:childTnLst>
+                    </p:cTn>
+                  </p:par>
+                  <p:par>
+                    <p:cTn id="9" fill="hold">
+                      <p:stCondLst>
+                        <p:cond delay="indefinite"/>
+                      </p:stCondLst>
+                      <p:childTnLst>
+                        <p:par>
+                          <p:cTn id="10" fill="hold">
+                            <p:stCondLst>
+                              <p:cond delay="0"/>
+                            </p:stCondLst>
+                            <p:childTnLst>
+                              <p:par>
+                                <p:cTn id="11" presetID="2" presetClass="entr" presetSubtype="1" fill="hold" nodeType="clickEffect">
+                                  <p:stCondLst>
+                                    <p:cond delay="0"/>
+                                  </p:stCondLst>
+                                  <p:childTnLst>
+                                    <p:set>
+                                      <p:cBhvr>
+                                        <p:cTn id="12" dur="1" fill="hold">
+                                          <p:stCondLst>
+                                            <p:cond delay="0"/>
+                                          </p:stCondLst>
+                                        </p:cTn>
+                                        <p:tgtEl>
+                                          <p:spTgt spid="41"/>
+                                        </p:tgtEl>
+                                        <p:attrNameLst>
+                                          <p:attrName>style.visibility</p:attrName>
+                                        </p:attrNameLst>
+                                      </p:cBhvr>
+                                      <p:to>
+                                        <p:strVal val="visible"/>
+                                      </p:to>
+                                    </p:set>
+                                    <p:anim calcmode="lin" valueType="num">
+                                      <p:cBhvr additive="base">
+                                        <p:cTn id="13" dur="500" fill="hold"/>
+                                        <p:tgtEl>
+                                          <p:spTgt spid="41"/>
+                                        </p:tgtEl>
+                                        <p:attrNameLst>
+                                          <p:attrName>ppt_x</p:attrName>
+                                        </p:attrNameLst>
+                                      </p:cBhvr>
+                                      <p:tavLst>
+                                        <p:tav tm="0">
+                                          <p:val>
+                                            <p:strVal val="#ppt_x"/>
+                                          </p:val>
+                                        </p:tav>
+                                        <p:tav tm="100000">
+                                          <p:val>
+                                            <p:strVal val="#ppt_x"/>
+                                          </p:val>
+                                        </p:tav>
+                                      </p:tavLst>
+                                    </p:anim>
+                                    <p:anim calcmode="lin" valueType="num">
+                                      <p:cBhvr additive="base">
+                                        <p:cTn id="14" dur="500" fill="hold"/>
+                                        <p:tgtEl>
+                                          <p:spTgt spid="41"/>
+                                        </p:tgtEl>
+                                        <p:attrNameLst>
+                                          <p:attrName>ppt_y</p:attrName>
+                                        </p:attrNameLst>
+                                      </p:cBhvr>
+                                      <p:tavLst>
+                                        <p:tav tm="0">
+                                          <p:val>
+                                            <p:strVal val="0-#ppt_h/2"/>
+                                          </p:val>
+                                        </p:tav>
+                                        <p:tav tm="100000">
+                                          <p:val>
+                                            <p:strVal val="#ppt_y"/>
+                                          </p:val>
+                                        </p:tav>
+                                      </p:tavLst>
+                                    </p:anim>
+                                  </p:childTnLst>
+                                </p:cTn>
+                              </p:par>
+                            </p:childTnLst>
+                          </p:cTn>
+                        </p:par>
+                      </p:childTnLst>
+                    </p:cTn>
+                  </p:par>
+                  <p:par>
+                    <p:cTn id="15" fill="hold">
+                      <p:stCondLst>
+                        <p:cond delay="indefinite"/>
+                      </p:stCondLst>
+                      <p:childTnLst>
+                        <p:par>
+                          <p:cTn id="16" fill="hold">
+                            <p:stCondLst>
+                              <p:cond delay="0"/>
+                            </p:stCondLst>
+                            <p:childTnLst>
+                              <p:par>
+                                <p:cTn id="17" presetID="2" presetClass="entr" presetSubtype="1" fill="hold" nodeType="clickEffect">
+                                  <p:stCondLst>
+                                    <p:cond delay="0"/>
+                                  </p:stCondLst>
+                                  <p:childTnLst>
+                                    <p:set>
+                                      <p:cBhvr>
+                                        <p:cTn id="18" dur="1" fill="hold">
+                                          <p:stCondLst>
+                                            <p:cond delay="0"/>
+                                          </p:stCondLst>
+                                        </p:cTn>
+                                        <p:tgtEl>
+                                          <p:spTgt spid="42"/>
+                                        </p:tgtEl>
+                                        <p:attrNameLst>
+                                          <p:attrName>style.visibility</p:attrName>
+                                        </p:attrNameLst>
+                                      </p:cBhvr>
+                                      <p:to>
+                                        <p:strVal val="visible"/>
+                                      </p:to>
+                                    </p:set>
+                                    <p:anim calcmode="lin" valueType="num">
+                                      <p:cBhvr additive="base">
+                                        <p:cTn id="19" dur="500" fill="hold"/>
+                                        <p:tgtEl>
+                                          <p:spTgt spid="42"/>
+                                        </p:tgtEl>
+                                        <p:attrNameLst>
+                                          <p:attrName>ppt_x</p:attrName>
+                                        </p:attrNameLst>
+                                      </p:cBhvr>
+                                      <p:tavLst>
+                                        <p:tav tm="0">
+                                          <p:val>
+                                            <p:strVal val="#ppt_x"/>
+                                          </p:val>
+                                        </p:tav>
+                                        <p:tav tm="100000">
+                                          <p:val>
+                                            <p:strVal val="#ppt_x"/>
+                                          </p:val>
+                                        </p:tav>
+                                      </p:tavLst>
+                                    </p:anim>
+                                    <p:anim calcmode="lin" valueType="num">
+                                      <p:cBhvr additive="base">
+                                        <p:cTn id="20" dur="500" fill="hold"/>
+                                        <p:tgtEl>
+                                          <p:spTgt spid="42"/>
+                                        </p:tgtEl>
+                                        <p:attrNameLst>
+                                          <p:attrName>ppt_y</p:attrName>
+                                        </p:attrNameLst>
+                                      </p:cBhvr>
+                                      <p:tavLst>
+                                        <p:tav tm="0">
+                                          <p:val>
+                                            <p:strVal val="0-#ppt_h/2"/>
+                                          </p:val>
+                                        </p:tav>
+                                        <p:tav tm="100000">
+                                          <p:val>
+                                            <p:strVal val="#ppt_y"/>
+                                          </p:val>
+                                        </p:tav>
+                                      </p:tavLst>
+                                    </p:anim>
+                                  </p:childTnLst>
+                                </p:cTn>
+                              </p:par>
+                            </p:childTnLst>
+                          </p:cTn>
+                        </p:par>
+                      </p:childTnLst>
+                    </p:cTn>
+                  </p:par>
+                  <p:par>
+                    <p:cTn id="21" fill="hold">
+                      <p:stCondLst>
+                        <p:cond delay="indefinite"/>
+                      </p:stCondLst>
+                      <p:childTnLst>
+                        <p:par>
+                          <p:cTn id="22" fill="hold">
+                            <p:stCondLst>
+                              <p:cond delay="0"/>
+                            </p:stCondLst>
+                            <p:childTnLst>
+                              <p:par>
+                                <p:cTn id="23" presetID="2" presetClass="entr" presetSubtype="8" fill="hold" nodeType="clickEffect">
+                                  <p:stCondLst>
+                                    <p:cond delay="0"/>
+                                  </p:stCondLst>
+                                  <p:childTnLst>
+                                    <p:set>
+                                      <p:cBhvr>
+                                        <p:cTn id="24" dur="1" fill="hold">
+                                          <p:stCondLst>
+                                            <p:cond delay="0"/>
+                                          </p:stCondLst>
+                                        </p:cTn>
+                                        <p:tgtEl>
+                                          <p:spTgt spid="43"/>
+                                        </p:tgtEl>
+                                        <p:attrNameLst>
+                                          <p:attrName>style.visibility</p:attrName>
+                                        </p:attrNameLst>
+                                      </p:cBhvr>
+                                      <p:to>
+                                        <p:strVal val="visible"/>
+                                      </p:to>
+                                    </p:set>
+                                    <p:anim calcmode="lin" valueType="num">
+                                      <p:cBhvr additive="base">
+                                        <p:cTn id="25" dur="500" fill="hold"/>
+                                        <p:tgtEl>
+                                          <p:spTgt spid="43"/>
+                                        </p:tgtEl>
+                                        <p:attrNameLst>
+                                          <p:attrName>ppt_x</p:attrName>
+                                        </p:attrNameLst>
+                                      </p:cBhvr>
+                                      <p:tavLst>
+                                        <p:tav tm="0">
+                                          <p:val>
+                                            <p:strVal val="0-#ppt_w/2"/>
+                                          </p:val>
+                                        </p:tav>
+                                        <p:tav tm="100000">
+                                          <p:val>
+                                            <p:strVal val="#ppt_x"/>
+                                          </p:val>
+                                        </p:tav>
+                                      </p:tavLst>
+                                    </p:anim>
+                                    <p:anim calcmode="lin" valueType="num">
+                                      <p:cBhvr additive="base">
+                                        <p:cTn id="26" dur="500" fill="hold"/>
+                                        <p:tgtEl>
+                                          <p:spTgt spid="43"/>
+                                        </p:tgtEl>
+                                        <p:attrNameLst>
+                                          <p:attrName>ppt_y</p:attrName>
+                                        </p:attrNameLst>
+                                      </p:cBhvr>
+                                      <p:tavLst>
+                                        <p:tav tm="0">
+                                          <p:val>
+                                            <p:strVal val="#ppt_y"/>
+                                          </p:val>
+                                        </p:tav>
+                                        <p:tav tm="100000">
+                                          <p:val>
+                                            <p:strVal val="#ppt_y"/>
+                                          </p:val>
+                                        </p:tav>
+                                      </p:tavLst>
+                                    </p:anim>
+                                  </p:childTnLst>
+                                </p:cTn>
+                              </p:par>
+                            </p:childTnLst>
+                          </p:cTn>
+                        </p:par>
+                      </p:childTnLst>
+                    </p:cTn>
+                  </p:par>
+                  <p:par>
+                    <p:cTn id="27" fill="hold">
+                      <p:stCondLst>
+                        <p:cond delay="indefinite"/>
+                      </p:stCondLst>
+                      <p:childTnLst>
+                        <p:par>
+                          <p:cTn id="28" fill="hold">
+                            <p:stCondLst>
+                              <p:cond delay="0"/>
+                            </p:stCondLst>
+                            <p:childTnLst>
+                              <p:par>
+                                <p:cTn id="29" presetID="2" presetClass="entr" presetSubtype="4" fill="hold" nodeType="clickEffect">
+                                  <p:stCondLst>
+                                    <p:cond delay="0"/>
+                                  </p:stCondLst>
+                                  <p:childTnLst>
+                                    <p:set>
+                                      <p:cBhvr>
+                                        <p:cTn id="30" dur="1" fill="hold">
+                                          <p:stCondLst>
+                                            <p:cond delay="0"/>
+                                          </p:stCondLst>
+                                        </p:cTn>
+                                        <p:tgtEl>
+                                          <p:spTgt spid="44"/>
+                                        </p:tgtEl>
+                                        <p:attrNameLst>
+                                          <p:attrName>style.visibility</p:attrName>
+                                        </p:attrNameLst>
+                                      </p:cBhvr>
+                                      <p:to>
+                                        <p:strVal val="visible"/>
+                                      </p:to>
+                                    </p:set>
+                                    <p:anim calcmode="lin" valueType="num">
+                                      <p:cBhvr additive="base">
+                                        <p:cTn id="31" dur="500" fill="hold"/>
+                                        <p:tgtEl>
+                                          <p:spTgt spid="44"/>
+                                        </p:tgtEl>
+                                        <p:attrNameLst>
+                                          <p:attrName>ppt_x</p:attrName>
+                                        </p:attrNameLst>
+                                      </p:cBhvr>
+                                      <p:tavLst>
+                                        <p:tav tm="0">
+                                          <p:val>
+                                            <p:strVal val="#ppt_x"/>
+                                          </p:val>
+                                        </p:tav>
+                                        <p:tav tm="100000">
+                                          <p:val>
+                                            <p:strVal val="#ppt_x"/>
+                                          </p:val>
+                                        </p:tav>
+                                      </p:tavLst>
+                                    </p:anim>
+                                    <p:anim calcmode="lin" valueType="num">
+                                      <p:cBhvr additive="base">
+                                        <p:cTn id="32" dur="500" fill="hold"/>
+                                        <p:tgtEl>
+                                          <p:spTgt spid="44"/>
+                                        </p:tgtEl>
+                                        <p:attrNameLst>
+                                          <p:attrName>ppt_y</p:attrName>
+                                        </p:attrNameLst>
+                                      </p:cBhvr>
+                                      <p:tavLst>
+                                        <p:tav tm="0">
+                                          <p:val>
+                                            <p:strVal val="1+#ppt_h/2"/>
+                                          </p:val>
+                                        </p:tav>
+                                        <p:tav tm="100000">
+                                          <p:val>
+                                            <p:strVal val="#ppt_y"/>
+                                          </p:val>
+                                        </p:tav>
+                                      </p:tavLst>
+                                    </p:anim>
+                                  </p:childTnLst>
+                                </p:cTn>
+                              </p:par>
+                            </p:childTnLst>
+                          </p:cTn>
+                        </p:par>
+                      </p:childTnLst>
+                    </p:cTn>
+                  </p:par>
+                  <p:par>
+                    <p:cTn id="33" fill="hold">
+                      <p:stCondLst>
+                        <p:cond delay="indefinite"/>
+                      </p:stCondLst>
+                      <p:childTnLst>
+                        <p:par>
+                          <p:cTn id="34" fill="hold">
+                            <p:stCondLst>
+                              <p:cond delay="0"/>
+                            </p:stCondLst>
+                            <p:childTnLst>
+                              <p:par>
+                                <p:cTn id="35" presetID="2" presetClass="entr" presetSubtype="4" fill="hold" nodeType="clickEffect">
+                                  <p:stCondLst>
+                                    <p:cond delay="0"/>
+                                  </p:stCondLst>
+                                  <p:childTnLst>
+                                    <p:set>
+                                      <p:cBhvr>
+                                        <p:cTn id="36" dur="1" fill="hold">
+                                          <p:stCondLst>
+                                            <p:cond delay="0"/>
+                                          </p:stCondLst>
+                                        </p:cTn>
+                                        <p:tgtEl>
+                                          <p:spTgt spid="51"/>
+                                        </p:tgtEl>
+                                        <p:attrNameLst>
+                                          <p:attrName>style.visibility</p:attrName>
+                                        </p:attrNameLst>
+                                      </p:cBhvr>
+                                      <p:to>
+                                        <p:strVal val="visible"/>
+                                      </p:to>
+                                    </p:set>
+                                    <p:anim calcmode="lin" valueType="num">
+                                      <p:cBhvr additive="base">
+                                        <p:cTn id="37" dur="500" fill="hold"/>
+                                        <p:tgtEl>
+                                          <p:spTgt spid="51"/>
+                                        </p:tgtEl>
+                                        <p:attrNameLst>
+                                          <p:attrName>ppt_x</p:attrName>
+                                        </p:attrNameLst>
+                                      </p:cBhvr>
+                                      <p:tavLst>
+                                        <p:tav tm="0">
+                                          <p:val>
+                                            <p:strVal val="#ppt_x"/>
+                                          </p:val>
+                                        </p:tav>
+                                        <p:tav tm="100000">
+                                          <p:val>
+                                            <p:strVal val="#ppt_x"/>
+                                          </p:val>
+                                        </p:tav>
+                                      </p:tavLst>
+                                    </p:anim>
+                                    <p:anim calcmode="lin" valueType="num">
+                                      <p:cBhvr additive="base">
+                                        <p:cTn id="38" dur="500" fill="hold"/>
+                                        <p:tgtEl>
+                                          <p:spTgt spid="51"/>
+                                        </p:tgtEl>
+                                        <p:attrNameLst>
+                                          <p:attrName>ppt_y</p:attrName>
+                                        </p:attrNameLst>
+                                      </p:cBhvr>
+                                      <p:tavLst>
+                                        <p:tav tm="0">
+                                          <p:val>
+                                            <p:strVal val="1+#ppt_h/2"/>
+                                          </p:val>
+                                        </p:tav>
+                                        <p:tav tm="100000">
+                                          <p:val>
+                                            <p:strVal val="#ppt_y"/>
+                                          </p:val>
+                                        </p:tav>
+                                      </p:tavLst>
+                                    </p:anim>
+                                  </p:childTnLst>
+                                </p:cTn>
+                              </p:par>
+                            </p:childTnLst>
+                          </p:cTn>
+                        </p:par>
+                      </p:childTnLst>
+                    </p:cTn>
+                  </p:par>
+                  <p:par>
+                    <p:cTn id="39" fill="hold">
+                      <p:stCondLst>
+                        <p:cond delay="indefinite"/>
+                      </p:stCondLst>
+                      <p:childTnLst>
+                        <p:par>
+                          <p:cTn id="40" fill="hold">
+                            <p:stCondLst>
+                              <p:cond delay="0"/>
+                            </p:stCondLst>
+                            <p:childTnLst>
+                              <p:par>
+                                <p:cTn id="41" presetID="42" presetClass="entr" presetSubtype="0" fill="hold" nodeType="clickEffect">
+                                  <p:stCondLst>
+                                    <p:cond delay="0"/>
+                                  </p:stCondLst>
+                                  <p:childTnLst>
+                                    <p:set>
+                                      <p:cBhvr>
+                                        <p:cTn id="42" dur="1" fill="hold">
+                                          <p:stCondLst>
+                                            <p:cond delay="0"/>
+                                          </p:stCondLst>
+                                        </p:cTn>
+                                        <p:tgtEl>
+                                          <p:spTgt spid="39"/>
+                                        </p:tgtEl>
+                                        <p:attrNameLst>
+                                          <p:attrName>style.visibility</p:attrName>
+                                        </p:attrNameLst>
+                                      </p:cBhvr>
+                                      <p:to>
+                                        <p:strVal val="visible"/>
+                                      </p:to>
+                                    </p:set>
+                                    <p:animEffect transition="in" filter="fade">
+                                      <p:cBhvr>
+                                        <p:cTn id="43" dur="1000"/>
+                                        <p:tgtEl>
+                                          <p:spTgt spid="39"/>
+                                        </p:tgtEl>
+                                      </p:cBhvr>
+                                    </p:animEffect>
+                                    <p:anim calcmode="lin" valueType="num">
+                                      <p:cBhvr>
+                                        <p:cTn id="44" dur="1000" fill="hold"/>
+                                        <p:tgtEl>
+                                          <p:spTgt spid="39"/>
+                                        </p:tgtEl>
+                                        <p:attrNameLst>
+                                          <p:attrName>ppt_x</p:attrName>
+                                        </p:attrNameLst>
+                                      </p:cBhvr>
+                                      <p:tavLst>
+                                        <p:tav tm="0">
+                                          <p:val>
+                                            <p:strVal val="#ppt_x"/>
+                                          </p:val>
+                                        </p:tav>
+                                        <p:tav tm="100000">
+                                          <p:val>
+                                            <p:strVal val="#ppt_x"/>
+                                          </p:val>
+                                        </p:tav>
+                                      </p:tavLst>
+                                    </p:anim>
+                                    <p:anim calcmode="lin" valueType="num">
+                                      <p:cBhvr>
+                                        <p:cTn id="45" dur="1000" fill="hold"/>
+                                        <p:tgtEl>
+                                          <p:spTgt spid="39"/>
+                                        </p:tgtEl>
+                                        <p:attrNameLst>
+                                          <p:attrName>ppt_y</p:attrName>
+                                        </p:attrNameLst>
+                                      </p:cBhvr>
+                                      <p:tavLst>
+                                        <p:tav tm="0">
+                                          <p:val>
+                                            <p:strVal val="#ppt_y+.1"/>
+                                          </p:val>
+                                        </p:tav>
+                                        <p:tav tm="100000">
+                                          <p:val>
+                                            <p:strVal val="#ppt_y"/>
+                                          </p:val>
+                                        </p:tav>
+                                      </p:tavLst>
+                                    </p:anim>
+                                  </p:childTnLst>
+                                </p:cTn>
+                              </p:par>
+                            </p:childTnLst>
+                          </p:cTn>
+                        </p:par>
+                      </p:childTnLst>
+                    </p:cTn>
+                  </p:par>
+                  <p:par>
+                    <p:cTn id="46" fill="hold">
+                      <p:stCondLst>
+                        <p:cond delay="indefinite"/>
+                      </p:stCondLst>
+                      <p:childTnLst>
+                        <p:par>
+                          <p:cTn id="47" fill="hold">
+                            <p:stCondLst>
+                              <p:cond delay="0"/>
+                            </p:stCondLst>
+                            <p:childTnLst>
+                              <p:par>
+                                <p:cTn id="48" presetID="14" presetClass="entr" presetSubtype="10" fill="hold" nodeType="clickEffect">
+                                  <p:stCondLst>
+                                    <p:cond delay="0"/>
+                                  </p:stCondLst>
+                                  <p:childTnLst>
+                                    <p:set>
+                                      <p:cBhvr>
+                                        <p:cTn id="49" dur="1" fill="hold">
+                                          <p:stCondLst>
+                                            <p:cond delay="0"/>
+                                          </p:stCondLst>
+                                        </p:cTn>
+                                        <p:tgtEl>
+                                          <p:spTgt spid="52">
+                                            <p:txEl>
+                                              <p:pRg st="0" end="0"/>
+                                            </p:txEl>
+                                          </p:spTgt>
+                                        </p:tgtEl>
+                                        <p:attrNameLst>
+                                          <p:attrName>style.visibility</p:attrName>
+                                        </p:attrNameLst>
+                                      </p:cBhvr>
+                                      <p:to>
+                                        <p:strVal val="visible"/>
+                                      </p:to>
+                                    </p:set>
+                                    <p:animEffect transition="in" filter="randombar(horizontal)">
+                                      <p:cBhvr>
+                                        <p:cTn id="50" dur="500"/>
+                                        <p:tgtEl>
+                                          <p:spTgt spid="52">
+                                            <p:txEl>
+                                              <p:pRg st="0" end="0"/>
+                                            </p:txEl>
+                                          </p:spTgt>
+                                        </p:tgtEl>
+                                      </p:cBhvr>
+                                    </p:animEffect>
+                                  </p:childTnLst>
+                                </p:cTn>
+                              </p:par>
+                            </p:childTnLst>
+                          </p:cTn>
+                        </p:par>
+                      </p:childTnLst>
+                    </p:cTn>
+                  </p:par>
+                </p:childTnLst>
+              </p:cTn>
+              <p:prevCondLst>
+                <p:cond evt="onPrev" delay="0">
+                  <p:tgtEl>
+                    <p:sldTgt/>
+                  </p:tgtEl>
+                </p:cond>
+              </p:prevCondLst>
+              <p:nextCondLst>
+                <p:cond evt="onNext" delay="0">
+                  <p:tgtEl>
+                    <p:sldTgt/>
+                  </p:tgtEl>
+                </p:cond>
+              </p:nextCondLst>
+            </p:seq>
+          </p:childTnLst>
+        </p:cTn>
+      </p:par>
+    </p:tnLst>
+  </p:timing>
 </p:sld>
 </file>
 
@@ -5097,58 +9084,1266 @@
       </p:grpSpPr>
       <p:sp>
         <p:nvSpPr>
-          <p:cNvPr id="2" name="Title 1">
-            <a:extLst>
-              <a:ext uri="{FF2B5EF4-FFF2-40B4-BE49-F238E27FC236}">
-                <a16:creationId xmlns:a16="http://schemas.microsoft.com/office/drawing/2014/main" id="{BDE04E92-B253-4476-A518-7932D16FA3A9}"/>
-              </a:ext>
-            </a:extLst>
-          </p:cNvPr>
-          <p:cNvSpPr>
-            <a:spLocks noGrp="1"/>
-          </p:cNvSpPr>
-          <p:nvPr>
-            <p:ph type="title"/>
-          </p:nvPr>
+          <p:cNvPr id="4" name="Rectangle: Rounded Corners 3">
+            <a:extLst>
+              <a:ext uri="{FF2B5EF4-FFF2-40B4-BE49-F238E27FC236}">
+                <a16:creationId xmlns:a16="http://schemas.microsoft.com/office/drawing/2014/main" id="{C41BC727-4A78-4BEF-B380-AAC78D6A762A}"/>
+              </a:ext>
+            </a:extLst>
+          </p:cNvPr>
+          <p:cNvSpPr/>
+          <p:nvPr/>
         </p:nvSpPr>
-        <p:spPr/>
+        <p:spPr>
+          <a:xfrm>
+            <a:off x="2795955" y="844062"/>
+            <a:ext cx="1661746" cy="641838"/>
+          </a:xfrm>
+          <a:prstGeom prst="roundRect">
+            <a:avLst/>
+          </a:prstGeom>
+          <a:solidFill>
+            <a:schemeClr val="bg1"/>
+          </a:solidFill>
+        </p:spPr>
+        <p:style>
+          <a:lnRef idx="2">
+            <a:schemeClr val="accent1">
+              <a:shade val="50000"/>
+            </a:schemeClr>
+          </a:lnRef>
+          <a:fillRef idx="1">
+            <a:schemeClr val="accent1"/>
+          </a:fillRef>
+          <a:effectRef idx="0">
+            <a:schemeClr val="accent1"/>
+          </a:effectRef>
+          <a:fontRef idx="minor">
+            <a:schemeClr val="lt1"/>
+          </a:fontRef>
+        </p:style>
         <p:txBody>
-          <a:bodyPr/>
+          <a:bodyPr rtlCol="0" anchor="ctr"/>
           <a:lstStyle/>
           <a:p>
-            <a:endParaRPr lang="en-US"/>
+            <a:pPr algn="ctr"/>
+            <a:r>
+              <a:rPr lang="en-US" dirty="0">
+                <a:solidFill>
+                  <a:schemeClr val="tx1"/>
+                </a:solidFill>
+              </a:rPr>
+              <a:t>New incident comes</a:t>
+            </a:r>
           </a:p>
         </p:txBody>
       </p:sp>
-      <p:sp>
-        <p:nvSpPr>
-          <p:cNvPr id="3" name="Content Placeholder 2">
-            <a:extLst>
-              <a:ext uri="{FF2B5EF4-FFF2-40B4-BE49-F238E27FC236}">
-                <a16:creationId xmlns:a16="http://schemas.microsoft.com/office/drawing/2014/main" id="{11A2C533-0468-4D5A-8594-2A7F5DB76F1F}"/>
-              </a:ext>
-            </a:extLst>
-          </p:cNvPr>
-          <p:cNvSpPr>
-            <a:spLocks noGrp="1"/>
-          </p:cNvSpPr>
-          <p:nvPr>
-            <p:ph idx="1"/>
-          </p:nvPr>
-        </p:nvSpPr>
-        <p:spPr/>
-        <p:txBody>
-          <a:bodyPr/>
-          <a:lstStyle/>
-          <a:p>
-            <a:endParaRPr lang="en-US"/>
-          </a:p>
-        </p:txBody>
-      </p:sp>
+      <p:grpSp>
+        <p:nvGrpSpPr>
+          <p:cNvPr id="40" name="Group 39">
+            <a:extLst>
+              <a:ext uri="{FF2B5EF4-FFF2-40B4-BE49-F238E27FC236}">
+                <a16:creationId xmlns:a16="http://schemas.microsoft.com/office/drawing/2014/main" id="{4B4A4BF8-BF65-4C1C-AC78-8A9D9AA1FDAF}"/>
+              </a:ext>
+            </a:extLst>
+          </p:cNvPr>
+          <p:cNvGrpSpPr/>
+          <p:nvPr/>
+        </p:nvGrpSpPr>
+        <p:grpSpPr>
+          <a:xfrm>
+            <a:off x="2795955" y="1485900"/>
+            <a:ext cx="1661746" cy="1304192"/>
+            <a:chOff x="2795955" y="1485900"/>
+            <a:chExt cx="1661746" cy="1304192"/>
+          </a:xfrm>
+        </p:grpSpPr>
+        <p:sp>
+          <p:nvSpPr>
+            <p:cNvPr id="5" name="Rectangle: Rounded Corners 4">
+              <a:extLst>
+                <a:ext uri="{FF2B5EF4-FFF2-40B4-BE49-F238E27FC236}">
+                  <a16:creationId xmlns:a16="http://schemas.microsoft.com/office/drawing/2014/main" id="{D975745E-99D3-4F38-BF34-3A67B55394EA}"/>
+                </a:ext>
+              </a:extLst>
+            </p:cNvPr>
+            <p:cNvSpPr/>
+            <p:nvPr/>
+          </p:nvSpPr>
+          <p:spPr>
+            <a:xfrm>
+              <a:off x="2795955" y="2148254"/>
+              <a:ext cx="1661746" cy="641838"/>
+            </a:xfrm>
+            <a:prstGeom prst="roundRect">
+              <a:avLst/>
+            </a:prstGeom>
+            <a:solidFill>
+              <a:schemeClr val="bg1"/>
+            </a:solidFill>
+          </p:spPr>
+          <p:style>
+            <a:lnRef idx="2">
+              <a:schemeClr val="accent1">
+                <a:shade val="50000"/>
+              </a:schemeClr>
+            </a:lnRef>
+            <a:fillRef idx="1">
+              <a:schemeClr val="accent1"/>
+            </a:fillRef>
+            <a:effectRef idx="0">
+              <a:schemeClr val="accent1"/>
+            </a:effectRef>
+            <a:fontRef idx="minor">
+              <a:schemeClr val="lt1"/>
+            </a:fontRef>
+          </p:style>
+          <p:txBody>
+            <a:bodyPr rtlCol="0" anchor="ctr"/>
+            <a:lstStyle/>
+            <a:p>
+              <a:pPr algn="ctr"/>
+              <a:r>
+                <a:rPr lang="en-US" dirty="0">
+                  <a:solidFill>
+                    <a:schemeClr val="tx1"/>
+                  </a:solidFill>
+                </a:rPr>
+                <a:t>Check component</a:t>
+              </a:r>
+            </a:p>
+          </p:txBody>
+        </p:sp>
+        <p:grpSp>
+          <p:nvGrpSpPr>
+            <p:cNvPr id="33" name="Group 32">
+              <a:extLst>
+                <a:ext uri="{FF2B5EF4-FFF2-40B4-BE49-F238E27FC236}">
+                  <a16:creationId xmlns:a16="http://schemas.microsoft.com/office/drawing/2014/main" id="{85F7B770-DAC5-461B-B2DE-8CB7C9DF096A}"/>
+                </a:ext>
+              </a:extLst>
+            </p:cNvPr>
+            <p:cNvGrpSpPr/>
+            <p:nvPr/>
+          </p:nvGrpSpPr>
+          <p:grpSpPr>
+            <a:xfrm>
+              <a:off x="3325142" y="1485900"/>
+              <a:ext cx="301686" cy="662354"/>
+              <a:chOff x="3325142" y="1485900"/>
+              <a:chExt cx="301686" cy="662354"/>
+            </a:xfrm>
+          </p:grpSpPr>
+          <p:cxnSp>
+            <p:nvCxnSpPr>
+              <p:cNvPr id="12" name="Straight Arrow Connector 11">
+                <a:extLst>
+                  <a:ext uri="{FF2B5EF4-FFF2-40B4-BE49-F238E27FC236}">
+                    <a16:creationId xmlns:a16="http://schemas.microsoft.com/office/drawing/2014/main" id="{A34D900B-7F77-4A39-A314-289F55185468}"/>
+                  </a:ext>
+                </a:extLst>
+              </p:cNvPr>
+              <p:cNvCxnSpPr>
+                <a:stCxn id="4" idx="2"/>
+                <a:endCxn id="5" idx="0"/>
+              </p:cNvCxnSpPr>
+              <p:nvPr/>
+            </p:nvCxnSpPr>
+            <p:spPr>
+              <a:xfrm>
+                <a:off x="3626828" y="1485900"/>
+                <a:ext cx="0" cy="662354"/>
+              </a:xfrm>
+              <a:prstGeom prst="straightConnector1">
+                <a:avLst/>
+              </a:prstGeom>
+              <a:ln>
+                <a:tailEnd type="triangle"/>
+              </a:ln>
+            </p:spPr>
+            <p:style>
+              <a:lnRef idx="1">
+                <a:schemeClr val="accent1"/>
+              </a:lnRef>
+              <a:fillRef idx="0">
+                <a:schemeClr val="accent1"/>
+              </a:fillRef>
+              <a:effectRef idx="0">
+                <a:schemeClr val="accent1"/>
+              </a:effectRef>
+              <a:fontRef idx="minor">
+                <a:schemeClr val="tx1"/>
+              </a:fontRef>
+            </p:style>
+          </p:cxnSp>
+          <p:sp>
+            <p:nvSpPr>
+              <p:cNvPr id="26" name="TextBox 25">
+                <a:extLst>
+                  <a:ext uri="{FF2B5EF4-FFF2-40B4-BE49-F238E27FC236}">
+                    <a16:creationId xmlns:a16="http://schemas.microsoft.com/office/drawing/2014/main" id="{DBD1249C-015C-427F-8435-6433780E8CF9}"/>
+                  </a:ext>
+                </a:extLst>
+              </p:cNvPr>
+              <p:cNvSpPr txBox="1"/>
+              <p:nvPr/>
+            </p:nvSpPr>
+            <p:spPr>
+              <a:xfrm>
+                <a:off x="3325142" y="1663184"/>
+                <a:ext cx="301686" cy="369332"/>
+              </a:xfrm>
+              <a:prstGeom prst="rect">
+                <a:avLst/>
+              </a:prstGeom>
+              <a:noFill/>
+            </p:spPr>
+            <p:txBody>
+              <a:bodyPr wrap="none" rtlCol="0">
+                <a:spAutoFit/>
+              </a:bodyPr>
+              <a:lstStyle/>
+              <a:p>
+                <a:r>
+                  <a:rPr lang="en-US" b="1" dirty="0">
+                    <a:solidFill>
+                      <a:srgbClr val="FF0000"/>
+                    </a:solidFill>
+                  </a:rPr>
+                  <a:t>1</a:t>
+                </a:r>
+              </a:p>
+            </p:txBody>
+          </p:sp>
+        </p:grpSp>
+      </p:grpSp>
+      <p:grpSp>
+        <p:nvGrpSpPr>
+          <p:cNvPr id="41" name="Group 40">
+            <a:extLst>
+              <a:ext uri="{FF2B5EF4-FFF2-40B4-BE49-F238E27FC236}">
+                <a16:creationId xmlns:a16="http://schemas.microsoft.com/office/drawing/2014/main" id="{FADE8A37-32EE-4574-91AF-46B34E00F33B}"/>
+              </a:ext>
+            </a:extLst>
+          </p:cNvPr>
+          <p:cNvGrpSpPr/>
+          <p:nvPr/>
+        </p:nvGrpSpPr>
+        <p:grpSpPr>
+          <a:xfrm>
+            <a:off x="2795955" y="2790092"/>
+            <a:ext cx="1661746" cy="1406770"/>
+            <a:chOff x="2795955" y="2790092"/>
+            <a:chExt cx="1661746" cy="1406770"/>
+          </a:xfrm>
+        </p:grpSpPr>
+        <p:sp>
+          <p:nvSpPr>
+            <p:cNvPr id="6" name="Rectangle: Rounded Corners 5">
+              <a:extLst>
+                <a:ext uri="{FF2B5EF4-FFF2-40B4-BE49-F238E27FC236}">
+                  <a16:creationId xmlns:a16="http://schemas.microsoft.com/office/drawing/2014/main" id="{097CB6ED-A126-45AA-821C-B163938799C7}"/>
+                </a:ext>
+              </a:extLst>
+            </p:cNvPr>
+            <p:cNvSpPr/>
+            <p:nvPr/>
+          </p:nvSpPr>
+          <p:spPr>
+            <a:xfrm>
+              <a:off x="2795955" y="3555024"/>
+              <a:ext cx="1661746" cy="641838"/>
+            </a:xfrm>
+            <a:prstGeom prst="roundRect">
+              <a:avLst/>
+            </a:prstGeom>
+            <a:solidFill>
+              <a:srgbClr val="FFFF00"/>
+            </a:solidFill>
+          </p:spPr>
+          <p:style>
+            <a:lnRef idx="2">
+              <a:schemeClr val="accent1">
+                <a:shade val="50000"/>
+              </a:schemeClr>
+            </a:lnRef>
+            <a:fillRef idx="1">
+              <a:schemeClr val="accent1"/>
+            </a:fillRef>
+            <a:effectRef idx="0">
+              <a:schemeClr val="accent1"/>
+            </a:effectRef>
+            <a:fontRef idx="minor">
+              <a:schemeClr val="lt1"/>
+            </a:fontRef>
+          </p:style>
+          <p:txBody>
+            <a:bodyPr rtlCol="0" anchor="ctr"/>
+            <a:lstStyle/>
+            <a:p>
+              <a:pPr algn="ctr"/>
+              <a:r>
+                <a:rPr lang="en-US" dirty="0">
+                  <a:solidFill>
+                    <a:schemeClr val="tx1"/>
+                  </a:solidFill>
+                  <a:highlight>
+                    <a:srgbClr val="FFFF00"/>
+                  </a:highlight>
+                </a:rPr>
+                <a:t>Check RCC</a:t>
+              </a:r>
+            </a:p>
+          </p:txBody>
+        </p:sp>
+        <p:grpSp>
+          <p:nvGrpSpPr>
+            <p:cNvPr id="34" name="Group 33">
+              <a:extLst>
+                <a:ext uri="{FF2B5EF4-FFF2-40B4-BE49-F238E27FC236}">
+                  <a16:creationId xmlns:a16="http://schemas.microsoft.com/office/drawing/2014/main" id="{02059B33-B3FD-4B5F-91CD-AD1821CACB35}"/>
+                </a:ext>
+              </a:extLst>
+            </p:cNvPr>
+            <p:cNvGrpSpPr/>
+            <p:nvPr/>
+          </p:nvGrpSpPr>
+          <p:grpSpPr>
+            <a:xfrm>
+              <a:off x="3325142" y="2790092"/>
+              <a:ext cx="301686" cy="764932"/>
+              <a:chOff x="3325142" y="2790092"/>
+              <a:chExt cx="301686" cy="764932"/>
+            </a:xfrm>
+          </p:grpSpPr>
+          <p:cxnSp>
+            <p:nvCxnSpPr>
+              <p:cNvPr id="14" name="Straight Arrow Connector 13">
+                <a:extLst>
+                  <a:ext uri="{FF2B5EF4-FFF2-40B4-BE49-F238E27FC236}">
+                    <a16:creationId xmlns:a16="http://schemas.microsoft.com/office/drawing/2014/main" id="{C0B5C360-3A04-42E8-A33C-D9FDFB881437}"/>
+                  </a:ext>
+                </a:extLst>
+              </p:cNvPr>
+              <p:cNvCxnSpPr>
+                <a:stCxn id="5" idx="2"/>
+                <a:endCxn id="6" idx="0"/>
+              </p:cNvCxnSpPr>
+              <p:nvPr/>
+            </p:nvCxnSpPr>
+            <p:spPr>
+              <a:xfrm>
+                <a:off x="3626828" y="2790092"/>
+                <a:ext cx="0" cy="764932"/>
+              </a:xfrm>
+              <a:prstGeom prst="straightConnector1">
+                <a:avLst/>
+              </a:prstGeom>
+              <a:ln>
+                <a:tailEnd type="triangle"/>
+              </a:ln>
+            </p:spPr>
+            <p:style>
+              <a:lnRef idx="1">
+                <a:schemeClr val="accent1"/>
+              </a:lnRef>
+              <a:fillRef idx="0">
+                <a:schemeClr val="accent1"/>
+              </a:fillRef>
+              <a:effectRef idx="0">
+                <a:schemeClr val="accent1"/>
+              </a:effectRef>
+              <a:fontRef idx="minor">
+                <a:schemeClr val="tx1"/>
+              </a:fontRef>
+            </p:style>
+          </p:cxnSp>
+          <p:sp>
+            <p:nvSpPr>
+              <p:cNvPr id="27" name="TextBox 26">
+                <a:extLst>
+                  <a:ext uri="{FF2B5EF4-FFF2-40B4-BE49-F238E27FC236}">
+                    <a16:creationId xmlns:a16="http://schemas.microsoft.com/office/drawing/2014/main" id="{8644D955-DFD6-42F1-A148-664D8D4EB72F}"/>
+                  </a:ext>
+                </a:extLst>
+              </p:cNvPr>
+              <p:cNvSpPr txBox="1"/>
+              <p:nvPr/>
+            </p:nvSpPr>
+            <p:spPr>
+              <a:xfrm>
+                <a:off x="3325142" y="2987892"/>
+                <a:ext cx="301686" cy="369332"/>
+              </a:xfrm>
+              <a:prstGeom prst="rect">
+                <a:avLst/>
+              </a:prstGeom>
+              <a:noFill/>
+            </p:spPr>
+            <p:txBody>
+              <a:bodyPr wrap="none" rtlCol="0">
+                <a:spAutoFit/>
+              </a:bodyPr>
+              <a:lstStyle/>
+              <a:p>
+                <a:r>
+                  <a:rPr lang="en-US" altLang="zh-CN" b="1" dirty="0">
+                    <a:solidFill>
+                      <a:srgbClr val="FF0000"/>
+                    </a:solidFill>
+                  </a:rPr>
+                  <a:t>2</a:t>
+                </a:r>
+                <a:endParaRPr lang="en-US" b="1" dirty="0">
+                  <a:solidFill>
+                    <a:srgbClr val="FF0000"/>
+                  </a:solidFill>
+                </a:endParaRPr>
+              </a:p>
+            </p:txBody>
+          </p:sp>
+        </p:grpSp>
+      </p:grpSp>
+      <p:grpSp>
+        <p:nvGrpSpPr>
+          <p:cNvPr id="42" name="Group 41">
+            <a:extLst>
+              <a:ext uri="{FF2B5EF4-FFF2-40B4-BE49-F238E27FC236}">
+                <a16:creationId xmlns:a16="http://schemas.microsoft.com/office/drawing/2014/main" id="{9966F955-3473-4C80-8EE6-FC8697ECB720}"/>
+              </a:ext>
+            </a:extLst>
+          </p:cNvPr>
+          <p:cNvGrpSpPr/>
+          <p:nvPr/>
+        </p:nvGrpSpPr>
+        <p:grpSpPr>
+          <a:xfrm>
+            <a:off x="2795955" y="4196862"/>
+            <a:ext cx="1661746" cy="1693984"/>
+            <a:chOff x="2795955" y="4196862"/>
+            <a:chExt cx="1661746" cy="1693984"/>
+          </a:xfrm>
+        </p:grpSpPr>
+        <p:sp>
+          <p:nvSpPr>
+            <p:cNvPr id="7" name="Rectangle: Rounded Corners 6">
+              <a:extLst>
+                <a:ext uri="{FF2B5EF4-FFF2-40B4-BE49-F238E27FC236}">
+                  <a16:creationId xmlns:a16="http://schemas.microsoft.com/office/drawing/2014/main" id="{148BC411-7B6E-442B-99E5-AC2695326822}"/>
+                </a:ext>
+              </a:extLst>
+            </p:cNvPr>
+            <p:cNvSpPr/>
+            <p:nvPr/>
+          </p:nvSpPr>
+          <p:spPr>
+            <a:xfrm>
+              <a:off x="2795955" y="4961794"/>
+              <a:ext cx="1661746" cy="929052"/>
+            </a:xfrm>
+            <a:prstGeom prst="roundRect">
+              <a:avLst/>
+            </a:prstGeom>
+            <a:solidFill>
+              <a:srgbClr val="FFFF00"/>
+            </a:solidFill>
+          </p:spPr>
+          <p:style>
+            <a:lnRef idx="2">
+              <a:schemeClr val="accent1">
+                <a:shade val="50000"/>
+              </a:schemeClr>
+            </a:lnRef>
+            <a:fillRef idx="1">
+              <a:schemeClr val="accent1"/>
+            </a:fillRef>
+            <a:effectRef idx="0">
+              <a:schemeClr val="accent1"/>
+            </a:effectRef>
+            <a:fontRef idx="minor">
+              <a:schemeClr val="lt1"/>
+            </a:fontRef>
+          </p:style>
+          <p:txBody>
+            <a:bodyPr rtlCol="0" anchor="ctr"/>
+            <a:lstStyle/>
+            <a:p>
+              <a:pPr algn="ctr"/>
+              <a:r>
+                <a:rPr lang="en-US" dirty="0">
+                  <a:solidFill>
+                    <a:schemeClr val="tx1"/>
+                  </a:solidFill>
+                  <a:highlight>
+                    <a:srgbClr val="FFFF00"/>
+                  </a:highlight>
+                </a:rPr>
+                <a:t>Think then assign to whom</a:t>
+              </a:r>
+            </a:p>
+          </p:txBody>
+        </p:sp>
+        <p:grpSp>
+          <p:nvGrpSpPr>
+            <p:cNvPr id="35" name="Group 34">
+              <a:extLst>
+                <a:ext uri="{FF2B5EF4-FFF2-40B4-BE49-F238E27FC236}">
+                  <a16:creationId xmlns:a16="http://schemas.microsoft.com/office/drawing/2014/main" id="{8E9AF9CA-B552-4054-BF11-E4039B74371D}"/>
+                </a:ext>
+              </a:extLst>
+            </p:cNvPr>
+            <p:cNvGrpSpPr/>
+            <p:nvPr/>
+          </p:nvGrpSpPr>
+          <p:grpSpPr>
+            <a:xfrm>
+              <a:off x="3345750" y="4196862"/>
+              <a:ext cx="301686" cy="764932"/>
+              <a:chOff x="3345750" y="4196862"/>
+              <a:chExt cx="301686" cy="764932"/>
+            </a:xfrm>
+          </p:grpSpPr>
+          <p:cxnSp>
+            <p:nvCxnSpPr>
+              <p:cNvPr id="17" name="Straight Arrow Connector 16">
+                <a:extLst>
+                  <a:ext uri="{FF2B5EF4-FFF2-40B4-BE49-F238E27FC236}">
+                    <a16:creationId xmlns:a16="http://schemas.microsoft.com/office/drawing/2014/main" id="{BB59AEFB-77F2-45F0-8D96-4D70BBAEE0E6}"/>
+                  </a:ext>
+                </a:extLst>
+              </p:cNvPr>
+              <p:cNvCxnSpPr>
+                <a:stCxn id="6" idx="2"/>
+                <a:endCxn id="7" idx="0"/>
+              </p:cNvCxnSpPr>
+              <p:nvPr/>
+            </p:nvCxnSpPr>
+            <p:spPr>
+              <a:xfrm>
+                <a:off x="3626828" y="4196862"/>
+                <a:ext cx="0" cy="764932"/>
+              </a:xfrm>
+              <a:prstGeom prst="straightConnector1">
+                <a:avLst/>
+              </a:prstGeom>
+              <a:ln>
+                <a:tailEnd type="triangle"/>
+              </a:ln>
+            </p:spPr>
+            <p:style>
+              <a:lnRef idx="1">
+                <a:schemeClr val="accent1"/>
+              </a:lnRef>
+              <a:fillRef idx="0">
+                <a:schemeClr val="accent1"/>
+              </a:fillRef>
+              <a:effectRef idx="0">
+                <a:schemeClr val="accent1"/>
+              </a:effectRef>
+              <a:fontRef idx="minor">
+                <a:schemeClr val="tx1"/>
+              </a:fontRef>
+            </p:style>
+          </p:cxnSp>
+          <p:sp>
+            <p:nvSpPr>
+              <p:cNvPr id="28" name="TextBox 27">
+                <a:extLst>
+                  <a:ext uri="{FF2B5EF4-FFF2-40B4-BE49-F238E27FC236}">
+                    <a16:creationId xmlns:a16="http://schemas.microsoft.com/office/drawing/2014/main" id="{A7642A16-8F83-4766-A61A-3C80670362A2}"/>
+                  </a:ext>
+                </a:extLst>
+              </p:cNvPr>
+              <p:cNvSpPr txBox="1"/>
+              <p:nvPr/>
+            </p:nvSpPr>
+            <p:spPr>
+              <a:xfrm>
+                <a:off x="3345750" y="4407091"/>
+                <a:ext cx="301686" cy="369332"/>
+              </a:xfrm>
+              <a:prstGeom prst="rect">
+                <a:avLst/>
+              </a:prstGeom>
+              <a:noFill/>
+            </p:spPr>
+            <p:txBody>
+              <a:bodyPr wrap="none" rtlCol="0">
+                <a:spAutoFit/>
+              </a:bodyPr>
+              <a:lstStyle/>
+              <a:p>
+                <a:r>
+                  <a:rPr lang="en-US" b="1" dirty="0">
+                    <a:solidFill>
+                      <a:srgbClr val="FF0000"/>
+                    </a:solidFill>
+                  </a:rPr>
+                  <a:t>3</a:t>
+                </a:r>
+              </a:p>
+            </p:txBody>
+          </p:sp>
+        </p:grpSp>
+      </p:grpSp>
+      <p:grpSp>
+        <p:nvGrpSpPr>
+          <p:cNvPr id="43" name="Group 42">
+            <a:extLst>
+              <a:ext uri="{FF2B5EF4-FFF2-40B4-BE49-F238E27FC236}">
+                <a16:creationId xmlns:a16="http://schemas.microsoft.com/office/drawing/2014/main" id="{F2F66D56-E73B-4508-8E65-A8F3DC4495DB}"/>
+              </a:ext>
+            </a:extLst>
+          </p:cNvPr>
+          <p:cNvGrpSpPr/>
+          <p:nvPr/>
+        </p:nvGrpSpPr>
+        <p:grpSpPr>
+          <a:xfrm>
+            <a:off x="4457701" y="5047436"/>
+            <a:ext cx="3511062" cy="699803"/>
+            <a:chOff x="4457701" y="5047436"/>
+            <a:chExt cx="3511062" cy="699803"/>
+          </a:xfrm>
+        </p:grpSpPr>
+        <p:sp>
+          <p:nvSpPr>
+            <p:cNvPr id="8" name="Rectangle: Rounded Corners 7">
+              <a:extLst>
+                <a:ext uri="{FF2B5EF4-FFF2-40B4-BE49-F238E27FC236}">
+                  <a16:creationId xmlns:a16="http://schemas.microsoft.com/office/drawing/2014/main" id="{4069475A-A087-4834-8ED8-11DC941BDAA4}"/>
+                </a:ext>
+              </a:extLst>
+            </p:cNvPr>
+            <p:cNvSpPr/>
+            <p:nvPr/>
+          </p:nvSpPr>
+          <p:spPr>
+            <a:xfrm>
+              <a:off x="6307017" y="5105401"/>
+              <a:ext cx="1661746" cy="641838"/>
+            </a:xfrm>
+            <a:prstGeom prst="roundRect">
+              <a:avLst/>
+            </a:prstGeom>
+            <a:solidFill>
+              <a:schemeClr val="bg1"/>
+            </a:solidFill>
+          </p:spPr>
+          <p:style>
+            <a:lnRef idx="2">
+              <a:schemeClr val="accent1">
+                <a:shade val="50000"/>
+              </a:schemeClr>
+            </a:lnRef>
+            <a:fillRef idx="1">
+              <a:schemeClr val="accent1"/>
+            </a:fillRef>
+            <a:effectRef idx="0">
+              <a:schemeClr val="accent1"/>
+            </a:effectRef>
+            <a:fontRef idx="minor">
+              <a:schemeClr val="lt1"/>
+            </a:fontRef>
+          </p:style>
+          <p:txBody>
+            <a:bodyPr rtlCol="0" anchor="ctr"/>
+            <a:lstStyle/>
+            <a:p>
+              <a:pPr algn="ctr"/>
+              <a:r>
+                <a:rPr lang="en-US" dirty="0">
+                  <a:solidFill>
+                    <a:schemeClr val="tx1"/>
+                  </a:solidFill>
+                </a:rPr>
+                <a:t>Increase 1 in Excel</a:t>
+              </a:r>
+            </a:p>
+          </p:txBody>
+        </p:sp>
+        <p:grpSp>
+          <p:nvGrpSpPr>
+            <p:cNvPr id="36" name="Group 35">
+              <a:extLst>
+                <a:ext uri="{FF2B5EF4-FFF2-40B4-BE49-F238E27FC236}">
+                  <a16:creationId xmlns:a16="http://schemas.microsoft.com/office/drawing/2014/main" id="{899551EB-67C0-4D7A-9AC0-7487BAF88BF6}"/>
+                </a:ext>
+              </a:extLst>
+            </p:cNvPr>
+            <p:cNvGrpSpPr/>
+            <p:nvPr/>
+          </p:nvGrpSpPr>
+          <p:grpSpPr>
+            <a:xfrm>
+              <a:off x="4457701" y="5047436"/>
+              <a:ext cx="1849316" cy="378884"/>
+              <a:chOff x="4457701" y="5047436"/>
+              <a:chExt cx="1849316" cy="378884"/>
+            </a:xfrm>
+          </p:grpSpPr>
+          <p:cxnSp>
+            <p:nvCxnSpPr>
+              <p:cNvPr id="19" name="Straight Arrow Connector 18">
+                <a:extLst>
+                  <a:ext uri="{FF2B5EF4-FFF2-40B4-BE49-F238E27FC236}">
+                    <a16:creationId xmlns:a16="http://schemas.microsoft.com/office/drawing/2014/main" id="{2F356735-7CF0-44C8-B91D-9046AB559C0F}"/>
+                  </a:ext>
+                </a:extLst>
+              </p:cNvPr>
+              <p:cNvCxnSpPr>
+                <a:stCxn id="7" idx="3"/>
+                <a:endCxn id="8" idx="1"/>
+              </p:cNvCxnSpPr>
+              <p:nvPr/>
+            </p:nvCxnSpPr>
+            <p:spPr>
+              <a:xfrm>
+                <a:off x="4457701" y="5426320"/>
+                <a:ext cx="1849316" cy="0"/>
+              </a:xfrm>
+              <a:prstGeom prst="straightConnector1">
+                <a:avLst/>
+              </a:prstGeom>
+              <a:ln>
+                <a:tailEnd type="triangle"/>
+              </a:ln>
+            </p:spPr>
+            <p:style>
+              <a:lnRef idx="1">
+                <a:schemeClr val="accent1"/>
+              </a:lnRef>
+              <a:fillRef idx="0">
+                <a:schemeClr val="accent1"/>
+              </a:fillRef>
+              <a:effectRef idx="0">
+                <a:schemeClr val="accent1"/>
+              </a:effectRef>
+              <a:fontRef idx="minor">
+                <a:schemeClr val="tx1"/>
+              </a:fontRef>
+            </p:style>
+          </p:cxnSp>
+          <p:sp>
+            <p:nvSpPr>
+              <p:cNvPr id="29" name="TextBox 28">
+                <a:extLst>
+                  <a:ext uri="{FF2B5EF4-FFF2-40B4-BE49-F238E27FC236}">
+                    <a16:creationId xmlns:a16="http://schemas.microsoft.com/office/drawing/2014/main" id="{1E269E2E-077B-4867-B148-BBF4426212AE}"/>
+                  </a:ext>
+                </a:extLst>
+              </p:cNvPr>
+              <p:cNvSpPr txBox="1"/>
+              <p:nvPr/>
+            </p:nvSpPr>
+            <p:spPr>
+              <a:xfrm>
+                <a:off x="5233074" y="5047436"/>
+                <a:ext cx="301686" cy="369332"/>
+              </a:xfrm>
+              <a:prstGeom prst="rect">
+                <a:avLst/>
+              </a:prstGeom>
+              <a:noFill/>
+            </p:spPr>
+            <p:txBody>
+              <a:bodyPr wrap="none" rtlCol="0">
+                <a:spAutoFit/>
+              </a:bodyPr>
+              <a:lstStyle/>
+              <a:p>
+                <a:r>
+                  <a:rPr lang="en-US" b="1" dirty="0">
+                    <a:solidFill>
+                      <a:srgbClr val="FF0000"/>
+                    </a:solidFill>
+                  </a:rPr>
+                  <a:t>4</a:t>
+                </a:r>
+              </a:p>
+            </p:txBody>
+          </p:sp>
+        </p:grpSp>
+      </p:grpSp>
+      <p:grpSp>
+        <p:nvGrpSpPr>
+          <p:cNvPr id="44" name="Group 43">
+            <a:extLst>
+              <a:ext uri="{FF2B5EF4-FFF2-40B4-BE49-F238E27FC236}">
+                <a16:creationId xmlns:a16="http://schemas.microsoft.com/office/drawing/2014/main" id="{D8A2D94E-1EE1-48C3-B60C-53D5A2C5FFEF}"/>
+              </a:ext>
+            </a:extLst>
+          </p:cNvPr>
+          <p:cNvGrpSpPr/>
+          <p:nvPr/>
+        </p:nvGrpSpPr>
+        <p:grpSpPr>
+          <a:xfrm>
+            <a:off x="6167806" y="3448050"/>
+            <a:ext cx="1940168" cy="1657351"/>
+            <a:chOff x="6167806" y="3448050"/>
+            <a:chExt cx="1940168" cy="1657351"/>
+          </a:xfrm>
+        </p:grpSpPr>
+        <p:sp>
+          <p:nvSpPr>
+            <p:cNvPr id="9" name="Rectangle: Rounded Corners 8">
+              <a:extLst>
+                <a:ext uri="{FF2B5EF4-FFF2-40B4-BE49-F238E27FC236}">
+                  <a16:creationId xmlns:a16="http://schemas.microsoft.com/office/drawing/2014/main" id="{9E186DD0-4E0D-4581-A231-551201A64F63}"/>
+                </a:ext>
+              </a:extLst>
+            </p:cNvPr>
+            <p:cNvSpPr/>
+            <p:nvPr/>
+          </p:nvSpPr>
+          <p:spPr>
+            <a:xfrm>
+              <a:off x="6167806" y="3448050"/>
+              <a:ext cx="1940168" cy="855785"/>
+            </a:xfrm>
+            <a:prstGeom prst="roundRect">
+              <a:avLst/>
+            </a:prstGeom>
+            <a:solidFill>
+              <a:schemeClr val="bg1"/>
+            </a:solidFill>
+          </p:spPr>
+          <p:style>
+            <a:lnRef idx="2">
+              <a:schemeClr val="accent1">
+                <a:shade val="50000"/>
+              </a:schemeClr>
+            </a:lnRef>
+            <a:fillRef idx="1">
+              <a:schemeClr val="accent1"/>
+            </a:fillRef>
+            <a:effectRef idx="0">
+              <a:schemeClr val="accent1"/>
+            </a:effectRef>
+            <a:fontRef idx="minor">
+              <a:schemeClr val="lt1"/>
+            </a:fontRef>
+          </p:style>
+          <p:txBody>
+            <a:bodyPr rtlCol="0" anchor="ctr"/>
+            <a:lstStyle/>
+            <a:p>
+              <a:pPr algn="ctr"/>
+              <a:r>
+                <a:rPr lang="en-US" dirty="0">
+                  <a:solidFill>
+                    <a:schemeClr val="tx1"/>
+                  </a:solidFill>
+                </a:rPr>
+                <a:t>Copy processors </a:t>
+              </a:r>
+              <a:r>
+                <a:rPr lang="en-US" dirty="0" err="1">
+                  <a:solidFill>
+                    <a:schemeClr val="tx1"/>
+                  </a:solidFill>
+                </a:rPr>
+                <a:t>i</a:t>
+              </a:r>
+              <a:r>
+                <a:rPr lang="en-US" dirty="0">
+                  <a:solidFill>
+                    <a:schemeClr val="tx1"/>
+                  </a:solidFill>
+                </a:rPr>
+                <a:t>-number</a:t>
+              </a:r>
+            </a:p>
+          </p:txBody>
+        </p:sp>
+        <p:grpSp>
+          <p:nvGrpSpPr>
+            <p:cNvPr id="37" name="Group 36">
+              <a:extLst>
+                <a:ext uri="{FF2B5EF4-FFF2-40B4-BE49-F238E27FC236}">
+                  <a16:creationId xmlns:a16="http://schemas.microsoft.com/office/drawing/2014/main" id="{BDF14513-8EE7-477A-85CB-1D10103EC82A}"/>
+                </a:ext>
+              </a:extLst>
+            </p:cNvPr>
+            <p:cNvGrpSpPr/>
+            <p:nvPr/>
+          </p:nvGrpSpPr>
+          <p:grpSpPr>
+            <a:xfrm>
+              <a:off x="6915335" y="4303835"/>
+              <a:ext cx="301686" cy="801566"/>
+              <a:chOff x="6915335" y="4303835"/>
+              <a:chExt cx="301686" cy="801566"/>
+            </a:xfrm>
+          </p:grpSpPr>
+          <p:cxnSp>
+            <p:nvCxnSpPr>
+              <p:cNvPr id="21" name="Straight Arrow Connector 20">
+                <a:extLst>
+                  <a:ext uri="{FF2B5EF4-FFF2-40B4-BE49-F238E27FC236}">
+                    <a16:creationId xmlns:a16="http://schemas.microsoft.com/office/drawing/2014/main" id="{0800F2A9-D6E4-4F79-ADD6-B50FAD2B7977}"/>
+                  </a:ext>
+                </a:extLst>
+              </p:cNvPr>
+              <p:cNvCxnSpPr>
+                <a:stCxn id="8" idx="0"/>
+                <a:endCxn id="9" idx="2"/>
+              </p:cNvCxnSpPr>
+              <p:nvPr/>
+            </p:nvCxnSpPr>
+            <p:spPr>
+              <a:xfrm flipV="1">
+                <a:off x="7137890" y="4303835"/>
+                <a:ext cx="0" cy="801566"/>
+              </a:xfrm>
+              <a:prstGeom prst="straightConnector1">
+                <a:avLst/>
+              </a:prstGeom>
+              <a:ln>
+                <a:tailEnd type="triangle"/>
+              </a:ln>
+            </p:spPr>
+            <p:style>
+              <a:lnRef idx="1">
+                <a:schemeClr val="accent1"/>
+              </a:lnRef>
+              <a:fillRef idx="0">
+                <a:schemeClr val="accent1"/>
+              </a:fillRef>
+              <a:effectRef idx="0">
+                <a:schemeClr val="accent1"/>
+              </a:effectRef>
+              <a:fontRef idx="minor">
+                <a:schemeClr val="tx1"/>
+              </a:fontRef>
+            </p:style>
+          </p:cxnSp>
+          <p:sp>
+            <p:nvSpPr>
+              <p:cNvPr id="30" name="TextBox 29">
+                <a:extLst>
+                  <a:ext uri="{FF2B5EF4-FFF2-40B4-BE49-F238E27FC236}">
+                    <a16:creationId xmlns:a16="http://schemas.microsoft.com/office/drawing/2014/main" id="{37709F23-1AFD-4294-97D2-5F196E3601FD}"/>
+                  </a:ext>
+                </a:extLst>
+              </p:cNvPr>
+              <p:cNvSpPr txBox="1"/>
+              <p:nvPr/>
+            </p:nvSpPr>
+            <p:spPr>
+              <a:xfrm>
+                <a:off x="6915335" y="4519952"/>
+                <a:ext cx="301686" cy="369332"/>
+              </a:xfrm>
+              <a:prstGeom prst="rect">
+                <a:avLst/>
+              </a:prstGeom>
+              <a:noFill/>
+            </p:spPr>
+            <p:txBody>
+              <a:bodyPr wrap="none" rtlCol="0">
+                <a:spAutoFit/>
+              </a:bodyPr>
+              <a:lstStyle/>
+              <a:p>
+                <a:r>
+                  <a:rPr lang="en-US" b="1" dirty="0">
+                    <a:solidFill>
+                      <a:srgbClr val="FF0000"/>
+                    </a:solidFill>
+                  </a:rPr>
+                  <a:t>5</a:t>
+                </a:r>
+              </a:p>
+            </p:txBody>
+          </p:sp>
+        </p:grpSp>
+      </p:grpSp>
+      <p:grpSp>
+        <p:nvGrpSpPr>
+          <p:cNvPr id="39" name="Group 38">
+            <a:extLst>
+              <a:ext uri="{FF2B5EF4-FFF2-40B4-BE49-F238E27FC236}">
+                <a16:creationId xmlns:a16="http://schemas.microsoft.com/office/drawing/2014/main" id="{207AE701-D4BB-4361-BC92-1826718C7069}"/>
+              </a:ext>
+            </a:extLst>
+          </p:cNvPr>
+          <p:cNvGrpSpPr/>
+          <p:nvPr/>
+        </p:nvGrpSpPr>
+        <p:grpSpPr>
+          <a:xfrm>
+            <a:off x="4457701" y="1164981"/>
+            <a:ext cx="1849316" cy="1240448"/>
+            <a:chOff x="4457701" y="1164981"/>
+            <a:chExt cx="1849316" cy="1240448"/>
+          </a:xfrm>
+        </p:grpSpPr>
+        <p:cxnSp>
+          <p:nvCxnSpPr>
+            <p:cNvPr id="25" name="Straight Arrow Connector 24">
+              <a:extLst>
+                <a:ext uri="{FF2B5EF4-FFF2-40B4-BE49-F238E27FC236}">
+                  <a16:creationId xmlns:a16="http://schemas.microsoft.com/office/drawing/2014/main" id="{22556102-C768-428F-BE06-44738F4FCE98}"/>
+                </a:ext>
+              </a:extLst>
+            </p:cNvPr>
+            <p:cNvCxnSpPr>
+              <a:cxnSpLocks/>
+              <a:endCxn id="4" idx="3"/>
+            </p:cNvCxnSpPr>
+            <p:nvPr/>
+          </p:nvCxnSpPr>
+          <p:spPr>
+            <a:xfrm flipH="1" flipV="1">
+              <a:off x="4457701" y="1164981"/>
+              <a:ext cx="1849316" cy="1240448"/>
+            </a:xfrm>
+            <a:prstGeom prst="straightConnector1">
+              <a:avLst/>
+            </a:prstGeom>
+            <a:ln>
+              <a:tailEnd type="triangle"/>
+            </a:ln>
+          </p:spPr>
+          <p:style>
+            <a:lnRef idx="1">
+              <a:schemeClr val="accent1"/>
+            </a:lnRef>
+            <a:fillRef idx="0">
+              <a:schemeClr val="accent1"/>
+            </a:fillRef>
+            <a:effectRef idx="0">
+              <a:schemeClr val="accent1"/>
+            </a:effectRef>
+            <a:fontRef idx="minor">
+              <a:schemeClr val="tx1"/>
+            </a:fontRef>
+          </p:style>
+        </p:cxnSp>
+        <p:sp>
+          <p:nvSpPr>
+            <p:cNvPr id="32" name="TextBox 31">
+              <a:extLst>
+                <a:ext uri="{FF2B5EF4-FFF2-40B4-BE49-F238E27FC236}">
+                  <a16:creationId xmlns:a16="http://schemas.microsoft.com/office/drawing/2014/main" id="{699A1163-31EF-4ED2-AC93-9E13567B66A8}"/>
+                </a:ext>
+              </a:extLst>
+            </p:cNvPr>
+            <p:cNvSpPr txBox="1"/>
+            <p:nvPr/>
+          </p:nvSpPr>
+          <p:spPr>
+            <a:xfrm>
+              <a:off x="5328233" y="1421734"/>
+              <a:ext cx="301686" cy="369332"/>
+            </a:xfrm>
+            <a:prstGeom prst="rect">
+              <a:avLst/>
+            </a:prstGeom>
+            <a:noFill/>
+          </p:spPr>
+          <p:txBody>
+            <a:bodyPr wrap="none" rtlCol="0">
+              <a:spAutoFit/>
+            </a:bodyPr>
+            <a:lstStyle/>
+            <a:p>
+              <a:r>
+                <a:rPr lang="en-US" b="1" dirty="0">
+                  <a:solidFill>
+                    <a:srgbClr val="FF0000"/>
+                  </a:solidFill>
+                </a:rPr>
+                <a:t>7</a:t>
+              </a:r>
+            </a:p>
+          </p:txBody>
+        </p:sp>
+      </p:grpSp>
+      <p:grpSp>
+        <p:nvGrpSpPr>
+          <p:cNvPr id="51" name="Group 50">
+            <a:extLst>
+              <a:ext uri="{FF2B5EF4-FFF2-40B4-BE49-F238E27FC236}">
+                <a16:creationId xmlns:a16="http://schemas.microsoft.com/office/drawing/2014/main" id="{64837E3E-E648-4721-9803-38026BD87EE8}"/>
+              </a:ext>
+            </a:extLst>
+          </p:cNvPr>
+          <p:cNvGrpSpPr/>
+          <p:nvPr/>
+        </p:nvGrpSpPr>
+        <p:grpSpPr>
+          <a:xfrm>
+            <a:off x="6307017" y="2084510"/>
+            <a:ext cx="1661746" cy="1363540"/>
+            <a:chOff x="6307017" y="2085243"/>
+            <a:chExt cx="1661746" cy="1363540"/>
+          </a:xfrm>
+        </p:grpSpPr>
+        <p:sp>
+          <p:nvSpPr>
+            <p:cNvPr id="47" name="Rectangle: Rounded Corners 46">
+              <a:extLst>
+                <a:ext uri="{FF2B5EF4-FFF2-40B4-BE49-F238E27FC236}">
+                  <a16:creationId xmlns:a16="http://schemas.microsoft.com/office/drawing/2014/main" id="{B5876230-FF95-47C7-96AE-13F30BD89B2A}"/>
+                </a:ext>
+              </a:extLst>
+            </p:cNvPr>
+            <p:cNvSpPr/>
+            <p:nvPr/>
+          </p:nvSpPr>
+          <p:spPr>
+            <a:xfrm>
+              <a:off x="6307017" y="2085243"/>
+              <a:ext cx="1661746" cy="641838"/>
+            </a:xfrm>
+            <a:prstGeom prst="roundRect">
+              <a:avLst/>
+            </a:prstGeom>
+            <a:solidFill>
+              <a:schemeClr val="bg1"/>
+            </a:solidFill>
+          </p:spPr>
+          <p:style>
+            <a:lnRef idx="2">
+              <a:schemeClr val="accent1">
+                <a:shade val="50000"/>
+              </a:schemeClr>
+            </a:lnRef>
+            <a:fillRef idx="1">
+              <a:schemeClr val="accent1"/>
+            </a:fillRef>
+            <a:effectRef idx="0">
+              <a:schemeClr val="accent1"/>
+            </a:effectRef>
+            <a:fontRef idx="minor">
+              <a:schemeClr val="lt1"/>
+            </a:fontRef>
+          </p:style>
+          <p:txBody>
+            <a:bodyPr rtlCol="0" anchor="ctr"/>
+            <a:lstStyle/>
+            <a:p>
+              <a:pPr algn="ctr"/>
+              <a:r>
+                <a:rPr lang="en-US" dirty="0">
+                  <a:solidFill>
+                    <a:schemeClr val="tx1"/>
+                  </a:solidFill>
+                </a:rPr>
+                <a:t>Paste to BCP</a:t>
+              </a:r>
+            </a:p>
+          </p:txBody>
+        </p:sp>
+        <p:grpSp>
+          <p:nvGrpSpPr>
+            <p:cNvPr id="48" name="Group 47">
+              <a:extLst>
+                <a:ext uri="{FF2B5EF4-FFF2-40B4-BE49-F238E27FC236}">
+                  <a16:creationId xmlns:a16="http://schemas.microsoft.com/office/drawing/2014/main" id="{8A0FF67A-C03E-417E-A68B-B35AE1D62C2E}"/>
+                </a:ext>
+              </a:extLst>
+            </p:cNvPr>
+            <p:cNvGrpSpPr/>
+            <p:nvPr/>
+          </p:nvGrpSpPr>
+          <p:grpSpPr>
+            <a:xfrm>
+              <a:off x="6836203" y="2727081"/>
+              <a:ext cx="301687" cy="721702"/>
+              <a:chOff x="6836203" y="2726348"/>
+              <a:chExt cx="301687" cy="721702"/>
+            </a:xfrm>
+          </p:grpSpPr>
+          <p:cxnSp>
+            <p:nvCxnSpPr>
+              <p:cNvPr id="49" name="Straight Arrow Connector 48">
+                <a:extLst>
+                  <a:ext uri="{FF2B5EF4-FFF2-40B4-BE49-F238E27FC236}">
+                    <a16:creationId xmlns:a16="http://schemas.microsoft.com/office/drawing/2014/main" id="{FAE5D7F1-3735-4664-80D2-AE6B03136A3B}"/>
+                  </a:ext>
+                </a:extLst>
+              </p:cNvPr>
+              <p:cNvCxnSpPr>
+                <a:endCxn id="47" idx="2"/>
+              </p:cNvCxnSpPr>
+              <p:nvPr/>
+            </p:nvCxnSpPr>
+            <p:spPr>
+              <a:xfrm flipV="1">
+                <a:off x="7137890" y="2726348"/>
+                <a:ext cx="0" cy="721702"/>
+              </a:xfrm>
+              <a:prstGeom prst="straightConnector1">
+                <a:avLst/>
+              </a:prstGeom>
+              <a:ln>
+                <a:tailEnd type="triangle"/>
+              </a:ln>
+            </p:spPr>
+            <p:style>
+              <a:lnRef idx="1">
+                <a:schemeClr val="accent1"/>
+              </a:lnRef>
+              <a:fillRef idx="0">
+                <a:schemeClr val="accent1"/>
+              </a:fillRef>
+              <a:effectRef idx="0">
+                <a:schemeClr val="accent1"/>
+              </a:effectRef>
+              <a:fontRef idx="minor">
+                <a:schemeClr val="tx1"/>
+              </a:fontRef>
+            </p:style>
+          </p:cxnSp>
+          <p:sp>
+            <p:nvSpPr>
+              <p:cNvPr id="50" name="TextBox 49">
+                <a:extLst>
+                  <a:ext uri="{FF2B5EF4-FFF2-40B4-BE49-F238E27FC236}">
+                    <a16:creationId xmlns:a16="http://schemas.microsoft.com/office/drawing/2014/main" id="{287ED141-47C2-4590-A95B-C09918E858C7}"/>
+                  </a:ext>
+                </a:extLst>
+              </p:cNvPr>
+              <p:cNvSpPr txBox="1"/>
+              <p:nvPr/>
+            </p:nvSpPr>
+            <p:spPr>
+              <a:xfrm>
+                <a:off x="6836203" y="2939534"/>
+                <a:ext cx="301686" cy="369332"/>
+              </a:xfrm>
+              <a:prstGeom prst="rect">
+                <a:avLst/>
+              </a:prstGeom>
+              <a:noFill/>
+            </p:spPr>
+            <p:txBody>
+              <a:bodyPr wrap="none" rtlCol="0">
+                <a:spAutoFit/>
+              </a:bodyPr>
+              <a:lstStyle/>
+              <a:p>
+                <a:r>
+                  <a:rPr lang="en-US" b="1" dirty="0">
+                    <a:solidFill>
+                      <a:srgbClr val="FF0000"/>
+                    </a:solidFill>
+                  </a:rPr>
+                  <a:t>6</a:t>
+                </a:r>
+              </a:p>
+            </p:txBody>
+          </p:sp>
+        </p:grpSp>
+      </p:grpSp>
     </p:spTree>
     <p:extLst>
       <p:ext uri="{BB962C8B-B14F-4D97-AF65-F5344CB8AC3E}">
-        <p14:creationId xmlns:p14="http://schemas.microsoft.com/office/powerpoint/2010/main" val="1351991648"/>
+        <p14:creationId xmlns:p14="http://schemas.microsoft.com/office/powerpoint/2010/main" val="3851105361"/>
       </p:ext>
     </p:extLst>
   </p:cSld>
@@ -5175,41 +10370,12 @@
           <a:chExt cx="0" cy="0"/>
         </a:xfrm>
       </p:grpSpPr>
-      <p:pic>
-        <p:nvPicPr>
-          <p:cNvPr id="4" name="Picture 3">
-            <a:extLst>
-              <a:ext uri="{FF2B5EF4-FFF2-40B4-BE49-F238E27FC236}">
-                <a16:creationId xmlns:a16="http://schemas.microsoft.com/office/drawing/2014/main" id="{A59C2979-9F39-4708-973B-065B3360D9AA}"/>
-              </a:ext>
-            </a:extLst>
-          </p:cNvPr>
-          <p:cNvPicPr>
-            <a:picLocks noChangeAspect="1"/>
-          </p:cNvPicPr>
-          <p:nvPr/>
-        </p:nvPicPr>
-        <p:blipFill rotWithShape="1">
-          <a:blip r:embed="rId2"/>
-          <a:srcRect l="22356"/>
-          <a:stretch/>
-        </p:blipFill>
-        <p:spPr>
-          <a:xfrm>
-            <a:off x="1327635" y="1945003"/>
-            <a:ext cx="9466385" cy="2528378"/>
-          </a:xfrm>
-          <a:prstGeom prst="rect">
-            <a:avLst/>
-          </a:prstGeom>
-        </p:spPr>
-      </p:pic>
       <p:sp>
         <p:nvSpPr>
-          <p:cNvPr id="5" name="TextBox 4">
-            <a:extLst>
-              <a:ext uri="{FF2B5EF4-FFF2-40B4-BE49-F238E27FC236}">
-                <a16:creationId xmlns:a16="http://schemas.microsoft.com/office/drawing/2014/main" id="{E76F82CA-3326-427B-9876-3FEB93D78293}"/>
+          <p:cNvPr id="4" name="TextBox 3">
+            <a:extLst>
+              <a:ext uri="{FF2B5EF4-FFF2-40B4-BE49-F238E27FC236}">
+                <a16:creationId xmlns:a16="http://schemas.microsoft.com/office/drawing/2014/main" id="{AD020C2B-9FEC-4A67-852B-FE85CC388706}"/>
               </a:ext>
             </a:extLst>
           </p:cNvPr>
@@ -5218,8 +10384,8 @@
         </p:nvSpPr>
         <p:spPr>
           <a:xfrm>
-            <a:off x="3339857" y="627274"/>
-            <a:ext cx="5441939" cy="584775"/>
+            <a:off x="5172903" y="659422"/>
+            <a:ext cx="1888273" cy="584775"/>
           </a:xfrm>
           <a:prstGeom prst="rect">
             <a:avLst/>
@@ -5235,21 +10401,48 @@
             <a:pPr algn="ctr"/>
             <a:r>
               <a:rPr lang="en-US" sz="3200" dirty="0"/>
-              <a:t>Step 1: find out the </a:t>
+              <a:t>check RCC</a:t>
             </a:r>
-            <a:r>
-              <a:rPr lang="en-US" sz="3200" b="1" dirty="0"/>
-              <a:t>component</a:t>
-            </a:r>
+            <a:endParaRPr lang="en-US" sz="3200" b="1" dirty="0"/>
           </a:p>
         </p:txBody>
       </p:sp>
+      <p:pic>
+        <p:nvPicPr>
+          <p:cNvPr id="5" name="Picture 4">
+            <a:extLst>
+              <a:ext uri="{FF2B5EF4-FFF2-40B4-BE49-F238E27FC236}">
+                <a16:creationId xmlns:a16="http://schemas.microsoft.com/office/drawing/2014/main" id="{4E1021F6-6CA2-4296-B326-75FEFE3035C6}"/>
+              </a:ext>
+            </a:extLst>
+          </p:cNvPr>
+          <p:cNvPicPr>
+            <a:picLocks noChangeAspect="1"/>
+          </p:cNvPicPr>
+          <p:nvPr/>
+        </p:nvPicPr>
+        <p:blipFill>
+          <a:blip r:embed="rId2"/>
+          <a:stretch>
+            <a:fillRect/>
+          </a:stretch>
+        </p:blipFill>
+        <p:spPr>
+          <a:xfrm>
+            <a:off x="2195080" y="1502752"/>
+            <a:ext cx="2333625" cy="4133850"/>
+          </a:xfrm>
+          <a:prstGeom prst="rect">
+            <a:avLst/>
+          </a:prstGeom>
+        </p:spPr>
+      </p:pic>
       <p:sp>
         <p:nvSpPr>
           <p:cNvPr id="6" name="TextBox 5">
             <a:extLst>
               <a:ext uri="{FF2B5EF4-FFF2-40B4-BE49-F238E27FC236}">
-                <a16:creationId xmlns:a16="http://schemas.microsoft.com/office/drawing/2014/main" id="{10754F3F-C786-4A66-A7CB-7C0D4E571DDD}"/>
+                <a16:creationId xmlns:a16="http://schemas.microsoft.com/office/drawing/2014/main" id="{30E781D6-120F-474F-AECA-89E8ECEEC45F}"/>
               </a:ext>
             </a:extLst>
           </p:cNvPr>
@@ -5258,8 +10451,8 @@
         </p:nvSpPr>
         <p:spPr>
           <a:xfrm>
-            <a:off x="5353550" y="5354515"/>
-            <a:ext cx="1414554" cy="584775"/>
+            <a:off x="5539154" y="3195935"/>
+            <a:ext cx="3818738" cy="461665"/>
           </a:xfrm>
           <a:prstGeom prst="rect">
             <a:avLst/>
@@ -5273,20 +10466,53 @@
           <a:lstStyle/>
           <a:p>
             <a:r>
-              <a:rPr lang="en-US" sz="3200" dirty="0"/>
-              <a:t>It’s </a:t>
+              <a:rPr lang="en-US" sz="2400" dirty="0"/>
+              <a:t>See who is </a:t>
             </a:r>
             <a:r>
-              <a:rPr lang="en-US" sz="3200" b="1" dirty="0"/>
-              <a:t>NW</a:t>
+              <a:rPr lang="en-US" sz="2400" b="1" dirty="0"/>
+              <a:t>unavailable</a:t>
+            </a:r>
+            <a:r>
+              <a:rPr lang="en-US" sz="2400" dirty="0"/>
+              <a:t> today</a:t>
             </a:r>
           </a:p>
         </p:txBody>
       </p:sp>
+      <p:pic>
+        <p:nvPicPr>
+          <p:cNvPr id="7" name="Picture 6">
+            <a:extLst>
+              <a:ext uri="{FF2B5EF4-FFF2-40B4-BE49-F238E27FC236}">
+                <a16:creationId xmlns:a16="http://schemas.microsoft.com/office/drawing/2014/main" id="{E3F20CBC-C11F-442C-817D-D4223E2D3826}"/>
+              </a:ext>
+            </a:extLst>
+          </p:cNvPr>
+          <p:cNvPicPr>
+            <a:picLocks noChangeAspect="1"/>
+          </p:cNvPicPr>
+          <p:nvPr/>
+        </p:nvPicPr>
+        <p:blipFill rotWithShape="1">
+          <a:blip r:embed="rId3"/>
+          <a:srcRect l="20860"/>
+          <a:stretch/>
+        </p:blipFill>
+        <p:spPr>
+          <a:xfrm>
+            <a:off x="434426" y="1626577"/>
+            <a:ext cx="1760654" cy="3886200"/>
+          </a:xfrm>
+          <a:prstGeom prst="rect">
+            <a:avLst/>
+          </a:prstGeom>
+        </p:spPr>
+      </p:pic>
     </p:spTree>
     <p:extLst>
       <p:ext uri="{BB962C8B-B14F-4D97-AF65-F5344CB8AC3E}">
-        <p14:creationId xmlns:p14="http://schemas.microsoft.com/office/powerpoint/2010/main" val="2998417534"/>
+        <p14:creationId xmlns:p14="http://schemas.microsoft.com/office/powerpoint/2010/main" val="3646278009"/>
       </p:ext>
     </p:extLst>
   </p:cSld>
@@ -5318,7 +10544,7 @@
           <p:cNvPr id="4" name="TextBox 3">
             <a:extLst>
               <a:ext uri="{FF2B5EF4-FFF2-40B4-BE49-F238E27FC236}">
-                <a16:creationId xmlns:a16="http://schemas.microsoft.com/office/drawing/2014/main" id="{E2747D06-2D45-495E-852A-B23A698EF17F}"/>
+                <a16:creationId xmlns:a16="http://schemas.microsoft.com/office/drawing/2014/main" id="{F7C0D7E9-78BF-4779-902F-318779BF039D}"/>
               </a:ext>
             </a:extLst>
           </p:cNvPr>
@@ -5327,8 +10553,8 @@
         </p:nvSpPr>
         <p:spPr>
           <a:xfrm>
-            <a:off x="4583670" y="641838"/>
-            <a:ext cx="3036793" cy="584775"/>
+            <a:off x="2777703" y="641838"/>
+            <a:ext cx="6648743" cy="584775"/>
           </a:xfrm>
           <a:prstGeom prst="rect">
             <a:avLst/>
@@ -5344,7 +10570,7 @@
             <a:pPr algn="ctr"/>
             <a:r>
               <a:rPr lang="en-US" sz="3200" dirty="0"/>
-              <a:t>Step 2: open URL</a:t>
+              <a:t>check these number &amp; assign to whom</a:t>
             </a:r>
             <a:endParaRPr lang="en-US" sz="3200" b="1" dirty="0"/>
           </a:p>
@@ -5352,10 +10578,10 @@
       </p:sp>
       <p:pic>
         <p:nvPicPr>
-          <p:cNvPr id="2" name="Picture 1">
-            <a:extLst>
-              <a:ext uri="{FF2B5EF4-FFF2-40B4-BE49-F238E27FC236}">
-                <a16:creationId xmlns:a16="http://schemas.microsoft.com/office/drawing/2014/main" id="{F6FF785C-0077-4B7F-A08E-B35D7BB953BE}"/>
+          <p:cNvPr id="5" name="Picture 4">
+            <a:extLst>
+              <a:ext uri="{FF2B5EF4-FFF2-40B4-BE49-F238E27FC236}">
+                <a16:creationId xmlns:a16="http://schemas.microsoft.com/office/drawing/2014/main" id="{890BC117-09E2-4A0F-90EC-0F4A84316DD9}"/>
               </a:ext>
             </a:extLst>
           </p:cNvPr>
@@ -5364,26 +10590,60 @@
           </p:cNvPicPr>
           <p:nvPr/>
         </p:nvPicPr>
-        <p:blipFill>
+        <p:blipFill rotWithShape="1">
           <a:blip r:embed="rId2"/>
-          <a:stretch>
-            <a:fillRect/>
-          </a:stretch>
+          <a:srcRect l="11033" r="37548"/>
+          <a:stretch/>
         </p:blipFill>
         <p:spPr>
           <a:xfrm>
-            <a:off x="1415561" y="1521056"/>
-            <a:ext cx="9642231" cy="4709586"/>
+            <a:off x="914399" y="1448655"/>
+            <a:ext cx="6268915" cy="4259627"/>
           </a:xfrm>
           <a:prstGeom prst="rect">
             <a:avLst/>
           </a:prstGeom>
         </p:spPr>
       </p:pic>
+      <p:sp>
+        <p:nvSpPr>
+          <p:cNvPr id="6" name="TextBox 5">
+            <a:extLst>
+              <a:ext uri="{FF2B5EF4-FFF2-40B4-BE49-F238E27FC236}">
+                <a16:creationId xmlns:a16="http://schemas.microsoft.com/office/drawing/2014/main" id="{2EF62303-144A-4A67-B21C-87D2C30E7333}"/>
+              </a:ext>
+            </a:extLst>
+          </p:cNvPr>
+          <p:cNvSpPr txBox="1"/>
+          <p:nvPr/>
+        </p:nvSpPr>
+        <p:spPr>
+          <a:xfrm>
+            <a:off x="7798776" y="2760785"/>
+            <a:ext cx="3231910" cy="584775"/>
+          </a:xfrm>
+          <a:prstGeom prst="rect">
+            <a:avLst/>
+          </a:prstGeom>
+          <a:noFill/>
+        </p:spPr>
+        <p:txBody>
+          <a:bodyPr wrap="none" rtlCol="0">
+            <a:spAutoFit/>
+          </a:bodyPr>
+          <a:lstStyle/>
+          <a:p>
+            <a:r>
+              <a:rPr lang="en-US" sz="3200" dirty="0"/>
+              <a:t>difficult to decide </a:t>
+            </a:r>
+          </a:p>
+        </p:txBody>
+      </p:sp>
     </p:spTree>
     <p:extLst>
       <p:ext uri="{BB962C8B-B14F-4D97-AF65-F5344CB8AC3E}">
-        <p14:creationId xmlns:p14="http://schemas.microsoft.com/office/powerpoint/2010/main" val="2905596521"/>
+        <p14:creationId xmlns:p14="http://schemas.microsoft.com/office/powerpoint/2010/main" val="3632294966"/>
       </p:ext>
     </p:extLst>
   </p:cSld>
